--- a/TechPresentation.pptx
+++ b/TechPresentation.pptx
@@ -109,6 +109,11 @@
       </a:defRPr>
     </a:lvl9pPr>
   </p:defaultTextStyle>
+  <p:extLst>
+    <p:ext uri="{EFAFB233-063F-42B5-8137-9DF3F51BA10A}">
+      <p15:sldGuideLst xmlns:p15="http://schemas.microsoft.com/office/powerpoint/2012/main"/>
+    </p:ext>
+  </p:extLst>
 </p:presentation>
 </file>
 
@@ -3495,7 +3500,7 @@
         </p:nvSpPr>
         <p:spPr>
           <a:xfrm>
-            <a:off x="821094" y="1940767"/>
+            <a:off x="821094" y="2286010"/>
             <a:ext cx="2500604" cy="2892490"/>
           </a:xfrm>
           <a:prstGeom prst="rect">
@@ -3540,7 +3545,7 @@
         </p:nvSpPr>
         <p:spPr>
           <a:xfrm>
-            <a:off x="4845698" y="1940767"/>
+            <a:off x="4845698" y="2286010"/>
             <a:ext cx="2500604" cy="2892490"/>
           </a:xfrm>
           <a:prstGeom prst="rect">
@@ -3584,7 +3589,7 @@
         </p:nvSpPr>
         <p:spPr>
           <a:xfrm>
-            <a:off x="8870302" y="1940767"/>
+            <a:off x="8870302" y="2286010"/>
             <a:ext cx="2500604" cy="2892490"/>
           </a:xfrm>
           <a:prstGeom prst="rect">
@@ -3628,7 +3633,7 @@
         </p:nvSpPr>
         <p:spPr>
           <a:xfrm>
-            <a:off x="1074575" y="2006081"/>
+            <a:off x="1074575" y="2351324"/>
             <a:ext cx="2006082" cy="461665"/>
           </a:xfrm>
           <a:prstGeom prst="rect">
@@ -3664,7 +3669,7 @@
         </p:nvSpPr>
         <p:spPr>
           <a:xfrm>
-            <a:off x="5099179" y="2006081"/>
+            <a:off x="5099179" y="2351324"/>
             <a:ext cx="2006082" cy="461665"/>
           </a:xfrm>
           <a:prstGeom prst="rect">
@@ -3700,7 +3705,7 @@
         </p:nvSpPr>
         <p:spPr>
           <a:xfrm>
-            <a:off x="9117563" y="2006081"/>
+            <a:off x="9117563" y="2351324"/>
             <a:ext cx="2006082" cy="461665"/>
           </a:xfrm>
           <a:prstGeom prst="rect">
@@ -3736,7 +3741,7 @@
         </p:nvSpPr>
         <p:spPr>
           <a:xfrm>
-            <a:off x="1166326" y="4301412"/>
+            <a:off x="1166326" y="4646655"/>
             <a:ext cx="1791477" cy="369332"/>
           </a:xfrm>
           <a:prstGeom prst="rect">
@@ -3772,7 +3777,7 @@
         </p:nvSpPr>
         <p:spPr>
           <a:xfrm>
-            <a:off x="5200261" y="4301412"/>
+            <a:off x="5200261" y="4646655"/>
             <a:ext cx="1791477" cy="369332"/>
           </a:xfrm>
           <a:prstGeom prst="rect">
@@ -3808,7 +3813,7 @@
         </p:nvSpPr>
         <p:spPr>
           <a:xfrm>
-            <a:off x="9224865" y="4299466"/>
+            <a:off x="9224865" y="4644709"/>
             <a:ext cx="1791477" cy="369332"/>
           </a:xfrm>
           <a:prstGeom prst="rect">
@@ -3844,7 +3849,7 @@
         </p:nvSpPr>
         <p:spPr>
           <a:xfrm>
-            <a:off x="3175518" y="1343608"/>
+            <a:off x="3175518" y="1688851"/>
             <a:ext cx="1923661" cy="485278"/>
           </a:xfrm>
           <a:prstGeom prst="uturnArrow">
@@ -3898,7 +3903,7 @@
         </p:nvSpPr>
         <p:spPr>
           <a:xfrm rot="10800000">
-            <a:off x="3080657" y="4945138"/>
+            <a:off x="3080657" y="5290381"/>
             <a:ext cx="1923661" cy="485278"/>
           </a:xfrm>
           <a:prstGeom prst="uturnArrow">
@@ -3952,7 +3957,7 @@
         </p:nvSpPr>
         <p:spPr>
           <a:xfrm>
-            <a:off x="7417837" y="3195691"/>
+            <a:off x="7417837" y="3540934"/>
             <a:ext cx="1380930" cy="382641"/>
           </a:xfrm>
           <a:prstGeom prst="leftRightArrow">
@@ -3996,7 +4001,7 @@
         </p:nvSpPr>
         <p:spPr>
           <a:xfrm>
-            <a:off x="7147249" y="2690109"/>
+            <a:off x="7147249" y="3035352"/>
             <a:ext cx="1922107" cy="553998"/>
           </a:xfrm>
           <a:prstGeom prst="rect">
@@ -4039,7 +4044,7 @@
         </p:nvSpPr>
         <p:spPr>
           <a:xfrm>
-            <a:off x="7539134" y="3578332"/>
+            <a:off x="7539134" y="3923575"/>
             <a:ext cx="1138335" cy="369332"/>
           </a:xfrm>
           <a:prstGeom prst="rect">
@@ -4075,7 +4080,7 @@
         </p:nvSpPr>
         <p:spPr>
           <a:xfrm>
-            <a:off x="945501" y="3094623"/>
+            <a:off x="945501" y="3439866"/>
             <a:ext cx="2251789" cy="584775"/>
           </a:xfrm>
           <a:prstGeom prst="rect">
@@ -4118,7 +4123,7 @@
         </p:nvSpPr>
         <p:spPr>
           <a:xfrm>
-            <a:off x="4973215" y="3008902"/>
+            <a:off x="4973215" y="3354145"/>
             <a:ext cx="2251789" cy="830997"/>
           </a:xfrm>
           <a:prstGeom prst="rect">
@@ -4168,7 +4173,7 @@
         </p:nvSpPr>
         <p:spPr>
           <a:xfrm>
-            <a:off x="9016483" y="3255123"/>
+            <a:off x="9016483" y="3600366"/>
             <a:ext cx="2251789" cy="338554"/>
           </a:xfrm>
           <a:prstGeom prst="rect">
@@ -4204,7 +4209,7 @@
         </p:nvSpPr>
         <p:spPr>
           <a:xfrm>
-            <a:off x="3363684" y="945445"/>
+            <a:off x="3363684" y="1290688"/>
             <a:ext cx="1547328" cy="369332"/>
           </a:xfrm>
           <a:prstGeom prst="rect">
@@ -4240,7 +4245,7 @@
         </p:nvSpPr>
         <p:spPr>
           <a:xfrm>
-            <a:off x="3041001" y="5488126"/>
+            <a:off x="3041001" y="5833369"/>
             <a:ext cx="2002971" cy="369332"/>
           </a:xfrm>
           <a:prstGeom prst="rect">
@@ -4306,8 +4311,8 @@
         </p:nvSpPr>
         <p:spPr>
           <a:xfrm>
-            <a:off x="401217" y="248789"/>
-            <a:ext cx="6671388" cy="584775"/>
+            <a:off x="401216" y="248789"/>
+            <a:ext cx="9349273" cy="584775"/>
           </a:xfrm>
           <a:prstGeom prst="rect">
             <a:avLst/>
@@ -4322,7 +4327,1638 @@
           <a:p>
             <a:r>
               <a:rPr lang="en-US" sz="3200" b="1" dirty="0"/>
-              <a:t>123456</a:t>
+              <a:t>React + Redux Architecture </a:t>
+            </a:r>
+            <a:r>
+              <a:rPr lang="en-US" altLang="zh-CN" sz="3200" b="1" dirty="0"/>
+              <a:t>— Create a business</a:t>
+            </a:r>
+            <a:endParaRPr lang="en-US" sz="3200" b="1" dirty="0"/>
+          </a:p>
+        </p:txBody>
+      </p:sp>
+      <p:sp>
+        <p:nvSpPr>
+          <p:cNvPr id="2" name="Rectangle: Rounded Corners 1">
+            <a:extLst>
+              <a:ext uri="{FF2B5EF4-FFF2-40B4-BE49-F238E27FC236}">
+                <a16:creationId xmlns:a16="http://schemas.microsoft.com/office/drawing/2014/main" id="{C797A3EB-B2E6-47F4-AE3F-4B142C0FDF43}"/>
+              </a:ext>
+            </a:extLst>
+          </p:cNvPr>
+          <p:cNvSpPr/>
+          <p:nvPr/>
+        </p:nvSpPr>
+        <p:spPr>
+          <a:xfrm>
+            <a:off x="401216" y="2934484"/>
+            <a:ext cx="1707502" cy="1306286"/>
+          </a:xfrm>
+          <a:prstGeom prst="roundRect">
+            <a:avLst/>
+          </a:prstGeom>
+          <a:gradFill flip="none" rotWithShape="1">
+            <a:gsLst>
+              <a:gs pos="0">
+                <a:schemeClr val="accent4">
+                  <a:lumMod val="110000"/>
+                  <a:satMod val="105000"/>
+                  <a:tint val="67000"/>
+                </a:schemeClr>
+              </a:gs>
+              <a:gs pos="50000">
+                <a:schemeClr val="accent4">
+                  <a:lumMod val="105000"/>
+                  <a:satMod val="103000"/>
+                  <a:tint val="73000"/>
+                </a:schemeClr>
+              </a:gs>
+              <a:gs pos="100000">
+                <a:schemeClr val="accent4">
+                  <a:lumMod val="105000"/>
+                  <a:satMod val="109000"/>
+                  <a:tint val="81000"/>
+                </a:schemeClr>
+              </a:gs>
+            </a:gsLst>
+            <a:lin ang="16200000" scaled="1"/>
+            <a:tileRect/>
+          </a:gradFill>
+          <a:ln w="38100"/>
+        </p:spPr>
+        <p:style>
+          <a:lnRef idx="1">
+            <a:schemeClr val="accent4"/>
+          </a:lnRef>
+          <a:fillRef idx="2">
+            <a:schemeClr val="accent4"/>
+          </a:fillRef>
+          <a:effectRef idx="1">
+            <a:schemeClr val="accent4"/>
+          </a:effectRef>
+          <a:fontRef idx="minor">
+            <a:schemeClr val="dk1"/>
+          </a:fontRef>
+        </p:style>
+        <p:txBody>
+          <a:bodyPr rtlCol="0" anchor="ctr"/>
+          <a:lstStyle/>
+          <a:p>
+            <a:pPr algn="ctr"/>
+            <a:endParaRPr lang="en-US"/>
+          </a:p>
+        </p:txBody>
+      </p:sp>
+      <p:sp>
+        <p:nvSpPr>
+          <p:cNvPr id="3" name="Rectangle: Rounded Corners 2">
+            <a:extLst>
+              <a:ext uri="{FF2B5EF4-FFF2-40B4-BE49-F238E27FC236}">
+                <a16:creationId xmlns:a16="http://schemas.microsoft.com/office/drawing/2014/main" id="{50D6B40E-C80A-4C2D-885F-96D5E093E0A1}"/>
+              </a:ext>
+            </a:extLst>
+          </p:cNvPr>
+          <p:cNvSpPr/>
+          <p:nvPr/>
+        </p:nvSpPr>
+        <p:spPr>
+          <a:xfrm>
+            <a:off x="3013786" y="3158418"/>
+            <a:ext cx="1623527" cy="1027488"/>
+          </a:xfrm>
+          <a:prstGeom prst="roundRect">
+            <a:avLst/>
+          </a:prstGeom>
+          <a:ln w="38100"/>
+        </p:spPr>
+        <p:style>
+          <a:lnRef idx="1">
+            <a:schemeClr val="accent5"/>
+          </a:lnRef>
+          <a:fillRef idx="2">
+            <a:schemeClr val="accent5"/>
+          </a:fillRef>
+          <a:effectRef idx="1">
+            <a:schemeClr val="accent5"/>
+          </a:effectRef>
+          <a:fontRef idx="minor">
+            <a:schemeClr val="dk1"/>
+          </a:fontRef>
+        </p:style>
+        <p:txBody>
+          <a:bodyPr rtlCol="0" anchor="ctr"/>
+          <a:lstStyle/>
+          <a:p>
+            <a:pPr algn="ctr"/>
+            <a:endParaRPr lang="en-US" dirty="0"/>
+          </a:p>
+        </p:txBody>
+      </p:sp>
+      <p:sp>
+        <p:nvSpPr>
+          <p:cNvPr id="5" name="Rectangle: Rounded Corners 4">
+            <a:extLst>
+              <a:ext uri="{FF2B5EF4-FFF2-40B4-BE49-F238E27FC236}">
+                <a16:creationId xmlns:a16="http://schemas.microsoft.com/office/drawing/2014/main" id="{963B50EB-0893-4A43-8EB1-3C92415C242B}"/>
+              </a:ext>
+            </a:extLst>
+          </p:cNvPr>
+          <p:cNvSpPr/>
+          <p:nvPr/>
+        </p:nvSpPr>
+        <p:spPr>
+          <a:xfrm>
+            <a:off x="2967132" y="1086175"/>
+            <a:ext cx="1716834" cy="584775"/>
+          </a:xfrm>
+          <a:prstGeom prst="roundRect">
+            <a:avLst/>
+          </a:prstGeom>
+          <a:ln w="38100"/>
+        </p:spPr>
+        <p:style>
+          <a:lnRef idx="1">
+            <a:schemeClr val="dk1"/>
+          </a:lnRef>
+          <a:fillRef idx="2">
+            <a:schemeClr val="dk1"/>
+          </a:fillRef>
+          <a:effectRef idx="1">
+            <a:schemeClr val="dk1"/>
+          </a:effectRef>
+          <a:fontRef idx="minor">
+            <a:schemeClr val="dk1"/>
+          </a:fontRef>
+        </p:style>
+        <p:txBody>
+          <a:bodyPr rtlCol="0" anchor="ctr"/>
+          <a:lstStyle/>
+          <a:p>
+            <a:pPr algn="ctr"/>
+            <a:endParaRPr lang="en-US"/>
+          </a:p>
+        </p:txBody>
+      </p:sp>
+      <p:sp>
+        <p:nvSpPr>
+          <p:cNvPr id="6" name="Diamond 5">
+            <a:extLst>
+              <a:ext uri="{FF2B5EF4-FFF2-40B4-BE49-F238E27FC236}">
+                <a16:creationId xmlns:a16="http://schemas.microsoft.com/office/drawing/2014/main" id="{B7D0F105-7B52-4076-954A-A70597BC7865}"/>
+              </a:ext>
+            </a:extLst>
+          </p:cNvPr>
+          <p:cNvSpPr/>
+          <p:nvPr/>
+        </p:nvSpPr>
+        <p:spPr>
+          <a:xfrm>
+            <a:off x="6069562" y="3220196"/>
+            <a:ext cx="1623527" cy="858417"/>
+          </a:xfrm>
+          <a:prstGeom prst="diamond">
+            <a:avLst/>
+          </a:prstGeom>
+          <a:solidFill>
+            <a:schemeClr val="bg1">
+              <a:lumMod val="85000"/>
+            </a:schemeClr>
+          </a:solidFill>
+          <a:ln w="38100">
+            <a:noFill/>
+          </a:ln>
+        </p:spPr>
+        <p:style>
+          <a:lnRef idx="1">
+            <a:schemeClr val="accent2"/>
+          </a:lnRef>
+          <a:fillRef idx="2">
+            <a:schemeClr val="accent2"/>
+          </a:fillRef>
+          <a:effectRef idx="1">
+            <a:schemeClr val="accent2"/>
+          </a:effectRef>
+          <a:fontRef idx="minor">
+            <a:schemeClr val="dk1"/>
+          </a:fontRef>
+        </p:style>
+        <p:txBody>
+          <a:bodyPr rtlCol="0" anchor="ctr"/>
+          <a:lstStyle/>
+          <a:p>
+            <a:pPr algn="ctr"/>
+            <a:endParaRPr lang="en-US"/>
+          </a:p>
+        </p:txBody>
+      </p:sp>
+      <p:sp>
+        <p:nvSpPr>
+          <p:cNvPr id="7" name="Rectangle: Rounded Corners 6">
+            <a:extLst>
+              <a:ext uri="{FF2B5EF4-FFF2-40B4-BE49-F238E27FC236}">
+                <a16:creationId xmlns:a16="http://schemas.microsoft.com/office/drawing/2014/main" id="{44DFEFEC-A851-4A96-844D-C006D03E90B7}"/>
+              </a:ext>
+            </a:extLst>
+          </p:cNvPr>
+          <p:cNvSpPr/>
+          <p:nvPr/>
+        </p:nvSpPr>
+        <p:spPr>
+          <a:xfrm>
+            <a:off x="6027575" y="992191"/>
+            <a:ext cx="1707502" cy="835938"/>
+          </a:xfrm>
+          <a:prstGeom prst="roundRect">
+            <a:avLst/>
+          </a:prstGeom>
+          <a:gradFill flip="none" rotWithShape="1">
+            <a:gsLst>
+              <a:gs pos="0">
+                <a:schemeClr val="accent4">
+                  <a:lumMod val="110000"/>
+                  <a:satMod val="105000"/>
+                  <a:tint val="67000"/>
+                </a:schemeClr>
+              </a:gs>
+              <a:gs pos="50000">
+                <a:schemeClr val="accent4">
+                  <a:lumMod val="105000"/>
+                  <a:satMod val="103000"/>
+                  <a:tint val="73000"/>
+                </a:schemeClr>
+              </a:gs>
+              <a:gs pos="100000">
+                <a:schemeClr val="accent4">
+                  <a:lumMod val="105000"/>
+                  <a:satMod val="109000"/>
+                  <a:tint val="81000"/>
+                </a:schemeClr>
+              </a:gs>
+            </a:gsLst>
+            <a:lin ang="16200000" scaled="1"/>
+            <a:tileRect/>
+          </a:gradFill>
+          <a:ln w="38100"/>
+        </p:spPr>
+        <p:style>
+          <a:lnRef idx="1">
+            <a:schemeClr val="accent4"/>
+          </a:lnRef>
+          <a:fillRef idx="2">
+            <a:schemeClr val="accent4"/>
+          </a:fillRef>
+          <a:effectRef idx="1">
+            <a:schemeClr val="accent4"/>
+          </a:effectRef>
+          <a:fontRef idx="minor">
+            <a:schemeClr val="dk1"/>
+          </a:fontRef>
+        </p:style>
+        <p:txBody>
+          <a:bodyPr rtlCol="0" anchor="ctr"/>
+          <a:lstStyle/>
+          <a:p>
+            <a:pPr algn="ctr"/>
+            <a:endParaRPr lang="en-US" dirty="0"/>
+          </a:p>
+        </p:txBody>
+      </p:sp>
+      <p:sp>
+        <p:nvSpPr>
+          <p:cNvPr id="8" name="Rectangle: Rounded Corners 7">
+            <a:extLst>
+              <a:ext uri="{FF2B5EF4-FFF2-40B4-BE49-F238E27FC236}">
+                <a16:creationId xmlns:a16="http://schemas.microsoft.com/office/drawing/2014/main" id="{1CE091FD-65C0-4654-BB29-1863A89A1507}"/>
+              </a:ext>
+            </a:extLst>
+          </p:cNvPr>
+          <p:cNvSpPr/>
+          <p:nvPr/>
+        </p:nvSpPr>
+        <p:spPr>
+          <a:xfrm>
+            <a:off x="9330620" y="2300000"/>
+            <a:ext cx="1623528" cy="858418"/>
+          </a:xfrm>
+          <a:prstGeom prst="roundRect">
+            <a:avLst/>
+          </a:prstGeom>
+          <a:gradFill flip="none" rotWithShape="1">
+            <a:gsLst>
+              <a:gs pos="0">
+                <a:schemeClr val="accent6">
+                  <a:lumMod val="40000"/>
+                  <a:lumOff val="60000"/>
+                  <a:tint val="66000"/>
+                  <a:satMod val="160000"/>
+                </a:schemeClr>
+              </a:gs>
+              <a:gs pos="50000">
+                <a:schemeClr val="accent6">
+                  <a:lumMod val="40000"/>
+                  <a:lumOff val="60000"/>
+                  <a:tint val="44500"/>
+                  <a:satMod val="160000"/>
+                </a:schemeClr>
+              </a:gs>
+              <a:gs pos="100000">
+                <a:schemeClr val="accent6">
+                  <a:lumMod val="40000"/>
+                  <a:lumOff val="60000"/>
+                  <a:tint val="23500"/>
+                  <a:satMod val="160000"/>
+                </a:schemeClr>
+              </a:gs>
+            </a:gsLst>
+            <a:lin ang="5400000" scaled="1"/>
+            <a:tileRect/>
+          </a:gradFill>
+          <a:ln w="38100"/>
+        </p:spPr>
+        <p:style>
+          <a:lnRef idx="1">
+            <a:schemeClr val="accent6"/>
+          </a:lnRef>
+          <a:fillRef idx="2">
+            <a:schemeClr val="accent6"/>
+          </a:fillRef>
+          <a:effectRef idx="1">
+            <a:schemeClr val="accent6"/>
+          </a:effectRef>
+          <a:fontRef idx="minor">
+            <a:schemeClr val="dk1"/>
+          </a:fontRef>
+        </p:style>
+        <p:txBody>
+          <a:bodyPr rtlCol="0" anchor="ctr"/>
+          <a:lstStyle/>
+          <a:p>
+            <a:pPr algn="ctr"/>
+            <a:endParaRPr lang="en-US"/>
+          </a:p>
+        </p:txBody>
+      </p:sp>
+      <p:sp>
+        <p:nvSpPr>
+          <p:cNvPr id="9" name="Rectangle: Rounded Corners 8">
+            <a:extLst>
+              <a:ext uri="{FF2B5EF4-FFF2-40B4-BE49-F238E27FC236}">
+                <a16:creationId xmlns:a16="http://schemas.microsoft.com/office/drawing/2014/main" id="{123DE055-9E8B-4B57-A16D-80B1EAD47E23}"/>
+              </a:ext>
+            </a:extLst>
+          </p:cNvPr>
+          <p:cNvSpPr/>
+          <p:nvPr/>
+        </p:nvSpPr>
+        <p:spPr>
+          <a:xfrm>
+            <a:off x="9283959" y="4749288"/>
+            <a:ext cx="2537927" cy="1716833"/>
+          </a:xfrm>
+          <a:prstGeom prst="roundRect">
+            <a:avLst/>
+          </a:prstGeom>
+          <a:gradFill flip="none" rotWithShape="1">
+            <a:gsLst>
+              <a:gs pos="0">
+                <a:srgbClr val="7030A0">
+                  <a:tint val="66000"/>
+                  <a:satMod val="160000"/>
+                </a:srgbClr>
+              </a:gs>
+              <a:gs pos="50000">
+                <a:srgbClr val="7030A0">
+                  <a:tint val="44500"/>
+                  <a:satMod val="160000"/>
+                </a:srgbClr>
+              </a:gs>
+              <a:gs pos="100000">
+                <a:srgbClr val="7030A0">
+                  <a:tint val="23500"/>
+                  <a:satMod val="160000"/>
+                </a:srgbClr>
+              </a:gs>
+            </a:gsLst>
+            <a:path path="circle">
+              <a:fillToRect r="100000" b="100000"/>
+            </a:path>
+            <a:tileRect l="-100000" t="-100000"/>
+          </a:gradFill>
+          <a:ln w="38100"/>
+        </p:spPr>
+        <p:style>
+          <a:lnRef idx="2">
+            <a:schemeClr val="accent1">
+              <a:shade val="50000"/>
+            </a:schemeClr>
+          </a:lnRef>
+          <a:fillRef idx="1">
+            <a:schemeClr val="accent1"/>
+          </a:fillRef>
+          <a:effectRef idx="0">
+            <a:schemeClr val="accent1"/>
+          </a:effectRef>
+          <a:fontRef idx="minor">
+            <a:schemeClr val="lt1"/>
+          </a:fontRef>
+        </p:style>
+        <p:txBody>
+          <a:bodyPr rtlCol="0" anchor="ctr"/>
+          <a:lstStyle/>
+          <a:p>
+            <a:pPr algn="ctr"/>
+            <a:endParaRPr lang="en-US"/>
+          </a:p>
+        </p:txBody>
+      </p:sp>
+      <p:sp>
+        <p:nvSpPr>
+          <p:cNvPr id="10" name="Rectangle: Rounded Corners 9">
+            <a:extLst>
+              <a:ext uri="{FF2B5EF4-FFF2-40B4-BE49-F238E27FC236}">
+                <a16:creationId xmlns:a16="http://schemas.microsoft.com/office/drawing/2014/main" id="{C7C6A1CB-9984-4C0A-B1AC-014321D00DE2}"/>
+              </a:ext>
+            </a:extLst>
+          </p:cNvPr>
+          <p:cNvSpPr/>
+          <p:nvPr/>
+        </p:nvSpPr>
+        <p:spPr>
+          <a:xfrm>
+            <a:off x="2830286" y="4989481"/>
+            <a:ext cx="4344955" cy="1452466"/>
+          </a:xfrm>
+          <a:prstGeom prst="roundRect">
+            <a:avLst/>
+          </a:prstGeom>
+          <a:solidFill>
+            <a:schemeClr val="bg1">
+              <a:lumMod val="85000"/>
+            </a:schemeClr>
+          </a:solidFill>
+          <a:ln>
+            <a:noFill/>
+          </a:ln>
+        </p:spPr>
+        <p:style>
+          <a:lnRef idx="2">
+            <a:schemeClr val="accent1">
+              <a:shade val="50000"/>
+            </a:schemeClr>
+          </a:lnRef>
+          <a:fillRef idx="1">
+            <a:schemeClr val="accent1"/>
+          </a:fillRef>
+          <a:effectRef idx="0">
+            <a:schemeClr val="accent1"/>
+          </a:effectRef>
+          <a:fontRef idx="minor">
+            <a:schemeClr val="lt1"/>
+          </a:fontRef>
+        </p:style>
+        <p:txBody>
+          <a:bodyPr rtlCol="0" anchor="ctr"/>
+          <a:lstStyle/>
+          <a:p>
+            <a:pPr algn="ctr"/>
+            <a:endParaRPr lang="en-US"/>
+          </a:p>
+        </p:txBody>
+      </p:sp>
+      <p:sp>
+        <p:nvSpPr>
+          <p:cNvPr id="11" name="TextBox 10">
+            <a:extLst>
+              <a:ext uri="{FF2B5EF4-FFF2-40B4-BE49-F238E27FC236}">
+                <a16:creationId xmlns:a16="http://schemas.microsoft.com/office/drawing/2014/main" id="{2AAFB746-7382-4822-919E-9030CA998E6C}"/>
+              </a:ext>
+            </a:extLst>
+          </p:cNvPr>
+          <p:cNvSpPr txBox="1"/>
+          <p:nvPr/>
+        </p:nvSpPr>
+        <p:spPr>
+          <a:xfrm>
+            <a:off x="467696" y="3202905"/>
+            <a:ext cx="1537218" cy="769441"/>
+          </a:xfrm>
+          <a:prstGeom prst="rect">
+            <a:avLst/>
+          </a:prstGeom>
+          <a:noFill/>
+        </p:spPr>
+        <p:txBody>
+          <a:bodyPr wrap="square" rtlCol="0">
+            <a:spAutoFit/>
+          </a:bodyPr>
+          <a:lstStyle/>
+          <a:p>
+            <a:pPr algn="ctr"/>
+            <a:r>
+              <a:rPr lang="en-US" sz="1600" dirty="0"/>
+              <a:t>Create Form</a:t>
+            </a:r>
+          </a:p>
+          <a:p>
+            <a:pPr algn="ctr"/>
+            <a:endParaRPr lang="en-US" sz="1400" dirty="0"/>
+          </a:p>
+          <a:p>
+            <a:pPr algn="ctr"/>
+            <a:r>
+              <a:rPr lang="en-US" sz="1400" dirty="0"/>
+              <a:t>React component</a:t>
+            </a:r>
+          </a:p>
+        </p:txBody>
+      </p:sp>
+      <p:sp>
+        <p:nvSpPr>
+          <p:cNvPr id="12" name="Arrow: Right 11">
+            <a:extLst>
+              <a:ext uri="{FF2B5EF4-FFF2-40B4-BE49-F238E27FC236}">
+                <a16:creationId xmlns:a16="http://schemas.microsoft.com/office/drawing/2014/main" id="{7336881E-4679-4FA9-B7EC-4E9FACF944CE}"/>
+              </a:ext>
+            </a:extLst>
+          </p:cNvPr>
+          <p:cNvSpPr/>
+          <p:nvPr/>
+        </p:nvSpPr>
+        <p:spPr>
+          <a:xfrm>
+            <a:off x="2183363" y="3587625"/>
+            <a:ext cx="726619" cy="153957"/>
+          </a:xfrm>
+          <a:prstGeom prst="rightArrow">
+            <a:avLst/>
+          </a:prstGeom>
+          <a:solidFill>
+            <a:schemeClr val="bg1">
+              <a:lumMod val="85000"/>
+            </a:schemeClr>
+          </a:solidFill>
+          <a:ln>
+            <a:noFill/>
+          </a:ln>
+        </p:spPr>
+        <p:style>
+          <a:lnRef idx="2">
+            <a:schemeClr val="accent1">
+              <a:shade val="50000"/>
+            </a:schemeClr>
+          </a:lnRef>
+          <a:fillRef idx="1">
+            <a:schemeClr val="accent1"/>
+          </a:fillRef>
+          <a:effectRef idx="0">
+            <a:schemeClr val="accent1"/>
+          </a:effectRef>
+          <a:fontRef idx="minor">
+            <a:schemeClr val="lt1"/>
+          </a:fontRef>
+        </p:style>
+        <p:txBody>
+          <a:bodyPr rtlCol="0" anchor="ctr"/>
+          <a:lstStyle/>
+          <a:p>
+            <a:pPr algn="ctr"/>
+            <a:endParaRPr lang="en-US"/>
+          </a:p>
+        </p:txBody>
+      </p:sp>
+      <p:sp>
+        <p:nvSpPr>
+          <p:cNvPr id="13" name="Arrow: Right 12">
+            <a:extLst>
+              <a:ext uri="{FF2B5EF4-FFF2-40B4-BE49-F238E27FC236}">
+                <a16:creationId xmlns:a16="http://schemas.microsoft.com/office/drawing/2014/main" id="{47E337F0-00B9-4366-8C85-167341795A30}"/>
+              </a:ext>
+            </a:extLst>
+          </p:cNvPr>
+          <p:cNvSpPr/>
+          <p:nvPr/>
+        </p:nvSpPr>
+        <p:spPr>
+          <a:xfrm rot="16200000">
+            <a:off x="2801515" y="2373732"/>
+            <a:ext cx="1306286" cy="144628"/>
+          </a:xfrm>
+          <a:prstGeom prst="rightArrow">
+            <a:avLst/>
+          </a:prstGeom>
+          <a:solidFill>
+            <a:schemeClr val="bg1">
+              <a:lumMod val="85000"/>
+            </a:schemeClr>
+          </a:solidFill>
+          <a:ln>
+            <a:noFill/>
+          </a:ln>
+        </p:spPr>
+        <p:style>
+          <a:lnRef idx="2">
+            <a:schemeClr val="accent1">
+              <a:shade val="50000"/>
+            </a:schemeClr>
+          </a:lnRef>
+          <a:fillRef idx="1">
+            <a:schemeClr val="accent1"/>
+          </a:fillRef>
+          <a:effectRef idx="0">
+            <a:schemeClr val="accent1"/>
+          </a:effectRef>
+          <a:fontRef idx="minor">
+            <a:schemeClr val="lt1"/>
+          </a:fontRef>
+        </p:style>
+        <p:txBody>
+          <a:bodyPr rtlCol="0" anchor="ctr"/>
+          <a:lstStyle/>
+          <a:p>
+            <a:pPr algn="ctr"/>
+            <a:endParaRPr lang="en-US"/>
+          </a:p>
+        </p:txBody>
+      </p:sp>
+      <p:sp>
+        <p:nvSpPr>
+          <p:cNvPr id="14" name="Arrow: Right 13">
+            <a:extLst>
+              <a:ext uri="{FF2B5EF4-FFF2-40B4-BE49-F238E27FC236}">
+                <a16:creationId xmlns:a16="http://schemas.microsoft.com/office/drawing/2014/main" id="{44E83CD4-4829-4EF6-9943-4DA8FCA206B3}"/>
+              </a:ext>
+            </a:extLst>
+          </p:cNvPr>
+          <p:cNvSpPr/>
+          <p:nvPr/>
+        </p:nvSpPr>
+        <p:spPr>
+          <a:xfrm rot="5400000">
+            <a:off x="3503641" y="2373731"/>
+            <a:ext cx="1306286" cy="144628"/>
+          </a:xfrm>
+          <a:prstGeom prst="rightArrow">
+            <a:avLst/>
+          </a:prstGeom>
+          <a:solidFill>
+            <a:schemeClr val="bg1">
+              <a:lumMod val="85000"/>
+            </a:schemeClr>
+          </a:solidFill>
+          <a:ln>
+            <a:noFill/>
+          </a:ln>
+        </p:spPr>
+        <p:style>
+          <a:lnRef idx="2">
+            <a:schemeClr val="accent1">
+              <a:shade val="50000"/>
+            </a:schemeClr>
+          </a:lnRef>
+          <a:fillRef idx="1">
+            <a:schemeClr val="accent1"/>
+          </a:fillRef>
+          <a:effectRef idx="0">
+            <a:schemeClr val="accent1"/>
+          </a:effectRef>
+          <a:fontRef idx="minor">
+            <a:schemeClr val="lt1"/>
+          </a:fontRef>
+        </p:style>
+        <p:txBody>
+          <a:bodyPr rtlCol="0" anchor="ctr"/>
+          <a:lstStyle/>
+          <a:p>
+            <a:pPr algn="ctr"/>
+            <a:endParaRPr lang="en-US"/>
+          </a:p>
+        </p:txBody>
+      </p:sp>
+      <p:sp>
+        <p:nvSpPr>
+          <p:cNvPr id="15" name="Arrow: Right 14">
+            <a:extLst>
+              <a:ext uri="{FF2B5EF4-FFF2-40B4-BE49-F238E27FC236}">
+                <a16:creationId xmlns:a16="http://schemas.microsoft.com/office/drawing/2014/main" id="{57D86215-37C7-4CA2-B954-26E02DCC6117}"/>
+              </a:ext>
+            </a:extLst>
+          </p:cNvPr>
+          <p:cNvSpPr/>
+          <p:nvPr/>
+        </p:nvSpPr>
+        <p:spPr>
+          <a:xfrm>
+            <a:off x="4712542" y="3587625"/>
+            <a:ext cx="1357020" cy="153956"/>
+          </a:xfrm>
+          <a:prstGeom prst="rightArrow">
+            <a:avLst/>
+          </a:prstGeom>
+          <a:solidFill>
+            <a:schemeClr val="bg1">
+              <a:lumMod val="85000"/>
+            </a:schemeClr>
+          </a:solidFill>
+          <a:ln>
+            <a:noFill/>
+          </a:ln>
+        </p:spPr>
+        <p:style>
+          <a:lnRef idx="2">
+            <a:schemeClr val="accent1">
+              <a:shade val="50000"/>
+            </a:schemeClr>
+          </a:lnRef>
+          <a:fillRef idx="1">
+            <a:schemeClr val="accent1"/>
+          </a:fillRef>
+          <a:effectRef idx="0">
+            <a:schemeClr val="accent1"/>
+          </a:effectRef>
+          <a:fontRef idx="minor">
+            <a:schemeClr val="lt1"/>
+          </a:fontRef>
+        </p:style>
+        <p:txBody>
+          <a:bodyPr rtlCol="0" anchor="ctr"/>
+          <a:lstStyle/>
+          <a:p>
+            <a:pPr algn="ctr"/>
+            <a:endParaRPr lang="en-US"/>
+          </a:p>
+        </p:txBody>
+      </p:sp>
+      <p:sp>
+        <p:nvSpPr>
+          <p:cNvPr id="16" name="Arrow: Right 15">
+            <a:extLst>
+              <a:ext uri="{FF2B5EF4-FFF2-40B4-BE49-F238E27FC236}">
+                <a16:creationId xmlns:a16="http://schemas.microsoft.com/office/drawing/2014/main" id="{D70A6051-BD5A-404E-AC95-8F9DBE9067FA}"/>
+              </a:ext>
+            </a:extLst>
+          </p:cNvPr>
+          <p:cNvSpPr/>
+          <p:nvPr/>
+        </p:nvSpPr>
+        <p:spPr>
+          <a:xfrm rot="16200000">
+            <a:off x="6228188" y="2482006"/>
+            <a:ext cx="1292303" cy="144629"/>
+          </a:xfrm>
+          <a:prstGeom prst="rightArrow">
+            <a:avLst/>
+          </a:prstGeom>
+          <a:solidFill>
+            <a:schemeClr val="bg1">
+              <a:lumMod val="85000"/>
+            </a:schemeClr>
+          </a:solidFill>
+          <a:ln>
+            <a:noFill/>
+          </a:ln>
+        </p:spPr>
+        <p:style>
+          <a:lnRef idx="2">
+            <a:schemeClr val="accent1">
+              <a:shade val="50000"/>
+            </a:schemeClr>
+          </a:lnRef>
+          <a:fillRef idx="1">
+            <a:schemeClr val="accent1"/>
+          </a:fillRef>
+          <a:effectRef idx="0">
+            <a:schemeClr val="accent1"/>
+          </a:effectRef>
+          <a:fontRef idx="minor">
+            <a:schemeClr val="lt1"/>
+          </a:fontRef>
+        </p:style>
+        <p:txBody>
+          <a:bodyPr rtlCol="0" anchor="ctr"/>
+          <a:lstStyle/>
+          <a:p>
+            <a:pPr algn="ctr"/>
+            <a:endParaRPr lang="en-US"/>
+          </a:p>
+        </p:txBody>
+      </p:sp>
+      <p:sp>
+        <p:nvSpPr>
+          <p:cNvPr id="17" name="Arrow: Bent-Up 16">
+            <a:extLst>
+              <a:ext uri="{FF2B5EF4-FFF2-40B4-BE49-F238E27FC236}">
+                <a16:creationId xmlns:a16="http://schemas.microsoft.com/office/drawing/2014/main" id="{047835E5-73E4-469D-8D24-923B6CD5A68E}"/>
+              </a:ext>
+            </a:extLst>
+          </p:cNvPr>
+          <p:cNvSpPr/>
+          <p:nvPr/>
+        </p:nvSpPr>
+        <p:spPr>
+          <a:xfrm>
+            <a:off x="7735077" y="3220195"/>
+            <a:ext cx="2015412" cy="465555"/>
+          </a:xfrm>
+          <a:prstGeom prst="bentUpArrow">
+            <a:avLst>
+              <a:gd name="adj1" fmla="val 19702"/>
+              <a:gd name="adj2" fmla="val 31851"/>
+              <a:gd name="adj3" fmla="val 33633"/>
+            </a:avLst>
+          </a:prstGeom>
+          <a:solidFill>
+            <a:schemeClr val="bg1">
+              <a:lumMod val="85000"/>
+            </a:schemeClr>
+          </a:solidFill>
+          <a:ln>
+            <a:noFill/>
+          </a:ln>
+        </p:spPr>
+        <p:style>
+          <a:lnRef idx="2">
+            <a:schemeClr val="accent1">
+              <a:shade val="50000"/>
+            </a:schemeClr>
+          </a:lnRef>
+          <a:fillRef idx="1">
+            <a:schemeClr val="accent1"/>
+          </a:fillRef>
+          <a:effectRef idx="0">
+            <a:schemeClr val="accent1"/>
+          </a:effectRef>
+          <a:fontRef idx="minor">
+            <a:schemeClr val="lt1"/>
+          </a:fontRef>
+        </p:style>
+        <p:txBody>
+          <a:bodyPr rtlCol="0" anchor="ctr"/>
+          <a:lstStyle/>
+          <a:p>
+            <a:pPr algn="ctr"/>
+            <a:endParaRPr lang="en-US"/>
+          </a:p>
+        </p:txBody>
+      </p:sp>
+      <p:sp>
+        <p:nvSpPr>
+          <p:cNvPr id="18" name="Arrow: Right 17">
+            <a:extLst>
+              <a:ext uri="{FF2B5EF4-FFF2-40B4-BE49-F238E27FC236}">
+                <a16:creationId xmlns:a16="http://schemas.microsoft.com/office/drawing/2014/main" id="{C3F8407E-9892-4A93-8B7B-6716DA7A96FE}"/>
+              </a:ext>
+            </a:extLst>
+          </p:cNvPr>
+          <p:cNvSpPr/>
+          <p:nvPr/>
+        </p:nvSpPr>
+        <p:spPr>
+          <a:xfrm rot="5400000">
+            <a:off x="9391377" y="3849000"/>
+            <a:ext cx="1441344" cy="172620"/>
+          </a:xfrm>
+          <a:prstGeom prst="rightArrow">
+            <a:avLst/>
+          </a:prstGeom>
+          <a:solidFill>
+            <a:schemeClr val="bg1">
+              <a:lumMod val="85000"/>
+            </a:schemeClr>
+          </a:solidFill>
+          <a:ln>
+            <a:noFill/>
+          </a:ln>
+        </p:spPr>
+        <p:style>
+          <a:lnRef idx="2">
+            <a:schemeClr val="accent1">
+              <a:shade val="50000"/>
+            </a:schemeClr>
+          </a:lnRef>
+          <a:fillRef idx="1">
+            <a:schemeClr val="accent1"/>
+          </a:fillRef>
+          <a:effectRef idx="0">
+            <a:schemeClr val="accent1"/>
+          </a:effectRef>
+          <a:fontRef idx="minor">
+            <a:schemeClr val="lt1"/>
+          </a:fontRef>
+        </p:style>
+        <p:txBody>
+          <a:bodyPr rtlCol="0" anchor="ctr"/>
+          <a:lstStyle/>
+          <a:p>
+            <a:pPr algn="ctr"/>
+            <a:endParaRPr lang="en-US"/>
+          </a:p>
+        </p:txBody>
+      </p:sp>
+      <p:sp>
+        <p:nvSpPr>
+          <p:cNvPr id="19" name="Arrow: Bent-Up 18">
+            <a:extLst>
+              <a:ext uri="{FF2B5EF4-FFF2-40B4-BE49-F238E27FC236}">
+                <a16:creationId xmlns:a16="http://schemas.microsoft.com/office/drawing/2014/main" id="{4D1F094D-7D3F-42C2-8AB3-E0DE99D2F75E}"/>
+              </a:ext>
+            </a:extLst>
+          </p:cNvPr>
+          <p:cNvSpPr/>
+          <p:nvPr/>
+        </p:nvSpPr>
+        <p:spPr>
+          <a:xfrm flipH="1">
+            <a:off x="989043" y="4377441"/>
+            <a:ext cx="8195009" cy="1790094"/>
+          </a:xfrm>
+          <a:prstGeom prst="bentUpArrow">
+            <a:avLst>
+              <a:gd name="adj1" fmla="val 6854"/>
+              <a:gd name="adj2" fmla="val 13864"/>
+              <a:gd name="adj3" fmla="val 17573"/>
+            </a:avLst>
+          </a:prstGeom>
+          <a:solidFill>
+            <a:schemeClr val="bg1">
+              <a:lumMod val="85000"/>
+            </a:schemeClr>
+          </a:solidFill>
+          <a:ln>
+            <a:noFill/>
+          </a:ln>
+        </p:spPr>
+        <p:style>
+          <a:lnRef idx="2">
+            <a:schemeClr val="accent1">
+              <a:shade val="50000"/>
+            </a:schemeClr>
+          </a:lnRef>
+          <a:fillRef idx="1">
+            <a:schemeClr val="accent1"/>
+          </a:fillRef>
+          <a:effectRef idx="0">
+            <a:schemeClr val="accent1"/>
+          </a:effectRef>
+          <a:fontRef idx="minor">
+            <a:schemeClr val="lt1"/>
+          </a:fontRef>
+        </p:style>
+        <p:txBody>
+          <a:bodyPr rtlCol="0" anchor="ctr"/>
+          <a:lstStyle/>
+          <a:p>
+            <a:pPr algn="ctr"/>
+            <a:endParaRPr lang="en-US"/>
+          </a:p>
+        </p:txBody>
+      </p:sp>
+      <p:sp>
+        <p:nvSpPr>
+          <p:cNvPr id="21" name="TextBox 20">
+            <a:extLst>
+              <a:ext uri="{FF2B5EF4-FFF2-40B4-BE49-F238E27FC236}">
+                <a16:creationId xmlns:a16="http://schemas.microsoft.com/office/drawing/2014/main" id="{C9EF9A8E-8DC5-4159-9BF8-BB9EB0D47F1A}"/>
+              </a:ext>
+            </a:extLst>
+          </p:cNvPr>
+          <p:cNvSpPr txBox="1"/>
+          <p:nvPr/>
+        </p:nvSpPr>
+        <p:spPr>
+          <a:xfrm>
+            <a:off x="3382343" y="3171614"/>
+            <a:ext cx="884070" cy="369332"/>
+          </a:xfrm>
+          <a:prstGeom prst="rect">
+            <a:avLst/>
+          </a:prstGeom>
+          <a:noFill/>
+        </p:spPr>
+        <p:txBody>
+          <a:bodyPr wrap="square" rtlCol="0">
+            <a:spAutoFit/>
+          </a:bodyPr>
+          <a:lstStyle/>
+          <a:p>
+            <a:pPr algn="ctr"/>
+            <a:r>
+              <a:rPr lang="en-US" dirty="0"/>
+              <a:t>Action</a:t>
+            </a:r>
+          </a:p>
+        </p:txBody>
+      </p:sp>
+      <p:sp>
+        <p:nvSpPr>
+          <p:cNvPr id="22" name="TextBox 21">
+            <a:extLst>
+              <a:ext uri="{FF2B5EF4-FFF2-40B4-BE49-F238E27FC236}">
+                <a16:creationId xmlns:a16="http://schemas.microsoft.com/office/drawing/2014/main" id="{C6AC6EB0-4845-4B6D-A0EC-F59E2C840C92}"/>
+              </a:ext>
+            </a:extLst>
+          </p:cNvPr>
+          <p:cNvSpPr txBox="1"/>
+          <p:nvPr/>
+        </p:nvSpPr>
+        <p:spPr>
+          <a:xfrm>
+            <a:off x="3013786" y="1152802"/>
+            <a:ext cx="1548882" cy="369332"/>
+          </a:xfrm>
+          <a:prstGeom prst="rect">
+            <a:avLst/>
+          </a:prstGeom>
+          <a:noFill/>
+        </p:spPr>
+        <p:txBody>
+          <a:bodyPr wrap="square" rtlCol="0">
+            <a:spAutoFit/>
+          </a:bodyPr>
+          <a:lstStyle/>
+          <a:p>
+            <a:pPr algn="ctr"/>
+            <a:r>
+              <a:rPr lang="en-US" dirty="0"/>
+              <a:t>Server End API</a:t>
+            </a:r>
+          </a:p>
+        </p:txBody>
+      </p:sp>
+      <p:sp>
+        <p:nvSpPr>
+          <p:cNvPr id="23" name="TextBox 22">
+            <a:extLst>
+              <a:ext uri="{FF2B5EF4-FFF2-40B4-BE49-F238E27FC236}">
+                <a16:creationId xmlns:a16="http://schemas.microsoft.com/office/drawing/2014/main" id="{0A3589FA-C946-483E-BA7E-CF5B5490EECB}"/>
+              </a:ext>
+            </a:extLst>
+          </p:cNvPr>
+          <p:cNvSpPr txBox="1"/>
+          <p:nvPr/>
+        </p:nvSpPr>
+        <p:spPr>
+          <a:xfrm>
+            <a:off x="2004313" y="2022814"/>
+            <a:ext cx="1443914" cy="677108"/>
+          </a:xfrm>
+          <a:prstGeom prst="rect">
+            <a:avLst/>
+          </a:prstGeom>
+          <a:noFill/>
+        </p:spPr>
+        <p:txBody>
+          <a:bodyPr wrap="square" rtlCol="0">
+            <a:spAutoFit/>
+          </a:bodyPr>
+          <a:lstStyle/>
+          <a:p>
+            <a:r>
+              <a:rPr lang="en-US" sz="1400" dirty="0"/>
+              <a:t>Http Request:</a:t>
+            </a:r>
+          </a:p>
+          <a:p>
+            <a:r>
+              <a:rPr lang="en-US" sz="1200" dirty="0"/>
+              <a:t>- Sends Business object to be created</a:t>
+            </a:r>
+          </a:p>
+        </p:txBody>
+      </p:sp>
+      <p:sp>
+        <p:nvSpPr>
+          <p:cNvPr id="24" name="TextBox 23">
+            <a:extLst>
+              <a:ext uri="{FF2B5EF4-FFF2-40B4-BE49-F238E27FC236}">
+                <a16:creationId xmlns:a16="http://schemas.microsoft.com/office/drawing/2014/main" id="{AC001E4F-9B93-4F14-AE33-B724B8FB7DAE}"/>
+              </a:ext>
+            </a:extLst>
+          </p:cNvPr>
+          <p:cNvSpPr txBox="1"/>
+          <p:nvPr/>
+        </p:nvSpPr>
+        <p:spPr>
+          <a:xfrm>
+            <a:off x="4203436" y="2025764"/>
+            <a:ext cx="1363375" cy="677108"/>
+          </a:xfrm>
+          <a:prstGeom prst="rect">
+            <a:avLst/>
+          </a:prstGeom>
+          <a:noFill/>
+        </p:spPr>
+        <p:txBody>
+          <a:bodyPr wrap="square" rtlCol="0">
+            <a:spAutoFit/>
+          </a:bodyPr>
+          <a:lstStyle/>
+          <a:p>
+            <a:r>
+              <a:rPr lang="en-US" sz="1400" dirty="0"/>
+              <a:t>Response:</a:t>
+            </a:r>
+          </a:p>
+          <a:p>
+            <a:r>
+              <a:rPr lang="en-US" sz="1200" dirty="0"/>
+              <a:t>- Created Business</a:t>
+            </a:r>
+          </a:p>
+          <a:p>
+            <a:r>
+              <a:rPr lang="en-US" sz="1200" dirty="0"/>
+              <a:t>OR errors</a:t>
+            </a:r>
+          </a:p>
+        </p:txBody>
+      </p:sp>
+      <p:sp>
+        <p:nvSpPr>
+          <p:cNvPr id="25" name="TextBox 24">
+            <a:extLst>
+              <a:ext uri="{FF2B5EF4-FFF2-40B4-BE49-F238E27FC236}">
+                <a16:creationId xmlns:a16="http://schemas.microsoft.com/office/drawing/2014/main" id="{7A880AB0-2475-400F-B166-48AAD02CB66D}"/>
+              </a:ext>
+            </a:extLst>
+          </p:cNvPr>
+          <p:cNvSpPr txBox="1"/>
+          <p:nvPr/>
+        </p:nvSpPr>
+        <p:spPr>
+          <a:xfrm>
+            <a:off x="6488260" y="3437100"/>
+            <a:ext cx="845977" cy="369332"/>
+          </a:xfrm>
+          <a:prstGeom prst="rect">
+            <a:avLst/>
+          </a:prstGeom>
+          <a:noFill/>
+        </p:spPr>
+        <p:txBody>
+          <a:bodyPr wrap="square" rtlCol="0">
+            <a:spAutoFit/>
+          </a:bodyPr>
+          <a:lstStyle/>
+          <a:p>
+            <a:r>
+              <a:rPr lang="en-US" dirty="0"/>
+              <a:t>Errors?</a:t>
+            </a:r>
+          </a:p>
+        </p:txBody>
+      </p:sp>
+      <p:sp>
+        <p:nvSpPr>
+          <p:cNvPr id="26" name="TextBox 25">
+            <a:extLst>
+              <a:ext uri="{FF2B5EF4-FFF2-40B4-BE49-F238E27FC236}">
+                <a16:creationId xmlns:a16="http://schemas.microsoft.com/office/drawing/2014/main" id="{A4A3EC04-DD32-4B94-A128-C0F97EA7598F}"/>
+              </a:ext>
+            </a:extLst>
+          </p:cNvPr>
+          <p:cNvSpPr txBox="1"/>
+          <p:nvPr/>
+        </p:nvSpPr>
+        <p:spPr>
+          <a:xfrm>
+            <a:off x="6370468" y="2315201"/>
+            <a:ext cx="485192" cy="369332"/>
+          </a:xfrm>
+          <a:prstGeom prst="rect">
+            <a:avLst/>
+          </a:prstGeom>
+          <a:noFill/>
+        </p:spPr>
+        <p:txBody>
+          <a:bodyPr wrap="square" rtlCol="0">
+            <a:spAutoFit/>
+          </a:bodyPr>
+          <a:lstStyle/>
+          <a:p>
+            <a:r>
+              <a:rPr lang="en-US" dirty="0"/>
+              <a:t>No</a:t>
+            </a:r>
+          </a:p>
+        </p:txBody>
+      </p:sp>
+      <p:sp>
+        <p:nvSpPr>
+          <p:cNvPr id="27" name="TextBox 26">
+            <a:extLst>
+              <a:ext uri="{FF2B5EF4-FFF2-40B4-BE49-F238E27FC236}">
+                <a16:creationId xmlns:a16="http://schemas.microsoft.com/office/drawing/2014/main" id="{4F95E14F-7E71-4940-AE25-F503483DA52E}"/>
+              </a:ext>
+            </a:extLst>
+          </p:cNvPr>
+          <p:cNvSpPr txBox="1"/>
+          <p:nvPr/>
+        </p:nvSpPr>
+        <p:spPr>
+          <a:xfrm>
+            <a:off x="8412564" y="3220844"/>
+            <a:ext cx="536798" cy="369332"/>
+          </a:xfrm>
+          <a:prstGeom prst="rect">
+            <a:avLst/>
+          </a:prstGeom>
+          <a:noFill/>
+        </p:spPr>
+        <p:txBody>
+          <a:bodyPr wrap="square" rtlCol="0">
+            <a:spAutoFit/>
+          </a:bodyPr>
+          <a:lstStyle/>
+          <a:p>
+            <a:r>
+              <a:rPr lang="en-US" dirty="0"/>
+              <a:t>Yes</a:t>
+            </a:r>
+          </a:p>
+        </p:txBody>
+      </p:sp>
+      <p:sp>
+        <p:nvSpPr>
+          <p:cNvPr id="28" name="TextBox 27">
+            <a:extLst>
+              <a:ext uri="{FF2B5EF4-FFF2-40B4-BE49-F238E27FC236}">
+                <a16:creationId xmlns:a16="http://schemas.microsoft.com/office/drawing/2014/main" id="{40512C26-6030-427C-B3FF-B7CEB152DD3B}"/>
+              </a:ext>
+            </a:extLst>
+          </p:cNvPr>
+          <p:cNvSpPr txBox="1"/>
+          <p:nvPr/>
+        </p:nvSpPr>
+        <p:spPr>
+          <a:xfrm>
+            <a:off x="6929529" y="2345979"/>
+            <a:ext cx="1063378" cy="307777"/>
+          </a:xfrm>
+          <a:prstGeom prst="rect">
+            <a:avLst/>
+          </a:prstGeom>
+          <a:noFill/>
+        </p:spPr>
+        <p:txBody>
+          <a:bodyPr wrap="square" rtlCol="0">
+            <a:spAutoFit/>
+          </a:bodyPr>
+          <a:lstStyle/>
+          <a:p>
+            <a:r>
+              <a:rPr lang="en-US" sz="1400" dirty="0"/>
+              <a:t>Re-direct to</a:t>
+            </a:r>
+          </a:p>
+        </p:txBody>
+      </p:sp>
+      <p:sp>
+        <p:nvSpPr>
+          <p:cNvPr id="29" name="TextBox 28">
+            <a:extLst>
+              <a:ext uri="{FF2B5EF4-FFF2-40B4-BE49-F238E27FC236}">
+                <a16:creationId xmlns:a16="http://schemas.microsoft.com/office/drawing/2014/main" id="{8C26E07E-9C27-4B73-9FAA-9A40402AA581}"/>
+              </a:ext>
+            </a:extLst>
+          </p:cNvPr>
+          <p:cNvSpPr txBox="1"/>
+          <p:nvPr/>
+        </p:nvSpPr>
+        <p:spPr>
+          <a:xfrm>
+            <a:off x="4912241" y="3270375"/>
+            <a:ext cx="882393" cy="307777"/>
+          </a:xfrm>
+          <a:prstGeom prst="rect">
+            <a:avLst/>
+          </a:prstGeom>
+          <a:noFill/>
+        </p:spPr>
+        <p:txBody>
+          <a:bodyPr wrap="square" rtlCol="0">
+            <a:spAutoFit/>
+          </a:bodyPr>
+          <a:lstStyle/>
+          <a:p>
+            <a:pPr algn="ctr"/>
+            <a:r>
+              <a:rPr lang="en-US" sz="1400" dirty="0"/>
+              <a:t>Dispatch</a:t>
+            </a:r>
+          </a:p>
+        </p:txBody>
+      </p:sp>
+      <p:sp>
+        <p:nvSpPr>
+          <p:cNvPr id="30" name="TextBox 29">
+            <a:extLst>
+              <a:ext uri="{FF2B5EF4-FFF2-40B4-BE49-F238E27FC236}">
+                <a16:creationId xmlns:a16="http://schemas.microsoft.com/office/drawing/2014/main" id="{43692E11-336B-4A0F-93CD-AEEDD35C73E3}"/>
+              </a:ext>
+            </a:extLst>
+          </p:cNvPr>
+          <p:cNvSpPr txBox="1"/>
+          <p:nvPr/>
+        </p:nvSpPr>
+        <p:spPr>
+          <a:xfrm>
+            <a:off x="6112716" y="1036307"/>
+            <a:ext cx="1537218" cy="677108"/>
+          </a:xfrm>
+          <a:prstGeom prst="rect">
+            <a:avLst/>
+          </a:prstGeom>
+          <a:noFill/>
+        </p:spPr>
+        <p:txBody>
+          <a:bodyPr wrap="square" rtlCol="0">
+            <a:spAutoFit/>
+          </a:bodyPr>
+          <a:lstStyle/>
+          <a:p>
+            <a:pPr algn="ctr"/>
+            <a:r>
+              <a:rPr lang="en-US" sz="1600" dirty="0"/>
+              <a:t>Dashboard</a:t>
+            </a:r>
+          </a:p>
+          <a:p>
+            <a:pPr algn="ctr"/>
+            <a:endParaRPr lang="en-US" sz="700" dirty="0"/>
+          </a:p>
+          <a:p>
+            <a:pPr algn="ctr"/>
+            <a:r>
+              <a:rPr lang="en-US" sz="1400" dirty="0"/>
+              <a:t>React component</a:t>
+            </a:r>
+          </a:p>
+        </p:txBody>
+      </p:sp>
+      <p:sp>
+        <p:nvSpPr>
+          <p:cNvPr id="31" name="TextBox 30">
+            <a:extLst>
+              <a:ext uri="{FF2B5EF4-FFF2-40B4-BE49-F238E27FC236}">
+                <a16:creationId xmlns:a16="http://schemas.microsoft.com/office/drawing/2014/main" id="{9086A4A6-3B91-4326-9CAA-9644575A4521}"/>
+              </a:ext>
+            </a:extLst>
+          </p:cNvPr>
+          <p:cNvSpPr txBox="1"/>
+          <p:nvPr/>
+        </p:nvSpPr>
+        <p:spPr>
+          <a:xfrm>
+            <a:off x="9458928" y="2559932"/>
+            <a:ext cx="1380351" cy="338554"/>
+          </a:xfrm>
+          <a:prstGeom prst="rect">
+            <a:avLst/>
+          </a:prstGeom>
+          <a:noFill/>
+        </p:spPr>
+        <p:txBody>
+          <a:bodyPr wrap="square" rtlCol="0">
+            <a:spAutoFit/>
+          </a:bodyPr>
+          <a:lstStyle/>
+          <a:p>
+            <a:pPr algn="ctr"/>
+            <a:r>
+              <a:rPr lang="en-US" sz="1600" dirty="0"/>
+              <a:t>Error Reducer</a:t>
+            </a:r>
+          </a:p>
+        </p:txBody>
+      </p:sp>
+      <p:sp>
+        <p:nvSpPr>
+          <p:cNvPr id="32" name="TextBox 31">
+            <a:extLst>
+              <a:ext uri="{FF2B5EF4-FFF2-40B4-BE49-F238E27FC236}">
+                <a16:creationId xmlns:a16="http://schemas.microsoft.com/office/drawing/2014/main" id="{FE372542-7AFF-4688-9264-CFD7C753D481}"/>
+              </a:ext>
+            </a:extLst>
+          </p:cNvPr>
+          <p:cNvSpPr txBox="1"/>
+          <p:nvPr/>
+        </p:nvSpPr>
+        <p:spPr>
+          <a:xfrm>
+            <a:off x="3264529" y="3549951"/>
+            <a:ext cx="1256273" cy="523220"/>
+          </a:xfrm>
+          <a:prstGeom prst="rect">
+            <a:avLst/>
+          </a:prstGeom>
+          <a:noFill/>
+        </p:spPr>
+        <p:txBody>
+          <a:bodyPr wrap="square" rtlCol="0">
+            <a:spAutoFit/>
+          </a:bodyPr>
+          <a:lstStyle/>
+          <a:p>
+            <a:r>
+              <a:rPr lang="en-US" sz="1400" dirty="0"/>
+              <a:t>type: *** </a:t>
+            </a:r>
+          </a:p>
+          <a:p>
+            <a:r>
+              <a:rPr lang="en-US" sz="1400" dirty="0"/>
+              <a:t>payload: ***</a:t>
+            </a:r>
+          </a:p>
+        </p:txBody>
+      </p:sp>
+      <p:sp>
+        <p:nvSpPr>
+          <p:cNvPr id="33" name="TextBox 32">
+            <a:extLst>
+              <a:ext uri="{FF2B5EF4-FFF2-40B4-BE49-F238E27FC236}">
+                <a16:creationId xmlns:a16="http://schemas.microsoft.com/office/drawing/2014/main" id="{14B2FBA6-BE4F-4E16-BC27-E72B311EC577}"/>
+              </a:ext>
+            </a:extLst>
+          </p:cNvPr>
+          <p:cNvSpPr txBox="1"/>
+          <p:nvPr/>
+        </p:nvSpPr>
+        <p:spPr>
+          <a:xfrm>
+            <a:off x="9784313" y="4806700"/>
+            <a:ext cx="1537218" cy="338554"/>
+          </a:xfrm>
+          <a:prstGeom prst="rect">
+            <a:avLst/>
+          </a:prstGeom>
+          <a:noFill/>
+        </p:spPr>
+        <p:txBody>
+          <a:bodyPr wrap="square" rtlCol="0">
+            <a:spAutoFit/>
+          </a:bodyPr>
+          <a:lstStyle/>
+          <a:p>
+            <a:pPr algn="ctr"/>
+            <a:r>
+              <a:rPr lang="en-US" sz="1600" dirty="0"/>
+              <a:t>Redux Store</a:t>
+            </a:r>
+          </a:p>
+        </p:txBody>
+      </p:sp>
+      <p:sp>
+        <p:nvSpPr>
+          <p:cNvPr id="34" name="TextBox 33">
+            <a:extLst>
+              <a:ext uri="{FF2B5EF4-FFF2-40B4-BE49-F238E27FC236}">
+                <a16:creationId xmlns:a16="http://schemas.microsoft.com/office/drawing/2014/main" id="{2ACD0D3F-4EC2-42B4-9A54-9B28A7232456}"/>
+              </a:ext>
+            </a:extLst>
+          </p:cNvPr>
+          <p:cNvSpPr txBox="1"/>
+          <p:nvPr/>
+        </p:nvSpPr>
+        <p:spPr>
+          <a:xfrm>
+            <a:off x="9935308" y="5328634"/>
+            <a:ext cx="1286318" cy="954107"/>
+          </a:xfrm>
+          <a:prstGeom prst="rect">
+            <a:avLst/>
+          </a:prstGeom>
+          <a:noFill/>
+        </p:spPr>
+        <p:txBody>
+          <a:bodyPr wrap="square" rtlCol="0">
+            <a:spAutoFit/>
+          </a:bodyPr>
+          <a:lstStyle/>
+          <a:p>
+            <a:r>
+              <a:rPr lang="en-US" sz="1400" dirty="0"/>
+              <a:t>Businesses {…}</a:t>
+            </a:r>
+          </a:p>
+          <a:p>
+            <a:r>
+              <a:rPr lang="en-US" sz="1400" dirty="0"/>
+              <a:t>Business {…}</a:t>
+            </a:r>
+          </a:p>
+          <a:p>
+            <a:r>
+              <a:rPr lang="en-US" sz="1400" dirty="0"/>
+              <a:t>User {…}</a:t>
+            </a:r>
+          </a:p>
+          <a:p>
+            <a:r>
+              <a:rPr lang="en-US" sz="1400" dirty="0"/>
+              <a:t>Errors {…}</a:t>
+            </a:r>
+          </a:p>
+        </p:txBody>
+      </p:sp>
+      <p:sp>
+        <p:nvSpPr>
+          <p:cNvPr id="35" name="TextBox 34">
+            <a:extLst>
+              <a:ext uri="{FF2B5EF4-FFF2-40B4-BE49-F238E27FC236}">
+                <a16:creationId xmlns:a16="http://schemas.microsoft.com/office/drawing/2014/main" id="{13395FD6-984B-4895-AA8D-AFE327DAD386}"/>
+              </a:ext>
+            </a:extLst>
+          </p:cNvPr>
+          <p:cNvSpPr txBox="1"/>
+          <p:nvPr/>
+        </p:nvSpPr>
+        <p:spPr>
+          <a:xfrm>
+            <a:off x="2995137" y="5056996"/>
+            <a:ext cx="3776558" cy="1200329"/>
+          </a:xfrm>
+          <a:prstGeom prst="rect">
+            <a:avLst/>
+          </a:prstGeom>
+          <a:noFill/>
+        </p:spPr>
+        <p:txBody>
+          <a:bodyPr wrap="square" rtlCol="0">
+            <a:spAutoFit/>
+          </a:bodyPr>
+          <a:lstStyle/>
+          <a:p>
+            <a:r>
+              <a:rPr lang="en-US" sz="1600" dirty="0"/>
+              <a:t>Post errors to Create Form, which will: </a:t>
+            </a:r>
+          </a:p>
+          <a:p>
+            <a:r>
+              <a:rPr lang="en-US" sz="1400" dirty="0"/>
+              <a:t>    - Connect to store</a:t>
+            </a:r>
+          </a:p>
+          <a:p>
+            <a:r>
+              <a:rPr lang="en-US" sz="1400" dirty="0"/>
+              <a:t>    - Get updated state and map it to props</a:t>
+            </a:r>
+          </a:p>
+          <a:p>
+            <a:r>
+              <a:rPr lang="en-US" sz="1400" dirty="0"/>
+              <a:t>    - Receive new props and set state</a:t>
+            </a:r>
+          </a:p>
+          <a:p>
+            <a:r>
+              <a:rPr lang="en-US" sz="1400" dirty="0"/>
+              <a:t>    - Display errors</a:t>
+            </a:r>
+          </a:p>
+        </p:txBody>
+      </p:sp>
+      <p:sp>
+        <p:nvSpPr>
+          <p:cNvPr id="36" name="TextBox 35">
+            <a:extLst>
+              <a:ext uri="{FF2B5EF4-FFF2-40B4-BE49-F238E27FC236}">
+                <a16:creationId xmlns:a16="http://schemas.microsoft.com/office/drawing/2014/main" id="{7EB25634-5DD9-4122-84F9-ED91EA5E1722}"/>
+              </a:ext>
+            </a:extLst>
+          </p:cNvPr>
+          <p:cNvSpPr txBox="1"/>
+          <p:nvPr/>
+        </p:nvSpPr>
+        <p:spPr>
+          <a:xfrm>
+            <a:off x="10144483" y="3707572"/>
+            <a:ext cx="816878" cy="523220"/>
+          </a:xfrm>
+          <a:prstGeom prst="rect">
+            <a:avLst/>
+          </a:prstGeom>
+          <a:noFill/>
+        </p:spPr>
+        <p:txBody>
+          <a:bodyPr wrap="square" rtlCol="0">
+            <a:spAutoFit/>
+          </a:bodyPr>
+          <a:lstStyle/>
+          <a:p>
+            <a:pPr algn="ctr"/>
+            <a:r>
+              <a:rPr lang="en-US" sz="1400" dirty="0"/>
+              <a:t>Updates</a:t>
+            </a:r>
+          </a:p>
+          <a:p>
+            <a:pPr algn="ctr"/>
+            <a:r>
+              <a:rPr lang="en-US" sz="1400" dirty="0"/>
+              <a:t>Store</a:t>
             </a:r>
           </a:p>
         </p:txBody>

--- a/TechPresentation.pptx
+++ b/TechPresentation.pptx
@@ -264,7 +264,7 @@
           <a:p>
             <a:fld id="{2DCF7605-F396-4A0D-BFC1-B4C6E63FC903}" type="datetimeFigureOut">
               <a:rPr lang="en-US" smtClean="0"/>
-              <a:t>1/19/2021</a:t>
+              <a:t>1/20/2021</a:t>
             </a:fld>
             <a:endParaRPr lang="en-US"/>
           </a:p>
@@ -462,7 +462,7 @@
           <a:p>
             <a:fld id="{2DCF7605-F396-4A0D-BFC1-B4C6E63FC903}" type="datetimeFigureOut">
               <a:rPr lang="en-US" smtClean="0"/>
-              <a:t>1/19/2021</a:t>
+              <a:t>1/20/2021</a:t>
             </a:fld>
             <a:endParaRPr lang="en-US"/>
           </a:p>
@@ -670,7 +670,7 @@
           <a:p>
             <a:fld id="{2DCF7605-F396-4A0D-BFC1-B4C6E63FC903}" type="datetimeFigureOut">
               <a:rPr lang="en-US" smtClean="0"/>
-              <a:t>1/19/2021</a:t>
+              <a:t>1/20/2021</a:t>
             </a:fld>
             <a:endParaRPr lang="en-US"/>
           </a:p>
@@ -868,7 +868,7 @@
           <a:p>
             <a:fld id="{2DCF7605-F396-4A0D-BFC1-B4C6E63FC903}" type="datetimeFigureOut">
               <a:rPr lang="en-US" smtClean="0"/>
-              <a:t>1/19/2021</a:t>
+              <a:t>1/20/2021</a:t>
             </a:fld>
             <a:endParaRPr lang="en-US"/>
           </a:p>
@@ -1143,7 +1143,7 @@
           <a:p>
             <a:fld id="{2DCF7605-F396-4A0D-BFC1-B4C6E63FC903}" type="datetimeFigureOut">
               <a:rPr lang="en-US" smtClean="0"/>
-              <a:t>1/19/2021</a:t>
+              <a:t>1/20/2021</a:t>
             </a:fld>
             <a:endParaRPr lang="en-US"/>
           </a:p>
@@ -1408,7 +1408,7 @@
           <a:p>
             <a:fld id="{2DCF7605-F396-4A0D-BFC1-B4C6E63FC903}" type="datetimeFigureOut">
               <a:rPr lang="en-US" smtClean="0"/>
-              <a:t>1/19/2021</a:t>
+              <a:t>1/20/2021</a:t>
             </a:fld>
             <a:endParaRPr lang="en-US"/>
           </a:p>
@@ -1820,7 +1820,7 @@
           <a:p>
             <a:fld id="{2DCF7605-F396-4A0D-BFC1-B4C6E63FC903}" type="datetimeFigureOut">
               <a:rPr lang="en-US" smtClean="0"/>
-              <a:t>1/19/2021</a:t>
+              <a:t>1/20/2021</a:t>
             </a:fld>
             <a:endParaRPr lang="en-US"/>
           </a:p>
@@ -1961,7 +1961,7 @@
           <a:p>
             <a:fld id="{2DCF7605-F396-4A0D-BFC1-B4C6E63FC903}" type="datetimeFigureOut">
               <a:rPr lang="en-US" smtClean="0"/>
-              <a:t>1/19/2021</a:t>
+              <a:t>1/20/2021</a:t>
             </a:fld>
             <a:endParaRPr lang="en-US"/>
           </a:p>
@@ -2074,7 +2074,7 @@
           <a:p>
             <a:fld id="{2DCF7605-F396-4A0D-BFC1-B4C6E63FC903}" type="datetimeFigureOut">
               <a:rPr lang="en-US" smtClean="0"/>
-              <a:t>1/19/2021</a:t>
+              <a:t>1/20/2021</a:t>
             </a:fld>
             <a:endParaRPr lang="en-US"/>
           </a:p>
@@ -2385,7 +2385,7 @@
           <a:p>
             <a:fld id="{2DCF7605-F396-4A0D-BFC1-B4C6E63FC903}" type="datetimeFigureOut">
               <a:rPr lang="en-US" smtClean="0"/>
-              <a:t>1/19/2021</a:t>
+              <a:t>1/20/2021</a:t>
             </a:fld>
             <a:endParaRPr lang="en-US"/>
           </a:p>
@@ -2673,7 +2673,7 @@
           <a:p>
             <a:fld id="{2DCF7605-F396-4A0D-BFC1-B4C6E63FC903}" type="datetimeFigureOut">
               <a:rPr lang="en-US" smtClean="0"/>
-              <a:t>1/19/2021</a:t>
+              <a:t>1/20/2021</a:t>
             </a:fld>
             <a:endParaRPr lang="en-US"/>
           </a:p>
@@ -2914,7 +2914,7 @@
           <a:p>
             <a:fld id="{2DCF7605-F396-4A0D-BFC1-B4C6E63FC903}" type="datetimeFigureOut">
               <a:rPr lang="en-US" smtClean="0"/>
-              <a:t>1/19/2021</a:t>
+              <a:t>1/20/2021</a:t>
             </a:fld>
             <a:endParaRPr lang="en-US"/>
           </a:p>
@@ -3382,7 +3382,7 @@
         <p:spPr>
           <a:xfrm>
             <a:off x="4043265" y="2828835"/>
-            <a:ext cx="4105470" cy="1692771"/>
+            <a:ext cx="4105470" cy="2062103"/>
           </a:xfrm>
           <a:prstGeom prst="rect">
             <a:avLst/>
@@ -3404,6 +3404,16 @@
           <a:p>
             <a:pPr algn="ctr"/>
             <a:endParaRPr lang="en-US" sz="2800" dirty="0"/>
+          </a:p>
+          <a:p>
+            <a:pPr algn="ctr"/>
+            <a:r>
+              <a:rPr lang="en-US" sz="2400" dirty="0">
+                <a:hlinkClick r:id="rId2"/>
+              </a:rPr>
+              <a:t>liu.zehu@northeastern.edu</a:t>
+            </a:r>
+            <a:endParaRPr lang="en-US" sz="2400" dirty="0"/>
           </a:p>
           <a:p>
             <a:pPr algn="ctr"/>
@@ -5995,6 +6005,60 @@
       </p:grpSpPr>
       <p:sp>
         <p:nvSpPr>
+          <p:cNvPr id="29" name="Arrow: Right 28">
+            <a:extLst>
+              <a:ext uri="{FF2B5EF4-FFF2-40B4-BE49-F238E27FC236}">
+                <a16:creationId xmlns:a16="http://schemas.microsoft.com/office/drawing/2014/main" id="{B0D815B6-B16C-4B47-9186-0144C5C5937E}"/>
+              </a:ext>
+            </a:extLst>
+          </p:cNvPr>
+          <p:cNvSpPr/>
+          <p:nvPr/>
+        </p:nvSpPr>
+        <p:spPr>
+          <a:xfrm rot="10800000">
+            <a:off x="2643667" y="5080794"/>
+            <a:ext cx="7008855" cy="302967"/>
+          </a:xfrm>
+          <a:prstGeom prst="rightArrow">
+            <a:avLst/>
+          </a:prstGeom>
+          <a:solidFill>
+            <a:schemeClr val="bg1">
+              <a:lumMod val="85000"/>
+            </a:schemeClr>
+          </a:solidFill>
+          <a:ln>
+            <a:noFill/>
+          </a:ln>
+        </p:spPr>
+        <p:style>
+          <a:lnRef idx="2">
+            <a:schemeClr val="accent1">
+              <a:shade val="50000"/>
+            </a:schemeClr>
+          </a:lnRef>
+          <a:fillRef idx="1">
+            <a:schemeClr val="accent1"/>
+          </a:fillRef>
+          <a:effectRef idx="0">
+            <a:schemeClr val="accent1"/>
+          </a:effectRef>
+          <a:fontRef idx="minor">
+            <a:schemeClr val="lt1"/>
+          </a:fontRef>
+        </p:style>
+        <p:txBody>
+          <a:bodyPr rtlCol="0" anchor="ctr"/>
+          <a:lstStyle/>
+          <a:p>
+            <a:pPr algn="ctr"/>
+            <a:endParaRPr lang="en-US"/>
+          </a:p>
+        </p:txBody>
+      </p:sp>
+      <p:sp>
+        <p:nvSpPr>
           <p:cNvPr id="4" name="TextBox 3">
             <a:extLst>
               <a:ext uri="{FF2B5EF4-FFF2-40B4-BE49-F238E27FC236}">
@@ -6023,7 +6087,1762 @@
           <a:p>
             <a:r>
               <a:rPr lang="en-US" sz="3200" b="1" dirty="0"/>
-              <a:t>123456</a:t>
+              <a:t>Spring Security </a:t>
+            </a:r>
+            <a:r>
+              <a:rPr lang="en-US" altLang="zh-CN" sz="3200" b="1" dirty="0"/>
+              <a:t>+ JWT — Log In</a:t>
+            </a:r>
+            <a:endParaRPr lang="en-US" sz="3200" b="1" dirty="0"/>
+          </a:p>
+        </p:txBody>
+      </p:sp>
+      <p:sp>
+        <p:nvSpPr>
+          <p:cNvPr id="2" name="Rectangle: Rounded Corners 1">
+            <a:extLst>
+              <a:ext uri="{FF2B5EF4-FFF2-40B4-BE49-F238E27FC236}">
+                <a16:creationId xmlns:a16="http://schemas.microsoft.com/office/drawing/2014/main" id="{8CBC6E65-5856-4CD7-8F51-2850679EE20D}"/>
+              </a:ext>
+            </a:extLst>
+          </p:cNvPr>
+          <p:cNvSpPr/>
+          <p:nvPr/>
+        </p:nvSpPr>
+        <p:spPr>
+          <a:xfrm>
+            <a:off x="7268546" y="1639045"/>
+            <a:ext cx="1511560" cy="758917"/>
+          </a:xfrm>
+          <a:prstGeom prst="roundRect">
+            <a:avLst/>
+          </a:prstGeom>
+          <a:ln w="38100"/>
+        </p:spPr>
+        <p:style>
+          <a:lnRef idx="1">
+            <a:schemeClr val="accent4"/>
+          </a:lnRef>
+          <a:fillRef idx="2">
+            <a:schemeClr val="accent4"/>
+          </a:fillRef>
+          <a:effectRef idx="1">
+            <a:schemeClr val="accent4"/>
+          </a:effectRef>
+          <a:fontRef idx="minor">
+            <a:schemeClr val="dk1"/>
+          </a:fontRef>
+        </p:style>
+        <p:txBody>
+          <a:bodyPr rtlCol="0" anchor="ctr"/>
+          <a:lstStyle/>
+          <a:p>
+            <a:pPr algn="ctr"/>
+            <a:endParaRPr lang="en-US"/>
+          </a:p>
+        </p:txBody>
+      </p:sp>
+      <p:sp>
+        <p:nvSpPr>
+          <p:cNvPr id="5" name="Rectangle: Rounded Corners 4">
+            <a:extLst>
+              <a:ext uri="{FF2B5EF4-FFF2-40B4-BE49-F238E27FC236}">
+                <a16:creationId xmlns:a16="http://schemas.microsoft.com/office/drawing/2014/main" id="{48FE4B97-072D-40BF-801F-8BB550C94BF3}"/>
+              </a:ext>
+            </a:extLst>
+          </p:cNvPr>
+          <p:cNvSpPr/>
+          <p:nvPr/>
+        </p:nvSpPr>
+        <p:spPr>
+          <a:xfrm>
+            <a:off x="3156858" y="3019007"/>
+            <a:ext cx="1569875" cy="686348"/>
+          </a:xfrm>
+          <a:prstGeom prst="roundRect">
+            <a:avLst/>
+          </a:prstGeom>
+          <a:gradFill flip="none" rotWithShape="1">
+            <a:gsLst>
+              <a:gs pos="0">
+                <a:schemeClr val="accent2">
+                  <a:satMod val="103000"/>
+                  <a:lumMod val="102000"/>
+                  <a:tint val="94000"/>
+                </a:schemeClr>
+              </a:gs>
+              <a:gs pos="50000">
+                <a:schemeClr val="accent2">
+                  <a:satMod val="110000"/>
+                  <a:lumMod val="100000"/>
+                  <a:shade val="100000"/>
+                </a:schemeClr>
+              </a:gs>
+              <a:gs pos="100000">
+                <a:schemeClr val="accent2">
+                  <a:lumMod val="99000"/>
+                  <a:satMod val="120000"/>
+                  <a:shade val="78000"/>
+                </a:schemeClr>
+              </a:gs>
+            </a:gsLst>
+            <a:path path="circle">
+              <a:fillToRect r="100000" b="100000"/>
+            </a:path>
+            <a:tileRect l="-100000" t="-100000"/>
+          </a:gradFill>
+          <a:ln w="38100"/>
+        </p:spPr>
+        <p:style>
+          <a:lnRef idx="1">
+            <a:schemeClr val="accent2"/>
+          </a:lnRef>
+          <a:fillRef idx="3">
+            <a:schemeClr val="accent2"/>
+          </a:fillRef>
+          <a:effectRef idx="2">
+            <a:schemeClr val="accent2"/>
+          </a:effectRef>
+          <a:fontRef idx="minor">
+            <a:schemeClr val="lt1"/>
+          </a:fontRef>
+        </p:style>
+        <p:txBody>
+          <a:bodyPr rtlCol="0" anchor="ctr"/>
+          <a:lstStyle/>
+          <a:p>
+            <a:pPr algn="ctr"/>
+            <a:endParaRPr lang="en-US"/>
+          </a:p>
+        </p:txBody>
+      </p:sp>
+      <p:sp>
+        <p:nvSpPr>
+          <p:cNvPr id="6" name="Rectangle: Rounded Corners 5">
+            <a:extLst>
+              <a:ext uri="{FF2B5EF4-FFF2-40B4-BE49-F238E27FC236}">
+                <a16:creationId xmlns:a16="http://schemas.microsoft.com/office/drawing/2014/main" id="{D3154863-71BC-4D88-875B-D8D952EF6397}"/>
+              </a:ext>
+            </a:extLst>
+          </p:cNvPr>
+          <p:cNvSpPr/>
+          <p:nvPr/>
+        </p:nvSpPr>
+        <p:spPr>
+          <a:xfrm>
+            <a:off x="602601" y="1853733"/>
+            <a:ext cx="1222310" cy="410548"/>
+          </a:xfrm>
+          <a:prstGeom prst="roundRect">
+            <a:avLst/>
+          </a:prstGeom>
+          <a:ln w="38100"/>
+        </p:spPr>
+        <p:style>
+          <a:lnRef idx="1">
+            <a:schemeClr val="accent4"/>
+          </a:lnRef>
+          <a:fillRef idx="2">
+            <a:schemeClr val="accent4"/>
+          </a:fillRef>
+          <a:effectRef idx="1">
+            <a:schemeClr val="accent4"/>
+          </a:effectRef>
+          <a:fontRef idx="minor">
+            <a:schemeClr val="dk1"/>
+          </a:fontRef>
+        </p:style>
+        <p:txBody>
+          <a:bodyPr rtlCol="0" anchor="ctr"/>
+          <a:lstStyle/>
+          <a:p>
+            <a:pPr algn="ctr"/>
+            <a:endParaRPr lang="en-US"/>
+          </a:p>
+        </p:txBody>
+      </p:sp>
+      <p:sp>
+        <p:nvSpPr>
+          <p:cNvPr id="3" name="TextBox 2">
+            <a:extLst>
+              <a:ext uri="{FF2B5EF4-FFF2-40B4-BE49-F238E27FC236}">
+                <a16:creationId xmlns:a16="http://schemas.microsoft.com/office/drawing/2014/main" id="{A7158F75-6383-44D4-8901-C572E73FF4A6}"/>
+              </a:ext>
+            </a:extLst>
+          </p:cNvPr>
+          <p:cNvSpPr txBox="1"/>
+          <p:nvPr/>
+        </p:nvSpPr>
+        <p:spPr>
+          <a:xfrm>
+            <a:off x="719234" y="1905118"/>
+            <a:ext cx="989044" cy="307777"/>
+          </a:xfrm>
+          <a:prstGeom prst="rect">
+            <a:avLst/>
+          </a:prstGeom>
+          <a:noFill/>
+        </p:spPr>
+        <p:txBody>
+          <a:bodyPr wrap="square" rtlCol="0">
+            <a:spAutoFit/>
+          </a:bodyPr>
+          <a:lstStyle/>
+          <a:p>
+            <a:pPr algn="ctr"/>
+            <a:r>
+              <a:rPr lang="en-US" sz="1400" dirty="0"/>
+              <a:t>Login Form</a:t>
+            </a:r>
+          </a:p>
+        </p:txBody>
+      </p:sp>
+      <p:sp>
+        <p:nvSpPr>
+          <p:cNvPr id="7" name="TextBox 6">
+            <a:extLst>
+              <a:ext uri="{FF2B5EF4-FFF2-40B4-BE49-F238E27FC236}">
+                <a16:creationId xmlns:a16="http://schemas.microsoft.com/office/drawing/2014/main" id="{E91EA4AD-D33A-48E6-963D-A64BEE03949B}"/>
+              </a:ext>
+            </a:extLst>
+          </p:cNvPr>
+          <p:cNvSpPr txBox="1"/>
+          <p:nvPr/>
+        </p:nvSpPr>
+        <p:spPr>
+          <a:xfrm>
+            <a:off x="3156858" y="3122015"/>
+            <a:ext cx="1569875" cy="492443"/>
+          </a:xfrm>
+          <a:prstGeom prst="rect">
+            <a:avLst/>
+          </a:prstGeom>
+          <a:noFill/>
+        </p:spPr>
+        <p:txBody>
+          <a:bodyPr wrap="square" rtlCol="0">
+            <a:spAutoFit/>
+          </a:bodyPr>
+          <a:lstStyle/>
+          <a:p>
+            <a:pPr algn="ctr"/>
+            <a:r>
+              <a:rPr lang="en-US" sz="1400" dirty="0"/>
+              <a:t>Server – Controller</a:t>
+            </a:r>
+          </a:p>
+          <a:p>
+            <a:pPr algn="ctr"/>
+            <a:r>
+              <a:rPr lang="en-US" sz="1200" dirty="0"/>
+              <a:t>Encapsulates</a:t>
+            </a:r>
+          </a:p>
+        </p:txBody>
+      </p:sp>
+      <p:sp>
+        <p:nvSpPr>
+          <p:cNvPr id="11" name="Rectangle: Rounded Corners 10">
+            <a:extLst>
+              <a:ext uri="{FF2B5EF4-FFF2-40B4-BE49-F238E27FC236}">
+                <a16:creationId xmlns:a16="http://schemas.microsoft.com/office/drawing/2014/main" id="{57AEAA6F-4F0E-491D-A240-A416E18D18C9}"/>
+              </a:ext>
+            </a:extLst>
+          </p:cNvPr>
+          <p:cNvSpPr/>
+          <p:nvPr/>
+        </p:nvSpPr>
+        <p:spPr>
+          <a:xfrm>
+            <a:off x="7337756" y="3027698"/>
+            <a:ext cx="1852126" cy="649613"/>
+          </a:xfrm>
+          <a:prstGeom prst="roundRect">
+            <a:avLst/>
+          </a:prstGeom>
+          <a:ln w="38100"/>
+        </p:spPr>
+        <p:style>
+          <a:lnRef idx="1">
+            <a:schemeClr val="accent6"/>
+          </a:lnRef>
+          <a:fillRef idx="2">
+            <a:schemeClr val="accent6"/>
+          </a:fillRef>
+          <a:effectRef idx="1">
+            <a:schemeClr val="accent6"/>
+          </a:effectRef>
+          <a:fontRef idx="minor">
+            <a:schemeClr val="dk1"/>
+          </a:fontRef>
+        </p:style>
+        <p:txBody>
+          <a:bodyPr rtlCol="0" anchor="ctr"/>
+          <a:lstStyle/>
+          <a:p>
+            <a:pPr algn="ctr"/>
+            <a:endParaRPr lang="en-US"/>
+          </a:p>
+        </p:txBody>
+      </p:sp>
+      <p:sp>
+        <p:nvSpPr>
+          <p:cNvPr id="12" name="TextBox 11">
+            <a:extLst>
+              <a:ext uri="{FF2B5EF4-FFF2-40B4-BE49-F238E27FC236}">
+                <a16:creationId xmlns:a16="http://schemas.microsoft.com/office/drawing/2014/main" id="{B2110329-77C3-4465-8C37-14B5EEC9BD1E}"/>
+              </a:ext>
+            </a:extLst>
+          </p:cNvPr>
+          <p:cNvSpPr txBox="1"/>
+          <p:nvPr/>
+        </p:nvSpPr>
+        <p:spPr>
+          <a:xfrm>
+            <a:off x="7337756" y="3113885"/>
+            <a:ext cx="1852126" cy="492443"/>
+          </a:xfrm>
+          <a:prstGeom prst="rect">
+            <a:avLst/>
+          </a:prstGeom>
+          <a:noFill/>
+        </p:spPr>
+        <p:txBody>
+          <a:bodyPr wrap="square" rtlCol="0">
+            <a:spAutoFit/>
+          </a:bodyPr>
+          <a:lstStyle/>
+          <a:p>
+            <a:pPr algn="ctr"/>
+            <a:r>
+              <a:rPr lang="en-US" sz="1400" dirty="0" err="1"/>
+              <a:t>AutenticationManager</a:t>
+            </a:r>
+            <a:endParaRPr lang="en-US" sz="1400" dirty="0"/>
+          </a:p>
+          <a:p>
+            <a:pPr algn="ctr"/>
+            <a:r>
+              <a:rPr lang="en-US" sz="1200" dirty="0"/>
+              <a:t>Authenticates</a:t>
+            </a:r>
+          </a:p>
+        </p:txBody>
+      </p:sp>
+      <p:sp>
+        <p:nvSpPr>
+          <p:cNvPr id="14" name="Diamond 13">
+            <a:extLst>
+              <a:ext uri="{FF2B5EF4-FFF2-40B4-BE49-F238E27FC236}">
+                <a16:creationId xmlns:a16="http://schemas.microsoft.com/office/drawing/2014/main" id="{C1DC437A-2565-42DB-A89A-9A4131BE7489}"/>
+              </a:ext>
+            </a:extLst>
+          </p:cNvPr>
+          <p:cNvSpPr/>
+          <p:nvPr/>
+        </p:nvSpPr>
+        <p:spPr>
+          <a:xfrm>
+            <a:off x="9895894" y="3037479"/>
+            <a:ext cx="1133671" cy="649613"/>
+          </a:xfrm>
+          <a:prstGeom prst="diamond">
+            <a:avLst/>
+          </a:prstGeom>
+          <a:solidFill>
+            <a:schemeClr val="bg1">
+              <a:lumMod val="85000"/>
+            </a:schemeClr>
+          </a:solidFill>
+          <a:ln w="38100">
+            <a:noFill/>
+          </a:ln>
+        </p:spPr>
+        <p:style>
+          <a:lnRef idx="1">
+            <a:schemeClr val="accent2"/>
+          </a:lnRef>
+          <a:fillRef idx="2">
+            <a:schemeClr val="accent2"/>
+          </a:fillRef>
+          <a:effectRef idx="1">
+            <a:schemeClr val="accent2"/>
+          </a:effectRef>
+          <a:fontRef idx="minor">
+            <a:schemeClr val="dk1"/>
+          </a:fontRef>
+        </p:style>
+        <p:txBody>
+          <a:bodyPr rtlCol="0" anchor="ctr"/>
+          <a:lstStyle/>
+          <a:p>
+            <a:pPr algn="ctr"/>
+            <a:endParaRPr lang="en-US"/>
+          </a:p>
+        </p:txBody>
+      </p:sp>
+      <p:sp>
+        <p:nvSpPr>
+          <p:cNvPr id="15" name="TextBox 14">
+            <a:extLst>
+              <a:ext uri="{FF2B5EF4-FFF2-40B4-BE49-F238E27FC236}">
+                <a16:creationId xmlns:a16="http://schemas.microsoft.com/office/drawing/2014/main" id="{CCAA11F3-651F-4AB9-936C-1EFC0550DFEA}"/>
+              </a:ext>
+            </a:extLst>
+          </p:cNvPr>
+          <p:cNvSpPr txBox="1"/>
+          <p:nvPr/>
+        </p:nvSpPr>
+        <p:spPr>
+          <a:xfrm>
+            <a:off x="10106210" y="3208396"/>
+            <a:ext cx="714972" cy="307777"/>
+          </a:xfrm>
+          <a:prstGeom prst="rect">
+            <a:avLst/>
+          </a:prstGeom>
+          <a:noFill/>
+        </p:spPr>
+        <p:txBody>
+          <a:bodyPr wrap="square" rtlCol="0">
+            <a:spAutoFit/>
+          </a:bodyPr>
+          <a:lstStyle/>
+          <a:p>
+            <a:r>
+              <a:rPr lang="en-US" sz="1400" dirty="0"/>
+              <a:t>Errors?</a:t>
+            </a:r>
+          </a:p>
+        </p:txBody>
+      </p:sp>
+      <p:sp>
+        <p:nvSpPr>
+          <p:cNvPr id="16" name="TextBox 15">
+            <a:extLst>
+              <a:ext uri="{FF2B5EF4-FFF2-40B4-BE49-F238E27FC236}">
+                <a16:creationId xmlns:a16="http://schemas.microsoft.com/office/drawing/2014/main" id="{467BBF75-FC1B-4B4D-92CF-BB96C2EABEC4}"/>
+              </a:ext>
+            </a:extLst>
+          </p:cNvPr>
+          <p:cNvSpPr txBox="1"/>
+          <p:nvPr/>
+        </p:nvSpPr>
+        <p:spPr>
+          <a:xfrm>
+            <a:off x="7302759" y="1671702"/>
+            <a:ext cx="1477347" cy="677108"/>
+          </a:xfrm>
+          <a:prstGeom prst="rect">
+            <a:avLst/>
+          </a:prstGeom>
+          <a:noFill/>
+        </p:spPr>
+        <p:txBody>
+          <a:bodyPr wrap="square" rtlCol="0">
+            <a:spAutoFit/>
+          </a:bodyPr>
+          <a:lstStyle/>
+          <a:p>
+            <a:pPr algn="ctr"/>
+            <a:r>
+              <a:rPr lang="en-US" sz="1400" dirty="0"/>
+              <a:t>Login Form</a:t>
+            </a:r>
+          </a:p>
+          <a:p>
+            <a:r>
+              <a:rPr lang="en-US" sz="1200" dirty="0"/>
+              <a:t>Invalidate Username</a:t>
+            </a:r>
+          </a:p>
+          <a:p>
+            <a:r>
+              <a:rPr lang="en-US" sz="1200" dirty="0"/>
+              <a:t>Invalidate Password</a:t>
+            </a:r>
+          </a:p>
+        </p:txBody>
+      </p:sp>
+      <p:sp>
+        <p:nvSpPr>
+          <p:cNvPr id="17" name="Rectangle: Rounded Corners 16">
+            <a:extLst>
+              <a:ext uri="{FF2B5EF4-FFF2-40B4-BE49-F238E27FC236}">
+                <a16:creationId xmlns:a16="http://schemas.microsoft.com/office/drawing/2014/main" id="{AF513461-0240-4C6A-9D1D-A19F83FF5FF6}"/>
+              </a:ext>
+            </a:extLst>
+          </p:cNvPr>
+          <p:cNvSpPr/>
+          <p:nvPr/>
+        </p:nvSpPr>
+        <p:spPr>
+          <a:xfrm>
+            <a:off x="9590319" y="1808203"/>
+            <a:ext cx="1751045" cy="419715"/>
+          </a:xfrm>
+          <a:prstGeom prst="roundRect">
+            <a:avLst/>
+          </a:prstGeom>
+          <a:solidFill>
+            <a:schemeClr val="bg1">
+              <a:lumMod val="85000"/>
+            </a:schemeClr>
+          </a:solidFill>
+          <a:ln>
+            <a:noFill/>
+          </a:ln>
+        </p:spPr>
+        <p:style>
+          <a:lnRef idx="2">
+            <a:schemeClr val="accent1">
+              <a:shade val="50000"/>
+            </a:schemeClr>
+          </a:lnRef>
+          <a:fillRef idx="1">
+            <a:schemeClr val="accent1"/>
+          </a:fillRef>
+          <a:effectRef idx="0">
+            <a:schemeClr val="accent1"/>
+          </a:effectRef>
+          <a:fontRef idx="minor">
+            <a:schemeClr val="lt1"/>
+          </a:fontRef>
+        </p:style>
+        <p:txBody>
+          <a:bodyPr rtlCol="0" anchor="ctr"/>
+          <a:lstStyle/>
+          <a:p>
+            <a:pPr algn="ctr"/>
+            <a:endParaRPr lang="en-US"/>
+          </a:p>
+        </p:txBody>
+      </p:sp>
+      <p:sp>
+        <p:nvSpPr>
+          <p:cNvPr id="18" name="TextBox 17">
+            <a:extLst>
+              <a:ext uri="{FF2B5EF4-FFF2-40B4-BE49-F238E27FC236}">
+                <a16:creationId xmlns:a16="http://schemas.microsoft.com/office/drawing/2014/main" id="{550ECB20-6F81-4645-9447-7A17F7A73A01}"/>
+              </a:ext>
+            </a:extLst>
+          </p:cNvPr>
+          <p:cNvSpPr txBox="1"/>
+          <p:nvPr/>
+        </p:nvSpPr>
+        <p:spPr>
+          <a:xfrm>
+            <a:off x="9652523" y="1771838"/>
+            <a:ext cx="1626636" cy="492443"/>
+          </a:xfrm>
+          <a:prstGeom prst="rect">
+            <a:avLst/>
+          </a:prstGeom>
+          <a:noFill/>
+        </p:spPr>
+        <p:txBody>
+          <a:bodyPr wrap="square" rtlCol="0">
+            <a:spAutoFit/>
+          </a:bodyPr>
+          <a:lstStyle/>
+          <a:p>
+            <a:r>
+              <a:rPr lang="en-US" sz="1400" dirty="0"/>
+              <a:t>Update Redux Store</a:t>
+            </a:r>
+          </a:p>
+          <a:p>
+            <a:r>
+              <a:rPr lang="en-US" sz="1200" dirty="0"/>
+              <a:t>Errors {…}</a:t>
+            </a:r>
+          </a:p>
+        </p:txBody>
+      </p:sp>
+      <p:sp>
+        <p:nvSpPr>
+          <p:cNvPr id="19" name="Rectangle: Rounded Corners 18">
+            <a:extLst>
+              <a:ext uri="{FF2B5EF4-FFF2-40B4-BE49-F238E27FC236}">
+                <a16:creationId xmlns:a16="http://schemas.microsoft.com/office/drawing/2014/main" id="{117D2D07-38FF-4C27-B9A8-3B088EE15914}"/>
+              </a:ext>
+            </a:extLst>
+          </p:cNvPr>
+          <p:cNvSpPr/>
+          <p:nvPr/>
+        </p:nvSpPr>
+        <p:spPr>
+          <a:xfrm>
+            <a:off x="9716280" y="4884575"/>
+            <a:ext cx="1489793" cy="649613"/>
+          </a:xfrm>
+          <a:prstGeom prst="roundRect">
+            <a:avLst/>
+          </a:prstGeom>
+          <a:ln w="38100"/>
+        </p:spPr>
+        <p:style>
+          <a:lnRef idx="1">
+            <a:schemeClr val="dk1"/>
+          </a:lnRef>
+          <a:fillRef idx="2">
+            <a:schemeClr val="dk1"/>
+          </a:fillRef>
+          <a:effectRef idx="1">
+            <a:schemeClr val="dk1"/>
+          </a:effectRef>
+          <a:fontRef idx="minor">
+            <a:schemeClr val="dk1"/>
+          </a:fontRef>
+        </p:style>
+        <p:txBody>
+          <a:bodyPr rtlCol="0" anchor="ctr"/>
+          <a:lstStyle/>
+          <a:p>
+            <a:pPr algn="ctr"/>
+            <a:endParaRPr lang="en-US"/>
+          </a:p>
+        </p:txBody>
+      </p:sp>
+      <p:sp>
+        <p:nvSpPr>
+          <p:cNvPr id="20" name="TextBox 19">
+            <a:extLst>
+              <a:ext uri="{FF2B5EF4-FFF2-40B4-BE49-F238E27FC236}">
+                <a16:creationId xmlns:a16="http://schemas.microsoft.com/office/drawing/2014/main" id="{06E1C591-C916-4EB3-B052-5724D68B9F0D}"/>
+              </a:ext>
+            </a:extLst>
+          </p:cNvPr>
+          <p:cNvSpPr txBox="1"/>
+          <p:nvPr/>
+        </p:nvSpPr>
+        <p:spPr>
+          <a:xfrm>
+            <a:off x="9829802" y="4964798"/>
+            <a:ext cx="1262747" cy="492443"/>
+          </a:xfrm>
+          <a:prstGeom prst="rect">
+            <a:avLst/>
+          </a:prstGeom>
+          <a:noFill/>
+        </p:spPr>
+        <p:txBody>
+          <a:bodyPr wrap="square" rtlCol="0">
+            <a:spAutoFit/>
+          </a:bodyPr>
+          <a:lstStyle/>
+          <a:p>
+            <a:pPr algn="ctr"/>
+            <a:r>
+              <a:rPr lang="en-US" sz="1400" dirty="0"/>
+              <a:t>JWT Provider</a:t>
+            </a:r>
+          </a:p>
+          <a:p>
+            <a:pPr algn="ctr"/>
+            <a:r>
+              <a:rPr lang="en-US" sz="1200" dirty="0"/>
+              <a:t>Encodes</a:t>
+            </a:r>
+          </a:p>
+        </p:txBody>
+      </p:sp>
+      <p:sp>
+        <p:nvSpPr>
+          <p:cNvPr id="21" name="Rectangle: Rounded Corners 20">
+            <a:extLst>
+              <a:ext uri="{FF2B5EF4-FFF2-40B4-BE49-F238E27FC236}">
+                <a16:creationId xmlns:a16="http://schemas.microsoft.com/office/drawing/2014/main" id="{1EE3F21A-4C10-4FD3-9EEB-987A03A360F6}"/>
+              </a:ext>
+            </a:extLst>
+          </p:cNvPr>
+          <p:cNvSpPr/>
+          <p:nvPr/>
+        </p:nvSpPr>
+        <p:spPr>
+          <a:xfrm>
+            <a:off x="348344" y="3013545"/>
+            <a:ext cx="1738605" cy="686348"/>
+          </a:xfrm>
+          <a:prstGeom prst="roundRect">
+            <a:avLst/>
+          </a:prstGeom>
+          <a:ln w="38100"/>
+        </p:spPr>
+        <p:style>
+          <a:lnRef idx="1">
+            <a:schemeClr val="accent5"/>
+          </a:lnRef>
+          <a:fillRef idx="2">
+            <a:schemeClr val="accent5"/>
+          </a:fillRef>
+          <a:effectRef idx="1">
+            <a:schemeClr val="accent5"/>
+          </a:effectRef>
+          <a:fontRef idx="minor">
+            <a:schemeClr val="dk1"/>
+          </a:fontRef>
+        </p:style>
+        <p:txBody>
+          <a:bodyPr rtlCol="0" anchor="ctr"/>
+          <a:lstStyle/>
+          <a:p>
+            <a:pPr algn="ctr"/>
+            <a:endParaRPr lang="en-US"/>
+          </a:p>
+        </p:txBody>
+      </p:sp>
+      <p:sp>
+        <p:nvSpPr>
+          <p:cNvPr id="22" name="TextBox 21">
+            <a:extLst>
+              <a:ext uri="{FF2B5EF4-FFF2-40B4-BE49-F238E27FC236}">
+                <a16:creationId xmlns:a16="http://schemas.microsoft.com/office/drawing/2014/main" id="{7D3A06BD-3AC0-4363-850E-BAD6D8026DDB}"/>
+              </a:ext>
+            </a:extLst>
+          </p:cNvPr>
+          <p:cNvSpPr txBox="1"/>
+          <p:nvPr/>
+        </p:nvSpPr>
+        <p:spPr>
+          <a:xfrm>
+            <a:off x="401217" y="3095091"/>
+            <a:ext cx="1632857" cy="492443"/>
+          </a:xfrm>
+          <a:prstGeom prst="rect">
+            <a:avLst/>
+          </a:prstGeom>
+          <a:noFill/>
+        </p:spPr>
+        <p:txBody>
+          <a:bodyPr wrap="square" rtlCol="0">
+            <a:spAutoFit/>
+          </a:bodyPr>
+          <a:lstStyle/>
+          <a:p>
+            <a:pPr algn="ctr"/>
+            <a:r>
+              <a:rPr lang="en-US" sz="1400" dirty="0"/>
+              <a:t>Action</a:t>
+            </a:r>
+          </a:p>
+          <a:p>
+            <a:pPr algn="ctr"/>
+            <a:r>
+              <a:rPr lang="en-US" sz="1200" dirty="0"/>
+              <a:t>Payload: </a:t>
+            </a:r>
+            <a:r>
+              <a:rPr lang="en-US" sz="1200" dirty="0" err="1"/>
+              <a:t>LoginRequest</a:t>
+            </a:r>
+            <a:endParaRPr lang="en-US" sz="1200" dirty="0"/>
+          </a:p>
+        </p:txBody>
+      </p:sp>
+      <p:sp>
+        <p:nvSpPr>
+          <p:cNvPr id="23" name="Rectangle: Rounded Corners 22">
+            <a:extLst>
+              <a:ext uri="{FF2B5EF4-FFF2-40B4-BE49-F238E27FC236}">
+                <a16:creationId xmlns:a16="http://schemas.microsoft.com/office/drawing/2014/main" id="{E3DAF62C-A404-4D27-A9CE-7361F7B8E3FC}"/>
+              </a:ext>
+            </a:extLst>
+          </p:cNvPr>
+          <p:cNvSpPr/>
+          <p:nvPr/>
+        </p:nvSpPr>
+        <p:spPr>
+          <a:xfrm>
+            <a:off x="4613983" y="4578989"/>
+            <a:ext cx="2693437" cy="1364612"/>
+          </a:xfrm>
+          <a:prstGeom prst="roundRect">
+            <a:avLst/>
+          </a:prstGeom>
+          <a:solidFill>
+            <a:schemeClr val="bg1">
+              <a:lumMod val="85000"/>
+            </a:schemeClr>
+          </a:solidFill>
+          <a:ln>
+            <a:noFill/>
+          </a:ln>
+        </p:spPr>
+        <p:style>
+          <a:lnRef idx="2">
+            <a:schemeClr val="accent1">
+              <a:shade val="50000"/>
+            </a:schemeClr>
+          </a:lnRef>
+          <a:fillRef idx="1">
+            <a:schemeClr val="accent1"/>
+          </a:fillRef>
+          <a:effectRef idx="0">
+            <a:schemeClr val="accent1"/>
+          </a:effectRef>
+          <a:fontRef idx="minor">
+            <a:schemeClr val="lt1"/>
+          </a:fontRef>
+        </p:style>
+        <p:txBody>
+          <a:bodyPr rtlCol="0" anchor="ctr"/>
+          <a:lstStyle/>
+          <a:p>
+            <a:pPr algn="ctr"/>
+            <a:endParaRPr lang="en-US"/>
+          </a:p>
+        </p:txBody>
+      </p:sp>
+      <p:sp>
+        <p:nvSpPr>
+          <p:cNvPr id="24" name="TextBox 23">
+            <a:extLst>
+              <a:ext uri="{FF2B5EF4-FFF2-40B4-BE49-F238E27FC236}">
+                <a16:creationId xmlns:a16="http://schemas.microsoft.com/office/drawing/2014/main" id="{27FCAABF-EDBF-4673-98D7-30FEB7D79658}"/>
+              </a:ext>
+            </a:extLst>
+          </p:cNvPr>
+          <p:cNvSpPr txBox="1"/>
+          <p:nvPr/>
+        </p:nvSpPr>
+        <p:spPr>
+          <a:xfrm>
+            <a:off x="4710786" y="4663964"/>
+            <a:ext cx="2499829" cy="1200329"/>
+          </a:xfrm>
+          <a:prstGeom prst="rect">
+            <a:avLst/>
+          </a:prstGeom>
+          <a:noFill/>
+        </p:spPr>
+        <p:txBody>
+          <a:bodyPr wrap="square" rtlCol="0">
+            <a:spAutoFit/>
+          </a:bodyPr>
+          <a:lstStyle/>
+          <a:p>
+            <a:r>
+              <a:rPr lang="en-US" sz="1200" dirty="0"/>
+              <a:t>- Store the JWT into the local storage</a:t>
+            </a:r>
+          </a:p>
+          <a:p>
+            <a:r>
+              <a:rPr lang="en-US" sz="1200" dirty="0"/>
+              <a:t>- Set JWT in the servlet header</a:t>
+            </a:r>
+          </a:p>
+          <a:p>
+            <a:r>
+              <a:rPr lang="en-US" sz="1200" dirty="0"/>
+              <a:t>- Decode JWT </a:t>
+            </a:r>
+          </a:p>
+          <a:p>
+            <a:r>
+              <a:rPr lang="en-US" sz="1200" dirty="0"/>
+              <a:t>- Update Redux Store </a:t>
+            </a:r>
+          </a:p>
+          <a:p>
+            <a:r>
+              <a:rPr lang="en-US" sz="1200" dirty="0"/>
+              <a:t>     - </a:t>
+            </a:r>
+            <a:r>
+              <a:rPr lang="en-US" sz="1200" dirty="0" err="1"/>
+              <a:t>ValidateToken</a:t>
+            </a:r>
+            <a:r>
+              <a:rPr lang="en-US" sz="1200" dirty="0"/>
+              <a:t> = true</a:t>
+            </a:r>
+          </a:p>
+          <a:p>
+            <a:r>
+              <a:rPr lang="en-US" sz="1200" dirty="0"/>
+              <a:t>     - User = {……}</a:t>
+            </a:r>
+          </a:p>
+        </p:txBody>
+      </p:sp>
+      <p:sp>
+        <p:nvSpPr>
+          <p:cNvPr id="26" name="TextBox 25">
+            <a:extLst>
+              <a:ext uri="{FF2B5EF4-FFF2-40B4-BE49-F238E27FC236}">
+                <a16:creationId xmlns:a16="http://schemas.microsoft.com/office/drawing/2014/main" id="{369F6A93-8A1A-40D6-8C8F-6B16E7924581}"/>
+              </a:ext>
+            </a:extLst>
+          </p:cNvPr>
+          <p:cNvSpPr txBox="1"/>
+          <p:nvPr/>
+        </p:nvSpPr>
+        <p:spPr>
+          <a:xfrm>
+            <a:off x="3553404" y="1960949"/>
+            <a:ext cx="2824063" cy="276999"/>
+          </a:xfrm>
+          <a:prstGeom prst="rect">
+            <a:avLst/>
+          </a:prstGeom>
+          <a:noFill/>
+        </p:spPr>
+        <p:txBody>
+          <a:bodyPr wrap="square">
+            <a:spAutoFit/>
+          </a:bodyPr>
+          <a:lstStyle/>
+          <a:p>
+            <a:r>
+              <a:rPr lang="en-US" sz="1200" b="1" dirty="0" err="1"/>
+              <a:t>UsernamePasswordAuthenticationToken</a:t>
+            </a:r>
+            <a:endParaRPr lang="en-US" sz="1200" b="1" dirty="0"/>
+          </a:p>
+        </p:txBody>
+      </p:sp>
+      <p:sp>
+        <p:nvSpPr>
+          <p:cNvPr id="27" name="Rectangle: Rounded Corners 26">
+            <a:extLst>
+              <a:ext uri="{FF2B5EF4-FFF2-40B4-BE49-F238E27FC236}">
+                <a16:creationId xmlns:a16="http://schemas.microsoft.com/office/drawing/2014/main" id="{C46BA470-3C30-472F-AF4B-683598A9F23A}"/>
+              </a:ext>
+            </a:extLst>
+          </p:cNvPr>
+          <p:cNvSpPr/>
+          <p:nvPr/>
+        </p:nvSpPr>
+        <p:spPr>
+          <a:xfrm>
+            <a:off x="1057467" y="4897064"/>
+            <a:ext cx="1537218" cy="655941"/>
+          </a:xfrm>
+          <a:prstGeom prst="roundRect">
+            <a:avLst/>
+          </a:prstGeom>
+          <a:gradFill flip="none" rotWithShape="1">
+            <a:gsLst>
+              <a:gs pos="0">
+                <a:schemeClr val="accent4">
+                  <a:lumMod val="110000"/>
+                  <a:satMod val="105000"/>
+                  <a:tint val="67000"/>
+                </a:schemeClr>
+              </a:gs>
+              <a:gs pos="50000">
+                <a:schemeClr val="accent4">
+                  <a:lumMod val="105000"/>
+                  <a:satMod val="103000"/>
+                  <a:tint val="73000"/>
+                </a:schemeClr>
+              </a:gs>
+              <a:gs pos="100000">
+                <a:schemeClr val="accent4">
+                  <a:lumMod val="105000"/>
+                  <a:satMod val="109000"/>
+                  <a:tint val="81000"/>
+                </a:schemeClr>
+              </a:gs>
+            </a:gsLst>
+            <a:lin ang="16200000" scaled="1"/>
+            <a:tileRect/>
+          </a:gradFill>
+          <a:ln w="38100"/>
+        </p:spPr>
+        <p:style>
+          <a:lnRef idx="1">
+            <a:schemeClr val="accent4"/>
+          </a:lnRef>
+          <a:fillRef idx="2">
+            <a:schemeClr val="accent4"/>
+          </a:fillRef>
+          <a:effectRef idx="1">
+            <a:schemeClr val="accent4"/>
+          </a:effectRef>
+          <a:fontRef idx="minor">
+            <a:schemeClr val="dk1"/>
+          </a:fontRef>
+        </p:style>
+        <p:txBody>
+          <a:bodyPr rtlCol="0" anchor="ctr"/>
+          <a:lstStyle/>
+          <a:p>
+            <a:pPr algn="ctr"/>
+            <a:endParaRPr lang="en-US" dirty="0"/>
+          </a:p>
+        </p:txBody>
+      </p:sp>
+      <p:sp>
+        <p:nvSpPr>
+          <p:cNvPr id="28" name="TextBox 27">
+            <a:extLst>
+              <a:ext uri="{FF2B5EF4-FFF2-40B4-BE49-F238E27FC236}">
+                <a16:creationId xmlns:a16="http://schemas.microsoft.com/office/drawing/2014/main" id="{B3795854-5B72-4220-B893-3010E65A3995}"/>
+              </a:ext>
+            </a:extLst>
+          </p:cNvPr>
+          <p:cNvSpPr txBox="1"/>
+          <p:nvPr/>
+        </p:nvSpPr>
+        <p:spPr>
+          <a:xfrm>
+            <a:off x="1168366" y="4978812"/>
+            <a:ext cx="1315420" cy="492443"/>
+          </a:xfrm>
+          <a:prstGeom prst="rect">
+            <a:avLst/>
+          </a:prstGeom>
+          <a:noFill/>
+        </p:spPr>
+        <p:txBody>
+          <a:bodyPr wrap="square" rtlCol="0">
+            <a:spAutoFit/>
+          </a:bodyPr>
+          <a:lstStyle/>
+          <a:p>
+            <a:pPr algn="ctr"/>
+            <a:r>
+              <a:rPr lang="en-US" sz="1400" dirty="0"/>
+              <a:t>Dashboard</a:t>
+            </a:r>
+            <a:endParaRPr lang="en-US" sz="600" dirty="0"/>
+          </a:p>
+          <a:p>
+            <a:pPr algn="ctr"/>
+            <a:r>
+              <a:rPr lang="en-US" sz="1200" dirty="0"/>
+              <a:t>React component</a:t>
+            </a:r>
+          </a:p>
+        </p:txBody>
+      </p:sp>
+      <p:sp>
+        <p:nvSpPr>
+          <p:cNvPr id="30" name="TextBox 29">
+            <a:extLst>
+              <a:ext uri="{FF2B5EF4-FFF2-40B4-BE49-F238E27FC236}">
+                <a16:creationId xmlns:a16="http://schemas.microsoft.com/office/drawing/2014/main" id="{F7A9C7D3-89D7-4C85-8470-67CEAFF35C94}"/>
+              </a:ext>
+            </a:extLst>
+          </p:cNvPr>
+          <p:cNvSpPr txBox="1"/>
+          <p:nvPr/>
+        </p:nvSpPr>
+        <p:spPr>
+          <a:xfrm>
+            <a:off x="8000123" y="4872136"/>
+            <a:ext cx="497055" cy="307777"/>
+          </a:xfrm>
+          <a:prstGeom prst="rect">
+            <a:avLst/>
+          </a:prstGeom>
+          <a:noFill/>
+        </p:spPr>
+        <p:txBody>
+          <a:bodyPr wrap="square" rtlCol="0">
+            <a:spAutoFit/>
+          </a:bodyPr>
+          <a:lstStyle/>
+          <a:p>
+            <a:r>
+              <a:rPr lang="en-US" sz="1400" b="1" dirty="0"/>
+              <a:t>JWT</a:t>
+            </a:r>
+          </a:p>
+        </p:txBody>
+      </p:sp>
+      <p:sp>
+        <p:nvSpPr>
+          <p:cNvPr id="31" name="Arrow: Right 30">
+            <a:extLst>
+              <a:ext uri="{FF2B5EF4-FFF2-40B4-BE49-F238E27FC236}">
+                <a16:creationId xmlns:a16="http://schemas.microsoft.com/office/drawing/2014/main" id="{39B032FA-D551-40B6-AF5A-6231586A49DB}"/>
+              </a:ext>
+            </a:extLst>
+          </p:cNvPr>
+          <p:cNvSpPr/>
+          <p:nvPr/>
+        </p:nvSpPr>
+        <p:spPr>
+          <a:xfrm rot="16200000">
+            <a:off x="12421376" y="684891"/>
+            <a:ext cx="1306286" cy="144628"/>
+          </a:xfrm>
+          <a:prstGeom prst="rightArrow">
+            <a:avLst/>
+          </a:prstGeom>
+          <a:solidFill>
+            <a:schemeClr val="bg1">
+              <a:lumMod val="85000"/>
+            </a:schemeClr>
+          </a:solidFill>
+          <a:ln>
+            <a:noFill/>
+          </a:ln>
+        </p:spPr>
+        <p:style>
+          <a:lnRef idx="2">
+            <a:schemeClr val="accent1">
+              <a:shade val="50000"/>
+            </a:schemeClr>
+          </a:lnRef>
+          <a:fillRef idx="1">
+            <a:schemeClr val="accent1"/>
+          </a:fillRef>
+          <a:effectRef idx="0">
+            <a:schemeClr val="accent1"/>
+          </a:effectRef>
+          <a:fontRef idx="minor">
+            <a:schemeClr val="lt1"/>
+          </a:fontRef>
+        </p:style>
+        <p:txBody>
+          <a:bodyPr rtlCol="0" anchor="ctr"/>
+          <a:lstStyle/>
+          <a:p>
+            <a:pPr algn="ctr"/>
+            <a:endParaRPr lang="en-US"/>
+          </a:p>
+        </p:txBody>
+      </p:sp>
+      <p:sp>
+        <p:nvSpPr>
+          <p:cNvPr id="32" name="Arrow: Right 31">
+            <a:extLst>
+              <a:ext uri="{FF2B5EF4-FFF2-40B4-BE49-F238E27FC236}">
+                <a16:creationId xmlns:a16="http://schemas.microsoft.com/office/drawing/2014/main" id="{739B8DD3-CE42-4692-91A2-6E589A5BD350}"/>
+              </a:ext>
+            </a:extLst>
+          </p:cNvPr>
+          <p:cNvSpPr/>
+          <p:nvPr/>
+        </p:nvSpPr>
+        <p:spPr>
+          <a:xfrm rot="5400000">
+            <a:off x="859698" y="2493069"/>
+            <a:ext cx="686348" cy="290811"/>
+          </a:xfrm>
+          <a:prstGeom prst="rightArrow">
+            <a:avLst/>
+          </a:prstGeom>
+          <a:solidFill>
+            <a:schemeClr val="bg1">
+              <a:lumMod val="85000"/>
+            </a:schemeClr>
+          </a:solidFill>
+          <a:ln>
+            <a:noFill/>
+          </a:ln>
+        </p:spPr>
+        <p:style>
+          <a:lnRef idx="2">
+            <a:schemeClr val="accent1">
+              <a:shade val="50000"/>
+            </a:schemeClr>
+          </a:lnRef>
+          <a:fillRef idx="1">
+            <a:schemeClr val="accent1"/>
+          </a:fillRef>
+          <a:effectRef idx="0">
+            <a:schemeClr val="accent1"/>
+          </a:effectRef>
+          <a:fontRef idx="minor">
+            <a:schemeClr val="lt1"/>
+          </a:fontRef>
+        </p:style>
+        <p:txBody>
+          <a:bodyPr rtlCol="0" anchor="ctr"/>
+          <a:lstStyle/>
+          <a:p>
+            <a:pPr algn="ctr"/>
+            <a:endParaRPr lang="en-US"/>
+          </a:p>
+        </p:txBody>
+      </p:sp>
+      <p:sp>
+        <p:nvSpPr>
+          <p:cNvPr id="33" name="Arrow: Right 32">
+            <a:extLst>
+              <a:ext uri="{FF2B5EF4-FFF2-40B4-BE49-F238E27FC236}">
+                <a16:creationId xmlns:a16="http://schemas.microsoft.com/office/drawing/2014/main" id="{094E50A5-75C0-4791-8540-1034F842142E}"/>
+              </a:ext>
+            </a:extLst>
+          </p:cNvPr>
+          <p:cNvSpPr/>
+          <p:nvPr/>
+        </p:nvSpPr>
+        <p:spPr>
+          <a:xfrm>
+            <a:off x="2149927" y="3229275"/>
+            <a:ext cx="954056" cy="290811"/>
+          </a:xfrm>
+          <a:prstGeom prst="rightArrow">
+            <a:avLst/>
+          </a:prstGeom>
+          <a:solidFill>
+            <a:schemeClr val="bg1">
+              <a:lumMod val="85000"/>
+            </a:schemeClr>
+          </a:solidFill>
+          <a:ln>
+            <a:noFill/>
+          </a:ln>
+        </p:spPr>
+        <p:style>
+          <a:lnRef idx="2">
+            <a:schemeClr val="accent1">
+              <a:shade val="50000"/>
+            </a:schemeClr>
+          </a:lnRef>
+          <a:fillRef idx="1">
+            <a:schemeClr val="accent1"/>
+          </a:fillRef>
+          <a:effectRef idx="0">
+            <a:schemeClr val="accent1"/>
+          </a:effectRef>
+          <a:fontRef idx="minor">
+            <a:schemeClr val="lt1"/>
+          </a:fontRef>
+        </p:style>
+        <p:txBody>
+          <a:bodyPr rtlCol="0" anchor="ctr"/>
+          <a:lstStyle/>
+          <a:p>
+            <a:pPr algn="ctr"/>
+            <a:endParaRPr lang="en-US"/>
+          </a:p>
+        </p:txBody>
+      </p:sp>
+      <p:sp>
+        <p:nvSpPr>
+          <p:cNvPr id="34" name="Rectangle 33">
+            <a:extLst>
+              <a:ext uri="{FF2B5EF4-FFF2-40B4-BE49-F238E27FC236}">
+                <a16:creationId xmlns:a16="http://schemas.microsoft.com/office/drawing/2014/main" id="{23CC9EFF-99E3-45D6-9E94-4D0724C23B9E}"/>
+              </a:ext>
+            </a:extLst>
+          </p:cNvPr>
+          <p:cNvSpPr/>
+          <p:nvPr/>
+        </p:nvSpPr>
+        <p:spPr>
+          <a:xfrm>
+            <a:off x="3432799" y="2237346"/>
+            <a:ext cx="2978881" cy="147596"/>
+          </a:xfrm>
+          <a:prstGeom prst="rect">
+            <a:avLst/>
+          </a:prstGeom>
+          <a:solidFill>
+            <a:schemeClr val="bg1">
+              <a:lumMod val="85000"/>
+            </a:schemeClr>
+          </a:solidFill>
+          <a:ln>
+            <a:noFill/>
+          </a:ln>
+        </p:spPr>
+        <p:style>
+          <a:lnRef idx="3">
+            <a:schemeClr val="lt1"/>
+          </a:lnRef>
+          <a:fillRef idx="1">
+            <a:schemeClr val="accent3"/>
+          </a:fillRef>
+          <a:effectRef idx="1">
+            <a:schemeClr val="accent3"/>
+          </a:effectRef>
+          <a:fontRef idx="minor">
+            <a:schemeClr val="lt1"/>
+          </a:fontRef>
+        </p:style>
+        <p:txBody>
+          <a:bodyPr rtlCol="0" anchor="ctr"/>
+          <a:lstStyle/>
+          <a:p>
+            <a:pPr algn="ctr"/>
+            <a:endParaRPr lang="en-US"/>
+          </a:p>
+        </p:txBody>
+      </p:sp>
+      <p:sp>
+        <p:nvSpPr>
+          <p:cNvPr id="35" name="Rectangle 34">
+            <a:extLst>
+              <a:ext uri="{FF2B5EF4-FFF2-40B4-BE49-F238E27FC236}">
+                <a16:creationId xmlns:a16="http://schemas.microsoft.com/office/drawing/2014/main" id="{6B752111-B038-4EC4-A38E-C4A1EB399C57}"/>
+              </a:ext>
+            </a:extLst>
+          </p:cNvPr>
+          <p:cNvSpPr/>
+          <p:nvPr/>
+        </p:nvSpPr>
+        <p:spPr>
+          <a:xfrm rot="16200000">
+            <a:off x="3145366" y="2525874"/>
+            <a:ext cx="723381" cy="159876"/>
+          </a:xfrm>
+          <a:prstGeom prst="rect">
+            <a:avLst/>
+          </a:prstGeom>
+          <a:solidFill>
+            <a:schemeClr val="bg1">
+              <a:lumMod val="85000"/>
+            </a:schemeClr>
+          </a:solidFill>
+          <a:ln w="3175">
+            <a:noFill/>
+          </a:ln>
+        </p:spPr>
+        <p:style>
+          <a:lnRef idx="3">
+            <a:schemeClr val="lt1"/>
+          </a:lnRef>
+          <a:fillRef idx="1">
+            <a:schemeClr val="accent3"/>
+          </a:fillRef>
+          <a:effectRef idx="1">
+            <a:schemeClr val="accent3"/>
+          </a:effectRef>
+          <a:fontRef idx="minor">
+            <a:schemeClr val="lt1"/>
+          </a:fontRef>
+        </p:style>
+        <p:txBody>
+          <a:bodyPr rtlCol="0" anchor="ctr"/>
+          <a:lstStyle/>
+          <a:p>
+            <a:pPr algn="ctr"/>
+            <a:endParaRPr lang="en-US"/>
+          </a:p>
+        </p:txBody>
+      </p:sp>
+      <p:sp>
+        <p:nvSpPr>
+          <p:cNvPr id="36" name="Rectangle 35">
+            <a:extLst>
+              <a:ext uri="{FF2B5EF4-FFF2-40B4-BE49-F238E27FC236}">
+                <a16:creationId xmlns:a16="http://schemas.microsoft.com/office/drawing/2014/main" id="{B8A14100-EE28-4016-BC5D-A233F2BF9981}"/>
+              </a:ext>
+            </a:extLst>
+          </p:cNvPr>
+          <p:cNvSpPr/>
+          <p:nvPr/>
+        </p:nvSpPr>
+        <p:spPr>
+          <a:xfrm rot="16200000">
+            <a:off x="5832743" y="2653436"/>
+            <a:ext cx="991798" cy="159878"/>
+          </a:xfrm>
+          <a:prstGeom prst="rect">
+            <a:avLst/>
+          </a:prstGeom>
+          <a:solidFill>
+            <a:schemeClr val="bg1">
+              <a:lumMod val="85000"/>
+            </a:schemeClr>
+          </a:solidFill>
+          <a:ln w="3175">
+            <a:noFill/>
+          </a:ln>
+        </p:spPr>
+        <p:style>
+          <a:lnRef idx="3">
+            <a:schemeClr val="lt1"/>
+          </a:lnRef>
+          <a:fillRef idx="1">
+            <a:schemeClr val="accent3"/>
+          </a:fillRef>
+          <a:effectRef idx="1">
+            <a:schemeClr val="accent3"/>
+          </a:effectRef>
+          <a:fontRef idx="minor">
+            <a:schemeClr val="lt1"/>
+          </a:fontRef>
+        </p:style>
+        <p:txBody>
+          <a:bodyPr rtlCol="0" anchor="ctr"/>
+          <a:lstStyle/>
+          <a:p>
+            <a:pPr algn="ctr"/>
+            <a:endParaRPr lang="en-US"/>
+          </a:p>
+        </p:txBody>
+      </p:sp>
+      <p:sp>
+        <p:nvSpPr>
+          <p:cNvPr id="37" name="Arrow: Right 36">
+            <a:extLst>
+              <a:ext uri="{FF2B5EF4-FFF2-40B4-BE49-F238E27FC236}">
+                <a16:creationId xmlns:a16="http://schemas.microsoft.com/office/drawing/2014/main" id="{B374A655-326B-4DFE-9FDA-D07F6088FF90}"/>
+              </a:ext>
+            </a:extLst>
+          </p:cNvPr>
+          <p:cNvSpPr/>
+          <p:nvPr/>
+        </p:nvSpPr>
+        <p:spPr>
+          <a:xfrm>
+            <a:off x="6249179" y="3147122"/>
+            <a:ext cx="954056" cy="290811"/>
+          </a:xfrm>
+          <a:prstGeom prst="rightArrow">
+            <a:avLst/>
+          </a:prstGeom>
+          <a:solidFill>
+            <a:schemeClr val="bg1">
+              <a:lumMod val="85000"/>
+            </a:schemeClr>
+          </a:solidFill>
+          <a:ln>
+            <a:noFill/>
+          </a:ln>
+        </p:spPr>
+        <p:style>
+          <a:lnRef idx="2">
+            <a:schemeClr val="accent1">
+              <a:shade val="50000"/>
+            </a:schemeClr>
+          </a:lnRef>
+          <a:fillRef idx="1">
+            <a:schemeClr val="accent1"/>
+          </a:fillRef>
+          <a:effectRef idx="0">
+            <a:schemeClr val="accent1"/>
+          </a:effectRef>
+          <a:fontRef idx="minor">
+            <a:schemeClr val="lt1"/>
+          </a:fontRef>
+        </p:style>
+        <p:txBody>
+          <a:bodyPr rtlCol="0" anchor="ctr"/>
+          <a:lstStyle/>
+          <a:p>
+            <a:pPr algn="ctr"/>
+            <a:endParaRPr lang="en-US"/>
+          </a:p>
+        </p:txBody>
+      </p:sp>
+      <p:sp>
+        <p:nvSpPr>
+          <p:cNvPr id="38" name="Arrow: Right 37">
+            <a:extLst>
+              <a:ext uri="{FF2B5EF4-FFF2-40B4-BE49-F238E27FC236}">
+                <a16:creationId xmlns:a16="http://schemas.microsoft.com/office/drawing/2014/main" id="{4793BE82-6139-436E-B0AD-C9B22BEE80AD}"/>
+              </a:ext>
+            </a:extLst>
+          </p:cNvPr>
+          <p:cNvSpPr/>
+          <p:nvPr/>
+        </p:nvSpPr>
+        <p:spPr>
+          <a:xfrm>
+            <a:off x="9233619" y="3222830"/>
+            <a:ext cx="618538" cy="290811"/>
+          </a:xfrm>
+          <a:prstGeom prst="rightArrow">
+            <a:avLst/>
+          </a:prstGeom>
+          <a:solidFill>
+            <a:schemeClr val="bg1">
+              <a:lumMod val="85000"/>
+            </a:schemeClr>
+          </a:solidFill>
+          <a:ln>
+            <a:noFill/>
+          </a:ln>
+        </p:spPr>
+        <p:style>
+          <a:lnRef idx="2">
+            <a:schemeClr val="accent1">
+              <a:shade val="50000"/>
+            </a:schemeClr>
+          </a:lnRef>
+          <a:fillRef idx="1">
+            <a:schemeClr val="accent1"/>
+          </a:fillRef>
+          <a:effectRef idx="0">
+            <a:schemeClr val="accent1"/>
+          </a:effectRef>
+          <a:fontRef idx="minor">
+            <a:schemeClr val="lt1"/>
+          </a:fontRef>
+        </p:style>
+        <p:txBody>
+          <a:bodyPr rtlCol="0" anchor="ctr"/>
+          <a:lstStyle/>
+          <a:p>
+            <a:pPr algn="ctr"/>
+            <a:endParaRPr lang="en-US"/>
+          </a:p>
+        </p:txBody>
+      </p:sp>
+      <p:sp>
+        <p:nvSpPr>
+          <p:cNvPr id="39" name="Arrow: Right 38">
+            <a:extLst>
+              <a:ext uri="{FF2B5EF4-FFF2-40B4-BE49-F238E27FC236}">
+                <a16:creationId xmlns:a16="http://schemas.microsoft.com/office/drawing/2014/main" id="{8E68CCC9-3437-4B80-9577-798C3E466F90}"/>
+              </a:ext>
+            </a:extLst>
+          </p:cNvPr>
+          <p:cNvSpPr/>
+          <p:nvPr/>
+        </p:nvSpPr>
+        <p:spPr>
+          <a:xfrm rot="16200000">
+            <a:off x="10078131" y="2496691"/>
+            <a:ext cx="758916" cy="290811"/>
+          </a:xfrm>
+          <a:prstGeom prst="rightArrow">
+            <a:avLst/>
+          </a:prstGeom>
+          <a:solidFill>
+            <a:schemeClr val="bg1">
+              <a:lumMod val="85000"/>
+            </a:schemeClr>
+          </a:solidFill>
+          <a:ln>
+            <a:noFill/>
+          </a:ln>
+        </p:spPr>
+        <p:style>
+          <a:lnRef idx="2">
+            <a:schemeClr val="accent1">
+              <a:shade val="50000"/>
+            </a:schemeClr>
+          </a:lnRef>
+          <a:fillRef idx="1">
+            <a:schemeClr val="accent1"/>
+          </a:fillRef>
+          <a:effectRef idx="0">
+            <a:schemeClr val="accent1"/>
+          </a:effectRef>
+          <a:fontRef idx="minor">
+            <a:schemeClr val="lt1"/>
+          </a:fontRef>
+        </p:style>
+        <p:txBody>
+          <a:bodyPr rtlCol="0" anchor="ctr"/>
+          <a:lstStyle/>
+          <a:p>
+            <a:pPr algn="ctr"/>
+            <a:endParaRPr lang="en-US"/>
+          </a:p>
+        </p:txBody>
+      </p:sp>
+      <p:sp>
+        <p:nvSpPr>
+          <p:cNvPr id="40" name="Arrow: Right 39">
+            <a:extLst>
+              <a:ext uri="{FF2B5EF4-FFF2-40B4-BE49-F238E27FC236}">
+                <a16:creationId xmlns:a16="http://schemas.microsoft.com/office/drawing/2014/main" id="{90AD8181-224C-4D46-BE17-3C41DE1D654F}"/>
+              </a:ext>
+            </a:extLst>
+          </p:cNvPr>
+          <p:cNvSpPr/>
+          <p:nvPr/>
+        </p:nvSpPr>
+        <p:spPr>
+          <a:xfrm rot="10800000">
+            <a:off x="8814319" y="1897313"/>
+            <a:ext cx="744898" cy="290811"/>
+          </a:xfrm>
+          <a:prstGeom prst="rightArrow">
+            <a:avLst/>
+          </a:prstGeom>
+          <a:solidFill>
+            <a:schemeClr val="bg1">
+              <a:lumMod val="85000"/>
+            </a:schemeClr>
+          </a:solidFill>
+          <a:ln>
+            <a:noFill/>
+          </a:ln>
+        </p:spPr>
+        <p:style>
+          <a:lnRef idx="2">
+            <a:schemeClr val="accent1">
+              <a:shade val="50000"/>
+            </a:schemeClr>
+          </a:lnRef>
+          <a:fillRef idx="1">
+            <a:schemeClr val="accent1"/>
+          </a:fillRef>
+          <a:effectRef idx="0">
+            <a:schemeClr val="accent1"/>
+          </a:effectRef>
+          <a:fontRef idx="minor">
+            <a:schemeClr val="lt1"/>
+          </a:fontRef>
+        </p:style>
+        <p:txBody>
+          <a:bodyPr rtlCol="0" anchor="ctr"/>
+          <a:lstStyle/>
+          <a:p>
+            <a:pPr algn="ctr"/>
+            <a:endParaRPr lang="en-US"/>
+          </a:p>
+        </p:txBody>
+      </p:sp>
+      <p:sp>
+        <p:nvSpPr>
+          <p:cNvPr id="41" name="Arrow: Right 40">
+            <a:extLst>
+              <a:ext uri="{FF2B5EF4-FFF2-40B4-BE49-F238E27FC236}">
+                <a16:creationId xmlns:a16="http://schemas.microsoft.com/office/drawing/2014/main" id="{E95D01DD-CA55-49C4-ADAC-CDD54E1F997B}"/>
+              </a:ext>
+            </a:extLst>
+          </p:cNvPr>
+          <p:cNvSpPr/>
+          <p:nvPr/>
+        </p:nvSpPr>
+        <p:spPr>
+          <a:xfrm rot="5400000">
+            <a:off x="9893195" y="4154086"/>
+            <a:ext cx="1145291" cy="290811"/>
+          </a:xfrm>
+          <a:prstGeom prst="rightArrow">
+            <a:avLst/>
+          </a:prstGeom>
+          <a:solidFill>
+            <a:schemeClr val="bg1">
+              <a:lumMod val="85000"/>
+            </a:schemeClr>
+          </a:solidFill>
+          <a:ln>
+            <a:noFill/>
+          </a:ln>
+        </p:spPr>
+        <p:style>
+          <a:lnRef idx="2">
+            <a:schemeClr val="accent1">
+              <a:shade val="50000"/>
+            </a:schemeClr>
+          </a:lnRef>
+          <a:fillRef idx="1">
+            <a:schemeClr val="accent1"/>
+          </a:fillRef>
+          <a:effectRef idx="0">
+            <a:schemeClr val="accent1"/>
+          </a:effectRef>
+          <a:fontRef idx="minor">
+            <a:schemeClr val="lt1"/>
+          </a:fontRef>
+        </p:style>
+        <p:txBody>
+          <a:bodyPr rtlCol="0" anchor="ctr"/>
+          <a:lstStyle/>
+          <a:p>
+            <a:pPr algn="ctr"/>
+            <a:endParaRPr lang="en-US"/>
+          </a:p>
+        </p:txBody>
+      </p:sp>
+      <p:sp>
+        <p:nvSpPr>
+          <p:cNvPr id="42" name="TextBox 41">
+            <a:extLst>
+              <a:ext uri="{FF2B5EF4-FFF2-40B4-BE49-F238E27FC236}">
+                <a16:creationId xmlns:a16="http://schemas.microsoft.com/office/drawing/2014/main" id="{09F5336E-E1C7-4F9F-81E8-756E581C65F9}"/>
+              </a:ext>
+            </a:extLst>
+          </p:cNvPr>
+          <p:cNvSpPr txBox="1"/>
+          <p:nvPr/>
+        </p:nvSpPr>
+        <p:spPr>
+          <a:xfrm>
+            <a:off x="9983475" y="2794001"/>
+            <a:ext cx="497055" cy="307777"/>
+          </a:xfrm>
+          <a:prstGeom prst="rect">
+            <a:avLst/>
+          </a:prstGeom>
+          <a:noFill/>
+        </p:spPr>
+        <p:txBody>
+          <a:bodyPr wrap="square" rtlCol="0">
+            <a:spAutoFit/>
+          </a:bodyPr>
+          <a:lstStyle/>
+          <a:p>
+            <a:r>
+              <a:rPr lang="en-US" sz="1400" dirty="0"/>
+              <a:t>Yes</a:t>
+            </a:r>
+          </a:p>
+        </p:txBody>
+      </p:sp>
+      <p:sp>
+        <p:nvSpPr>
+          <p:cNvPr id="43" name="TextBox 42">
+            <a:extLst>
+              <a:ext uri="{FF2B5EF4-FFF2-40B4-BE49-F238E27FC236}">
+                <a16:creationId xmlns:a16="http://schemas.microsoft.com/office/drawing/2014/main" id="{D3A42FB8-5E38-46CA-92F5-679614A004D2}"/>
+              </a:ext>
+            </a:extLst>
+          </p:cNvPr>
+          <p:cNvSpPr txBox="1"/>
+          <p:nvPr/>
+        </p:nvSpPr>
+        <p:spPr>
+          <a:xfrm>
+            <a:off x="10050039" y="3639821"/>
+            <a:ext cx="497055" cy="307777"/>
+          </a:xfrm>
+          <a:prstGeom prst="rect">
+            <a:avLst/>
+          </a:prstGeom>
+          <a:noFill/>
+        </p:spPr>
+        <p:txBody>
+          <a:bodyPr wrap="square" rtlCol="0">
+            <a:spAutoFit/>
+          </a:bodyPr>
+          <a:lstStyle/>
+          <a:p>
+            <a:r>
+              <a:rPr lang="en-US" sz="1400" dirty="0"/>
+              <a:t>No</a:t>
+            </a:r>
+          </a:p>
+        </p:txBody>
+      </p:sp>
+      <p:sp>
+        <p:nvSpPr>
+          <p:cNvPr id="44" name="TextBox 43">
+            <a:extLst>
+              <a:ext uri="{FF2B5EF4-FFF2-40B4-BE49-F238E27FC236}">
+                <a16:creationId xmlns:a16="http://schemas.microsoft.com/office/drawing/2014/main" id="{0C491222-77AD-4B43-954A-54C051B2EB36}"/>
+              </a:ext>
+            </a:extLst>
+          </p:cNvPr>
+          <p:cNvSpPr txBox="1"/>
+          <p:nvPr/>
+        </p:nvSpPr>
+        <p:spPr>
+          <a:xfrm>
+            <a:off x="9125918" y="4123293"/>
+            <a:ext cx="1339922" cy="307777"/>
+          </a:xfrm>
+          <a:prstGeom prst="rect">
+            <a:avLst/>
+          </a:prstGeom>
+          <a:noFill/>
+        </p:spPr>
+        <p:txBody>
+          <a:bodyPr wrap="square" rtlCol="0">
+            <a:spAutoFit/>
+          </a:bodyPr>
+          <a:lstStyle/>
+          <a:p>
+            <a:r>
+              <a:rPr lang="en-US" sz="1400" b="1" dirty="0"/>
+              <a:t>Authentication</a:t>
             </a:r>
           </a:p>
         </p:txBody>

--- a/TechPresentation.pptx
+++ b/TechPresentation.pptx
@@ -10,7 +10,6 @@
     <p:sldId id="258" r:id="rId4"/>
     <p:sldId id="259" r:id="rId5"/>
     <p:sldId id="260" r:id="rId6"/>
-    <p:sldId id="261" r:id="rId7"/>
   </p:sldIdLst>
   <p:sldSz cx="12192000" cy="6858000"/>
   <p:notesSz cx="6858000" cy="9144000"/>
@@ -3516,7 +3515,7 @@
           <a:prstGeom prst="rect">
             <a:avLst/>
           </a:prstGeom>
-          <a:ln/>
+          <a:ln w="38100"/>
         </p:spPr>
         <p:style>
           <a:lnRef idx="1">
@@ -3561,6 +3560,7 @@
           <a:prstGeom prst="rect">
             <a:avLst/>
           </a:prstGeom>
+          <a:ln w="38100"/>
         </p:spPr>
         <p:style>
           <a:lnRef idx="1">
@@ -3605,6 +3605,7 @@
           <a:prstGeom prst="rect">
             <a:avLst/>
           </a:prstGeom>
+          <a:ln w="38100"/>
         </p:spPr>
         <p:style>
           <a:lnRef idx="1">
@@ -3871,6 +3872,9 @@
               <a:gd name="adj5" fmla="val 100000"/>
             </a:avLst>
           </a:prstGeom>
+          <a:ln>
+            <a:noFill/>
+          </a:ln>
         </p:spPr>
         <p:style>
           <a:lnRef idx="1">
@@ -3925,6 +3929,9 @@
               <a:gd name="adj5" fmla="val 100000"/>
             </a:avLst>
           </a:prstGeom>
+          <a:ln>
+            <a:noFill/>
+          </a:ln>
         </p:spPr>
         <p:style>
           <a:lnRef idx="1">
@@ -3973,6 +3980,9 @@
           <a:prstGeom prst="leftRightArrow">
             <a:avLst/>
           </a:prstGeom>
+          <a:ln>
+            <a:noFill/>
+          </a:ln>
         </p:spPr>
         <p:style>
           <a:lnRef idx="1">
@@ -7879,6 +7889,60 @@
       </p:grpSpPr>
       <p:sp>
         <p:nvSpPr>
+          <p:cNvPr id="23" name="Arrow: Up-Down 22">
+            <a:extLst>
+              <a:ext uri="{FF2B5EF4-FFF2-40B4-BE49-F238E27FC236}">
+                <a16:creationId xmlns:a16="http://schemas.microsoft.com/office/drawing/2014/main" id="{10D31D99-8CFE-4115-95F3-DC54A3EE1266}"/>
+              </a:ext>
+            </a:extLst>
+          </p:cNvPr>
+          <p:cNvSpPr/>
+          <p:nvPr/>
+        </p:nvSpPr>
+        <p:spPr>
+          <a:xfrm>
+            <a:off x="6793455" y="2304838"/>
+            <a:ext cx="615821" cy="2364200"/>
+          </a:xfrm>
+          <a:prstGeom prst="upDownArrow">
+            <a:avLst/>
+          </a:prstGeom>
+          <a:solidFill>
+            <a:schemeClr val="bg1">
+              <a:lumMod val="85000"/>
+            </a:schemeClr>
+          </a:solidFill>
+          <a:ln>
+            <a:noFill/>
+          </a:ln>
+        </p:spPr>
+        <p:style>
+          <a:lnRef idx="2">
+            <a:schemeClr val="accent1">
+              <a:shade val="50000"/>
+            </a:schemeClr>
+          </a:lnRef>
+          <a:fillRef idx="1">
+            <a:schemeClr val="accent1"/>
+          </a:fillRef>
+          <a:effectRef idx="0">
+            <a:schemeClr val="accent1"/>
+          </a:effectRef>
+          <a:fontRef idx="minor">
+            <a:schemeClr val="lt1"/>
+          </a:fontRef>
+        </p:style>
+        <p:txBody>
+          <a:bodyPr rtlCol="0" anchor="ctr"/>
+          <a:lstStyle/>
+          <a:p>
+            <a:pPr algn="ctr"/>
+            <a:endParaRPr lang="en-US"/>
+          </a:p>
+        </p:txBody>
+      </p:sp>
+      <p:sp>
+        <p:nvSpPr>
           <p:cNvPr id="4" name="TextBox 3">
             <a:extLst>
               <a:ext uri="{FF2B5EF4-FFF2-40B4-BE49-F238E27FC236}">
@@ -7906,8 +7970,1525 @@
           <a:lstStyle/>
           <a:p>
             <a:r>
-              <a:rPr lang="en-US" sz="3200" b="1" dirty="0"/>
-              <a:t>123456</a:t>
+              <a:rPr lang="en-US" altLang="zh-CN" sz="3200" b="1" dirty="0"/>
+              <a:t>Authorization — Update a business</a:t>
+            </a:r>
+            <a:endParaRPr lang="en-US" sz="3200" b="1" dirty="0"/>
+          </a:p>
+        </p:txBody>
+      </p:sp>
+      <p:sp>
+        <p:nvSpPr>
+          <p:cNvPr id="2" name="Rectangle: Rounded Corners 1">
+            <a:extLst>
+              <a:ext uri="{FF2B5EF4-FFF2-40B4-BE49-F238E27FC236}">
+                <a16:creationId xmlns:a16="http://schemas.microsoft.com/office/drawing/2014/main" id="{E370A573-7701-40F3-8F38-FE7BAC14528E}"/>
+              </a:ext>
+            </a:extLst>
+          </p:cNvPr>
+          <p:cNvSpPr/>
+          <p:nvPr/>
+        </p:nvSpPr>
+        <p:spPr>
+          <a:xfrm>
+            <a:off x="9234201" y="2295357"/>
+            <a:ext cx="1632857" cy="815689"/>
+          </a:xfrm>
+          <a:prstGeom prst="roundRect">
+            <a:avLst/>
+          </a:prstGeom>
+          <a:ln w="38100"/>
+        </p:spPr>
+        <p:style>
+          <a:lnRef idx="1">
+            <a:schemeClr val="accent4"/>
+          </a:lnRef>
+          <a:fillRef idx="2">
+            <a:schemeClr val="accent4"/>
+          </a:fillRef>
+          <a:effectRef idx="1">
+            <a:schemeClr val="accent4"/>
+          </a:effectRef>
+          <a:fontRef idx="minor">
+            <a:schemeClr val="dk1"/>
+          </a:fontRef>
+        </p:style>
+        <p:txBody>
+          <a:bodyPr rtlCol="0" anchor="ctr"/>
+          <a:lstStyle/>
+          <a:p>
+            <a:pPr algn="ctr"/>
+            <a:endParaRPr lang="en-US"/>
+          </a:p>
+        </p:txBody>
+      </p:sp>
+      <p:sp>
+        <p:nvSpPr>
+          <p:cNvPr id="5" name="Rectangle: Rounded Corners 4">
+            <a:extLst>
+              <a:ext uri="{FF2B5EF4-FFF2-40B4-BE49-F238E27FC236}">
+                <a16:creationId xmlns:a16="http://schemas.microsoft.com/office/drawing/2014/main" id="{056A5A47-B2C9-41B4-951B-771692BF60F2}"/>
+              </a:ext>
+            </a:extLst>
+          </p:cNvPr>
+          <p:cNvSpPr/>
+          <p:nvPr/>
+        </p:nvSpPr>
+        <p:spPr>
+          <a:xfrm>
+            <a:off x="1558222" y="1474295"/>
+            <a:ext cx="1287623" cy="765054"/>
+          </a:xfrm>
+          <a:prstGeom prst="roundRect">
+            <a:avLst/>
+          </a:prstGeom>
+          <a:ln w="38100"/>
+        </p:spPr>
+        <p:style>
+          <a:lnRef idx="1">
+            <a:schemeClr val="accent4"/>
+          </a:lnRef>
+          <a:fillRef idx="2">
+            <a:schemeClr val="accent4"/>
+          </a:fillRef>
+          <a:effectRef idx="1">
+            <a:schemeClr val="accent4"/>
+          </a:effectRef>
+          <a:fontRef idx="minor">
+            <a:schemeClr val="dk1"/>
+          </a:fontRef>
+        </p:style>
+        <p:txBody>
+          <a:bodyPr rtlCol="0" anchor="ctr"/>
+          <a:lstStyle/>
+          <a:p>
+            <a:pPr algn="ctr"/>
+            <a:endParaRPr lang="en-US"/>
+          </a:p>
+        </p:txBody>
+      </p:sp>
+      <p:sp>
+        <p:nvSpPr>
+          <p:cNvPr id="3" name="TextBox 2">
+            <a:extLst>
+              <a:ext uri="{FF2B5EF4-FFF2-40B4-BE49-F238E27FC236}">
+                <a16:creationId xmlns:a16="http://schemas.microsoft.com/office/drawing/2014/main" id="{9162931E-321E-4A4E-B92B-982C0BDABE8E}"/>
+              </a:ext>
+            </a:extLst>
+          </p:cNvPr>
+          <p:cNvSpPr txBox="1"/>
+          <p:nvPr/>
+        </p:nvSpPr>
+        <p:spPr>
+          <a:xfrm>
+            <a:off x="1558222" y="1564434"/>
+            <a:ext cx="1287623" cy="584775"/>
+          </a:xfrm>
+          <a:prstGeom prst="rect">
+            <a:avLst/>
+          </a:prstGeom>
+          <a:noFill/>
+        </p:spPr>
+        <p:txBody>
+          <a:bodyPr wrap="square" rtlCol="0">
+            <a:spAutoFit/>
+          </a:bodyPr>
+          <a:lstStyle/>
+          <a:p>
+            <a:pPr algn="ctr"/>
+            <a:r>
+              <a:rPr lang="en-US" altLang="zh-CN" sz="1600" dirty="0"/>
+              <a:t>Business </a:t>
+            </a:r>
+          </a:p>
+          <a:p>
+            <a:pPr algn="ctr"/>
+            <a:r>
+              <a:rPr lang="en-US" altLang="zh-CN" sz="1600" dirty="0"/>
+              <a:t>Update Form</a:t>
+            </a:r>
+            <a:endParaRPr lang="en-US" sz="1600" dirty="0"/>
+          </a:p>
+        </p:txBody>
+      </p:sp>
+      <p:sp>
+        <p:nvSpPr>
+          <p:cNvPr id="6" name="Rectangle: Rounded Corners 5">
+            <a:extLst>
+              <a:ext uri="{FF2B5EF4-FFF2-40B4-BE49-F238E27FC236}">
+                <a16:creationId xmlns:a16="http://schemas.microsoft.com/office/drawing/2014/main" id="{BEB6B956-6202-4B9A-9445-8EE19ED2BABC}"/>
+              </a:ext>
+            </a:extLst>
+          </p:cNvPr>
+          <p:cNvSpPr/>
+          <p:nvPr/>
+        </p:nvSpPr>
+        <p:spPr>
+          <a:xfrm>
+            <a:off x="1164777" y="3186452"/>
+            <a:ext cx="2076062" cy="681107"/>
+          </a:xfrm>
+          <a:prstGeom prst="roundRect">
+            <a:avLst/>
+          </a:prstGeom>
+          <a:ln w="38100"/>
+        </p:spPr>
+        <p:style>
+          <a:lnRef idx="1">
+            <a:schemeClr val="accent2"/>
+          </a:lnRef>
+          <a:fillRef idx="2">
+            <a:schemeClr val="accent2"/>
+          </a:fillRef>
+          <a:effectRef idx="1">
+            <a:schemeClr val="accent2"/>
+          </a:effectRef>
+          <a:fontRef idx="minor">
+            <a:schemeClr val="dk1"/>
+          </a:fontRef>
+        </p:style>
+        <p:txBody>
+          <a:bodyPr rtlCol="0" anchor="ctr"/>
+          <a:lstStyle/>
+          <a:p>
+            <a:pPr algn="ctr"/>
+            <a:endParaRPr lang="en-US"/>
+          </a:p>
+        </p:txBody>
+      </p:sp>
+      <p:sp>
+        <p:nvSpPr>
+          <p:cNvPr id="7" name="TextBox 6">
+            <a:extLst>
+              <a:ext uri="{FF2B5EF4-FFF2-40B4-BE49-F238E27FC236}">
+                <a16:creationId xmlns:a16="http://schemas.microsoft.com/office/drawing/2014/main" id="{CAA4BDC0-E5A6-495D-94DB-53274095C3CA}"/>
+              </a:ext>
+            </a:extLst>
+          </p:cNvPr>
+          <p:cNvSpPr txBox="1"/>
+          <p:nvPr/>
+        </p:nvSpPr>
+        <p:spPr>
+          <a:xfrm>
+            <a:off x="1129009" y="3250006"/>
+            <a:ext cx="2147597" cy="553998"/>
+          </a:xfrm>
+          <a:prstGeom prst="rect">
+            <a:avLst/>
+          </a:prstGeom>
+          <a:noFill/>
+        </p:spPr>
+        <p:txBody>
+          <a:bodyPr wrap="square" rtlCol="0">
+            <a:spAutoFit/>
+          </a:bodyPr>
+          <a:lstStyle/>
+          <a:p>
+            <a:pPr algn="ctr"/>
+            <a:r>
+              <a:rPr lang="en-US" sz="1600" dirty="0" err="1"/>
+              <a:t>OncePerRequestFilter</a:t>
+            </a:r>
+            <a:endParaRPr lang="en-US" sz="1600" dirty="0"/>
+          </a:p>
+          <a:p>
+            <a:pPr algn="ctr"/>
+            <a:r>
+              <a:rPr lang="en-US" sz="1400" dirty="0"/>
+              <a:t>Extracts and validates JWT </a:t>
+            </a:r>
+            <a:endParaRPr lang="en-US" sz="1200" dirty="0"/>
+          </a:p>
+        </p:txBody>
+      </p:sp>
+      <p:sp>
+        <p:nvSpPr>
+          <p:cNvPr id="8" name="Rectangle: Rounded Corners 7">
+            <a:extLst>
+              <a:ext uri="{FF2B5EF4-FFF2-40B4-BE49-F238E27FC236}">
+                <a16:creationId xmlns:a16="http://schemas.microsoft.com/office/drawing/2014/main" id="{90134E7A-6845-4522-B228-5610F95AF359}"/>
+              </a:ext>
+            </a:extLst>
+          </p:cNvPr>
+          <p:cNvSpPr/>
+          <p:nvPr/>
+        </p:nvSpPr>
+        <p:spPr>
+          <a:xfrm>
+            <a:off x="1164777" y="4951483"/>
+            <a:ext cx="2076061" cy="681107"/>
+          </a:xfrm>
+          <a:prstGeom prst="roundRect">
+            <a:avLst/>
+          </a:prstGeom>
+          <a:solidFill>
+            <a:schemeClr val="bg1">
+              <a:lumMod val="85000"/>
+            </a:schemeClr>
+          </a:solidFill>
+          <a:ln>
+            <a:noFill/>
+          </a:ln>
+        </p:spPr>
+        <p:style>
+          <a:lnRef idx="2">
+            <a:schemeClr val="accent1">
+              <a:shade val="50000"/>
+            </a:schemeClr>
+          </a:lnRef>
+          <a:fillRef idx="1">
+            <a:schemeClr val="accent1"/>
+          </a:fillRef>
+          <a:effectRef idx="0">
+            <a:schemeClr val="accent1"/>
+          </a:effectRef>
+          <a:fontRef idx="minor">
+            <a:schemeClr val="lt1"/>
+          </a:fontRef>
+        </p:style>
+        <p:txBody>
+          <a:bodyPr rtlCol="0" anchor="ctr"/>
+          <a:lstStyle/>
+          <a:p>
+            <a:pPr algn="ctr"/>
+            <a:endParaRPr lang="en-US"/>
+          </a:p>
+        </p:txBody>
+      </p:sp>
+      <p:sp>
+        <p:nvSpPr>
+          <p:cNvPr id="9" name="TextBox 8">
+            <a:extLst>
+              <a:ext uri="{FF2B5EF4-FFF2-40B4-BE49-F238E27FC236}">
+                <a16:creationId xmlns:a16="http://schemas.microsoft.com/office/drawing/2014/main" id="{47C06198-3869-44DA-952E-13C2B2E717C3}"/>
+              </a:ext>
+            </a:extLst>
+          </p:cNvPr>
+          <p:cNvSpPr txBox="1"/>
+          <p:nvPr/>
+        </p:nvSpPr>
+        <p:spPr>
+          <a:xfrm>
+            <a:off x="1129009" y="4994290"/>
+            <a:ext cx="2111829" cy="523220"/>
+          </a:xfrm>
+          <a:prstGeom prst="rect">
+            <a:avLst/>
+          </a:prstGeom>
+          <a:noFill/>
+        </p:spPr>
+        <p:txBody>
+          <a:bodyPr wrap="square" rtlCol="0">
+            <a:spAutoFit/>
+          </a:bodyPr>
+          <a:lstStyle/>
+          <a:p>
+            <a:r>
+              <a:rPr lang="en-US" sz="1400" dirty="0"/>
+              <a:t>- Post Prompts/Exceptions</a:t>
+            </a:r>
+          </a:p>
+          <a:p>
+            <a:r>
+              <a:rPr lang="en-US" sz="1400" dirty="0"/>
+              <a:t>- Re-direct to log in page</a:t>
+            </a:r>
+          </a:p>
+        </p:txBody>
+      </p:sp>
+      <p:sp>
+        <p:nvSpPr>
+          <p:cNvPr id="10" name="TextBox 9">
+            <a:extLst>
+              <a:ext uri="{FF2B5EF4-FFF2-40B4-BE49-F238E27FC236}">
+                <a16:creationId xmlns:a16="http://schemas.microsoft.com/office/drawing/2014/main" id="{91981E7A-B246-49FD-ABBB-B6CD149781A9}"/>
+              </a:ext>
+            </a:extLst>
+          </p:cNvPr>
+          <p:cNvSpPr txBox="1"/>
+          <p:nvPr/>
+        </p:nvSpPr>
+        <p:spPr>
+          <a:xfrm>
+            <a:off x="2219908" y="2425401"/>
+            <a:ext cx="1046592" cy="523220"/>
+          </a:xfrm>
+          <a:prstGeom prst="rect">
+            <a:avLst/>
+          </a:prstGeom>
+          <a:noFill/>
+        </p:spPr>
+        <p:txBody>
+          <a:bodyPr wrap="square" rtlCol="0">
+            <a:spAutoFit/>
+          </a:bodyPr>
+          <a:lstStyle/>
+          <a:p>
+            <a:pPr algn="ctr"/>
+            <a:r>
+              <a:rPr lang="en-US" sz="1400" dirty="0" err="1"/>
+              <a:t>HttpServlet</a:t>
+            </a:r>
+            <a:endParaRPr lang="en-US" sz="1400" dirty="0"/>
+          </a:p>
+          <a:p>
+            <a:pPr algn="ctr"/>
+            <a:r>
+              <a:rPr lang="en-US" sz="1400" dirty="0"/>
+              <a:t>Request</a:t>
+            </a:r>
+          </a:p>
+        </p:txBody>
+      </p:sp>
+      <p:sp>
+        <p:nvSpPr>
+          <p:cNvPr id="11" name="TextBox 10">
+            <a:extLst>
+              <a:ext uri="{FF2B5EF4-FFF2-40B4-BE49-F238E27FC236}">
+                <a16:creationId xmlns:a16="http://schemas.microsoft.com/office/drawing/2014/main" id="{7B602C5B-CB6B-4DEC-A505-1D541BDEFC48}"/>
+              </a:ext>
+            </a:extLst>
+          </p:cNvPr>
+          <p:cNvSpPr txBox="1"/>
+          <p:nvPr/>
+        </p:nvSpPr>
+        <p:spPr>
+          <a:xfrm>
+            <a:off x="3321701" y="2989759"/>
+            <a:ext cx="1046592" cy="523220"/>
+          </a:xfrm>
+          <a:prstGeom prst="rect">
+            <a:avLst/>
+          </a:prstGeom>
+          <a:noFill/>
+        </p:spPr>
+        <p:txBody>
+          <a:bodyPr wrap="square" rtlCol="0">
+            <a:spAutoFit/>
+          </a:bodyPr>
+          <a:lstStyle/>
+          <a:p>
+            <a:pPr algn="ctr"/>
+            <a:r>
+              <a:rPr lang="en-US" sz="1400" dirty="0" err="1"/>
+              <a:t>HttpServlet</a:t>
+            </a:r>
+            <a:endParaRPr lang="en-US" sz="1400" dirty="0"/>
+          </a:p>
+          <a:p>
+            <a:pPr algn="ctr"/>
+            <a:r>
+              <a:rPr lang="en-US" sz="1400" dirty="0"/>
+              <a:t>Request</a:t>
+            </a:r>
+          </a:p>
+        </p:txBody>
+      </p:sp>
+      <p:sp>
+        <p:nvSpPr>
+          <p:cNvPr id="12" name="Rectangle: Rounded Corners 11">
+            <a:extLst>
+              <a:ext uri="{FF2B5EF4-FFF2-40B4-BE49-F238E27FC236}">
+                <a16:creationId xmlns:a16="http://schemas.microsoft.com/office/drawing/2014/main" id="{DFDCD587-E8FA-4652-BDA2-E7A6AF48ADDC}"/>
+              </a:ext>
+            </a:extLst>
+          </p:cNvPr>
+          <p:cNvSpPr/>
+          <p:nvPr/>
+        </p:nvSpPr>
+        <p:spPr>
+          <a:xfrm>
+            <a:off x="4383833" y="3032482"/>
+            <a:ext cx="1284501" cy="989045"/>
+          </a:xfrm>
+          <a:prstGeom prst="roundRect">
+            <a:avLst/>
+          </a:prstGeom>
+          <a:ln w="38100"/>
+        </p:spPr>
+        <p:style>
+          <a:lnRef idx="1">
+            <a:schemeClr val="accent5"/>
+          </a:lnRef>
+          <a:fillRef idx="2">
+            <a:schemeClr val="accent5"/>
+          </a:fillRef>
+          <a:effectRef idx="1">
+            <a:schemeClr val="accent5"/>
+          </a:effectRef>
+          <a:fontRef idx="minor">
+            <a:schemeClr val="dk1"/>
+          </a:fontRef>
+        </p:style>
+        <p:txBody>
+          <a:bodyPr rtlCol="0" anchor="ctr"/>
+          <a:lstStyle/>
+          <a:p>
+            <a:pPr algn="ctr"/>
+            <a:endParaRPr lang="en-US"/>
+          </a:p>
+        </p:txBody>
+      </p:sp>
+      <p:sp>
+        <p:nvSpPr>
+          <p:cNvPr id="13" name="TextBox 12">
+            <a:extLst>
+              <a:ext uri="{FF2B5EF4-FFF2-40B4-BE49-F238E27FC236}">
+                <a16:creationId xmlns:a16="http://schemas.microsoft.com/office/drawing/2014/main" id="{D11004B2-2177-4D21-90C4-16829247DC5B}"/>
+              </a:ext>
+            </a:extLst>
+          </p:cNvPr>
+          <p:cNvSpPr txBox="1"/>
+          <p:nvPr/>
+        </p:nvSpPr>
+        <p:spPr>
+          <a:xfrm>
+            <a:off x="4419600" y="3098118"/>
+            <a:ext cx="1248734" cy="769441"/>
+          </a:xfrm>
+          <a:prstGeom prst="rect">
+            <a:avLst/>
+          </a:prstGeom>
+          <a:noFill/>
+        </p:spPr>
+        <p:txBody>
+          <a:bodyPr wrap="square" rtlCol="0">
+            <a:spAutoFit/>
+          </a:bodyPr>
+          <a:lstStyle/>
+          <a:p>
+            <a:r>
+              <a:rPr lang="en-US" sz="1600" dirty="0"/>
+              <a:t>Extracts: </a:t>
+            </a:r>
+          </a:p>
+          <a:p>
+            <a:r>
+              <a:rPr lang="en-US" sz="1400" dirty="0"/>
+              <a:t>- request body</a:t>
+            </a:r>
+          </a:p>
+          <a:p>
+            <a:r>
+              <a:rPr lang="en-US" sz="1400" dirty="0"/>
+              <a:t>- principal</a:t>
+            </a:r>
+          </a:p>
+        </p:txBody>
+      </p:sp>
+      <p:sp>
+        <p:nvSpPr>
+          <p:cNvPr id="14" name="Rectangle: Rounded Corners 13">
+            <a:extLst>
+              <a:ext uri="{FF2B5EF4-FFF2-40B4-BE49-F238E27FC236}">
+                <a16:creationId xmlns:a16="http://schemas.microsoft.com/office/drawing/2014/main" id="{FB151F89-8A65-4CC5-9FAE-828181062FCA}"/>
+              </a:ext>
+            </a:extLst>
+          </p:cNvPr>
+          <p:cNvSpPr/>
+          <p:nvPr/>
+        </p:nvSpPr>
+        <p:spPr>
+          <a:xfrm>
+            <a:off x="6279507" y="1287650"/>
+            <a:ext cx="1632857" cy="989045"/>
+          </a:xfrm>
+          <a:prstGeom prst="roundRect">
+            <a:avLst/>
+          </a:prstGeom>
+          <a:ln w="38100"/>
+        </p:spPr>
+        <p:style>
+          <a:lnRef idx="1">
+            <a:schemeClr val="accent6"/>
+          </a:lnRef>
+          <a:fillRef idx="2">
+            <a:schemeClr val="accent6"/>
+          </a:fillRef>
+          <a:effectRef idx="1">
+            <a:schemeClr val="accent6"/>
+          </a:effectRef>
+          <a:fontRef idx="minor">
+            <a:schemeClr val="dk1"/>
+          </a:fontRef>
+        </p:style>
+        <p:txBody>
+          <a:bodyPr rtlCol="0" anchor="ctr"/>
+          <a:lstStyle/>
+          <a:p>
+            <a:pPr algn="ctr"/>
+            <a:endParaRPr lang="en-US"/>
+          </a:p>
+        </p:txBody>
+      </p:sp>
+      <p:sp>
+        <p:nvSpPr>
+          <p:cNvPr id="15" name="TextBox 14">
+            <a:extLst>
+              <a:ext uri="{FF2B5EF4-FFF2-40B4-BE49-F238E27FC236}">
+                <a16:creationId xmlns:a16="http://schemas.microsoft.com/office/drawing/2014/main" id="{4427F8F2-1FCB-4EF1-B5E0-8E7862B6A0CE}"/>
+              </a:ext>
+            </a:extLst>
+          </p:cNvPr>
+          <p:cNvSpPr txBox="1"/>
+          <p:nvPr/>
+        </p:nvSpPr>
+        <p:spPr>
+          <a:xfrm>
+            <a:off x="6408194" y="1397451"/>
+            <a:ext cx="1375481" cy="769441"/>
+          </a:xfrm>
+          <a:prstGeom prst="rect">
+            <a:avLst/>
+          </a:prstGeom>
+          <a:noFill/>
+        </p:spPr>
+        <p:txBody>
+          <a:bodyPr wrap="square" rtlCol="0">
+            <a:spAutoFit/>
+          </a:bodyPr>
+          <a:lstStyle/>
+          <a:p>
+            <a:r>
+              <a:rPr lang="en-US" sz="1600" dirty="0"/>
+              <a:t>Request Body: </a:t>
+            </a:r>
+          </a:p>
+          <a:p>
+            <a:r>
+              <a:rPr lang="en-US" sz="1400" dirty="0"/>
+              <a:t>To-be-updated business</a:t>
+            </a:r>
+          </a:p>
+        </p:txBody>
+      </p:sp>
+      <p:sp>
+        <p:nvSpPr>
+          <p:cNvPr id="16" name="Rectangle: Rounded Corners 15">
+            <a:extLst>
+              <a:ext uri="{FF2B5EF4-FFF2-40B4-BE49-F238E27FC236}">
+                <a16:creationId xmlns:a16="http://schemas.microsoft.com/office/drawing/2014/main" id="{C54F1B8F-A94B-49FD-B97C-2EC02E099D27}"/>
+              </a:ext>
+            </a:extLst>
+          </p:cNvPr>
+          <p:cNvSpPr/>
+          <p:nvPr/>
+        </p:nvSpPr>
+        <p:spPr>
+          <a:xfrm>
+            <a:off x="6279507" y="4706363"/>
+            <a:ext cx="1632857" cy="989045"/>
+          </a:xfrm>
+          <a:prstGeom prst="roundRect">
+            <a:avLst/>
+          </a:prstGeom>
+          <a:ln w="38100"/>
+        </p:spPr>
+        <p:style>
+          <a:lnRef idx="1">
+            <a:schemeClr val="accent6"/>
+          </a:lnRef>
+          <a:fillRef idx="2">
+            <a:schemeClr val="accent6"/>
+          </a:fillRef>
+          <a:effectRef idx="1">
+            <a:schemeClr val="accent6"/>
+          </a:effectRef>
+          <a:fontRef idx="minor">
+            <a:schemeClr val="dk1"/>
+          </a:fontRef>
+        </p:style>
+        <p:txBody>
+          <a:bodyPr rtlCol="0" anchor="ctr"/>
+          <a:lstStyle/>
+          <a:p>
+            <a:pPr algn="ctr"/>
+            <a:endParaRPr lang="en-US"/>
+          </a:p>
+        </p:txBody>
+      </p:sp>
+      <p:sp>
+        <p:nvSpPr>
+          <p:cNvPr id="17" name="TextBox 16">
+            <a:extLst>
+              <a:ext uri="{FF2B5EF4-FFF2-40B4-BE49-F238E27FC236}">
+                <a16:creationId xmlns:a16="http://schemas.microsoft.com/office/drawing/2014/main" id="{A62113CE-8B76-48F7-9050-2122FE3E817F}"/>
+              </a:ext>
+            </a:extLst>
+          </p:cNvPr>
+          <p:cNvSpPr txBox="1"/>
+          <p:nvPr/>
+        </p:nvSpPr>
+        <p:spPr>
+          <a:xfrm>
+            <a:off x="6536883" y="4923886"/>
+            <a:ext cx="1375481" cy="553998"/>
+          </a:xfrm>
+          <a:prstGeom prst="rect">
+            <a:avLst/>
+          </a:prstGeom>
+          <a:noFill/>
+        </p:spPr>
+        <p:txBody>
+          <a:bodyPr wrap="square" rtlCol="0">
+            <a:spAutoFit/>
+          </a:bodyPr>
+          <a:lstStyle/>
+          <a:p>
+            <a:r>
+              <a:rPr lang="en-US" sz="1600" dirty="0"/>
+              <a:t>Principal: </a:t>
+            </a:r>
+          </a:p>
+          <a:p>
+            <a:r>
+              <a:rPr lang="en-US" sz="1400" dirty="0"/>
+              <a:t>Current User</a:t>
+            </a:r>
+          </a:p>
+        </p:txBody>
+      </p:sp>
+      <p:sp>
+        <p:nvSpPr>
+          <p:cNvPr id="18" name="Rectangle: Rounded Corners 17">
+            <a:extLst>
+              <a:ext uri="{FF2B5EF4-FFF2-40B4-BE49-F238E27FC236}">
+                <a16:creationId xmlns:a16="http://schemas.microsoft.com/office/drawing/2014/main" id="{C3F3559F-5E7B-4154-8787-CFBC469EC9BC}"/>
+              </a:ext>
+            </a:extLst>
+          </p:cNvPr>
+          <p:cNvSpPr/>
+          <p:nvPr/>
+        </p:nvSpPr>
+        <p:spPr>
+          <a:xfrm>
+            <a:off x="6289610" y="3172426"/>
+            <a:ext cx="1588538" cy="681107"/>
+          </a:xfrm>
+          <a:prstGeom prst="roundRect">
+            <a:avLst/>
+          </a:prstGeom>
+          <a:solidFill>
+            <a:schemeClr val="bg1">
+              <a:lumMod val="85000"/>
+            </a:schemeClr>
+          </a:solidFill>
+          <a:ln>
+            <a:noFill/>
+          </a:ln>
+        </p:spPr>
+        <p:style>
+          <a:lnRef idx="2">
+            <a:schemeClr val="accent1">
+              <a:shade val="50000"/>
+            </a:schemeClr>
+          </a:lnRef>
+          <a:fillRef idx="1">
+            <a:schemeClr val="accent1"/>
+          </a:fillRef>
+          <a:effectRef idx="0">
+            <a:schemeClr val="accent1"/>
+          </a:effectRef>
+          <a:fontRef idx="minor">
+            <a:schemeClr val="lt1"/>
+          </a:fontRef>
+        </p:style>
+        <p:txBody>
+          <a:bodyPr rtlCol="0" anchor="ctr"/>
+          <a:lstStyle/>
+          <a:p>
+            <a:pPr algn="ctr"/>
+            <a:endParaRPr lang="en-US"/>
+          </a:p>
+        </p:txBody>
+      </p:sp>
+      <p:sp>
+        <p:nvSpPr>
+          <p:cNvPr id="19" name="TextBox 18">
+            <a:extLst>
+              <a:ext uri="{FF2B5EF4-FFF2-40B4-BE49-F238E27FC236}">
+                <a16:creationId xmlns:a16="http://schemas.microsoft.com/office/drawing/2014/main" id="{8683C10A-A606-4E06-8168-C498A0BE69D1}"/>
+              </a:ext>
+            </a:extLst>
+          </p:cNvPr>
+          <p:cNvSpPr txBox="1"/>
+          <p:nvPr/>
+        </p:nvSpPr>
+        <p:spPr>
+          <a:xfrm>
+            <a:off x="6384082" y="3220591"/>
+            <a:ext cx="1399593" cy="584775"/>
+          </a:xfrm>
+          <a:prstGeom prst="rect">
+            <a:avLst/>
+          </a:prstGeom>
+          <a:noFill/>
+        </p:spPr>
+        <p:txBody>
+          <a:bodyPr wrap="square" rtlCol="0">
+            <a:spAutoFit/>
+          </a:bodyPr>
+          <a:lstStyle/>
+          <a:p>
+            <a:pPr algn="ctr"/>
+            <a:r>
+              <a:rPr lang="en-US" sz="1600" dirty="0"/>
+              <a:t>Do Owner and User match?</a:t>
+            </a:r>
+          </a:p>
+        </p:txBody>
+      </p:sp>
+      <p:sp>
+        <p:nvSpPr>
+          <p:cNvPr id="20" name="Rectangle: Rounded Corners 19">
+            <a:extLst>
+              <a:ext uri="{FF2B5EF4-FFF2-40B4-BE49-F238E27FC236}">
+                <a16:creationId xmlns:a16="http://schemas.microsoft.com/office/drawing/2014/main" id="{6B8BB4F7-8AAA-41AA-854D-B809F8034ADC}"/>
+              </a:ext>
+            </a:extLst>
+          </p:cNvPr>
+          <p:cNvSpPr/>
+          <p:nvPr/>
+        </p:nvSpPr>
+        <p:spPr>
+          <a:xfrm>
+            <a:off x="8746672" y="4836403"/>
+            <a:ext cx="1588538" cy="681107"/>
+          </a:xfrm>
+          <a:prstGeom prst="roundRect">
+            <a:avLst/>
+          </a:prstGeom>
+          <a:solidFill>
+            <a:schemeClr val="bg1">
+              <a:lumMod val="85000"/>
+            </a:schemeClr>
+          </a:solidFill>
+          <a:ln>
+            <a:noFill/>
+          </a:ln>
+        </p:spPr>
+        <p:style>
+          <a:lnRef idx="2">
+            <a:schemeClr val="accent1">
+              <a:shade val="50000"/>
+            </a:schemeClr>
+          </a:lnRef>
+          <a:fillRef idx="1">
+            <a:schemeClr val="accent1"/>
+          </a:fillRef>
+          <a:effectRef idx="0">
+            <a:schemeClr val="accent1"/>
+          </a:effectRef>
+          <a:fontRef idx="minor">
+            <a:schemeClr val="lt1"/>
+          </a:fontRef>
+        </p:style>
+        <p:txBody>
+          <a:bodyPr rtlCol="0" anchor="ctr"/>
+          <a:lstStyle/>
+          <a:p>
+            <a:pPr algn="ctr"/>
+            <a:endParaRPr lang="en-US"/>
+          </a:p>
+        </p:txBody>
+      </p:sp>
+      <p:sp>
+        <p:nvSpPr>
+          <p:cNvPr id="21" name="TextBox 20">
+            <a:extLst>
+              <a:ext uri="{FF2B5EF4-FFF2-40B4-BE49-F238E27FC236}">
+                <a16:creationId xmlns:a16="http://schemas.microsoft.com/office/drawing/2014/main" id="{4A715CCF-BE6C-472C-9182-B88BA2EBC9B1}"/>
+              </a:ext>
+            </a:extLst>
+          </p:cNvPr>
+          <p:cNvSpPr txBox="1"/>
+          <p:nvPr/>
+        </p:nvSpPr>
+        <p:spPr>
+          <a:xfrm>
+            <a:off x="8813153" y="4915346"/>
+            <a:ext cx="1455576" cy="523220"/>
+          </a:xfrm>
+          <a:prstGeom prst="rect">
+            <a:avLst/>
+          </a:prstGeom>
+          <a:noFill/>
+        </p:spPr>
+        <p:txBody>
+          <a:bodyPr wrap="square" rtlCol="0">
+            <a:spAutoFit/>
+          </a:bodyPr>
+          <a:lstStyle/>
+          <a:p>
+            <a:r>
+              <a:rPr lang="en-US" sz="1400" dirty="0"/>
+              <a:t>- Refuse request</a:t>
+            </a:r>
+          </a:p>
+          <a:p>
+            <a:r>
+              <a:rPr lang="en-US" sz="1400" dirty="0"/>
+              <a:t>- Post exceptions</a:t>
+            </a:r>
+          </a:p>
+        </p:txBody>
+      </p:sp>
+      <p:sp>
+        <p:nvSpPr>
+          <p:cNvPr id="22" name="TextBox 21">
+            <a:extLst>
+              <a:ext uri="{FF2B5EF4-FFF2-40B4-BE49-F238E27FC236}">
+                <a16:creationId xmlns:a16="http://schemas.microsoft.com/office/drawing/2014/main" id="{5102E776-DA43-4A2B-A989-864F0D21E6B5}"/>
+              </a:ext>
+            </a:extLst>
+          </p:cNvPr>
+          <p:cNvSpPr txBox="1"/>
+          <p:nvPr/>
+        </p:nvSpPr>
+        <p:spPr>
+          <a:xfrm>
+            <a:off x="9318176" y="2363844"/>
+            <a:ext cx="1464906" cy="584775"/>
+          </a:xfrm>
+          <a:prstGeom prst="rect">
+            <a:avLst/>
+          </a:prstGeom>
+          <a:noFill/>
+        </p:spPr>
+        <p:txBody>
+          <a:bodyPr wrap="square" rtlCol="0">
+            <a:spAutoFit/>
+          </a:bodyPr>
+          <a:lstStyle/>
+          <a:p>
+            <a:pPr algn="ctr"/>
+            <a:r>
+              <a:rPr lang="en-US" sz="1600" dirty="0"/>
+              <a:t>Rest of the normal works…</a:t>
+            </a:r>
+          </a:p>
+        </p:txBody>
+      </p:sp>
+      <p:sp>
+        <p:nvSpPr>
+          <p:cNvPr id="24" name="Arrow: Right 23">
+            <a:extLst>
+              <a:ext uri="{FF2B5EF4-FFF2-40B4-BE49-F238E27FC236}">
+                <a16:creationId xmlns:a16="http://schemas.microsoft.com/office/drawing/2014/main" id="{66BB32FD-9CD9-40E0-8D4D-307DE9C2E725}"/>
+              </a:ext>
+            </a:extLst>
+          </p:cNvPr>
+          <p:cNvSpPr/>
+          <p:nvPr/>
+        </p:nvSpPr>
+        <p:spPr>
+          <a:xfrm rot="5400000">
+            <a:off x="1738665" y="2580765"/>
+            <a:ext cx="892514" cy="290811"/>
+          </a:xfrm>
+          <a:prstGeom prst="rightArrow">
+            <a:avLst/>
+          </a:prstGeom>
+          <a:solidFill>
+            <a:schemeClr val="bg1">
+              <a:lumMod val="85000"/>
+            </a:schemeClr>
+          </a:solidFill>
+          <a:ln>
+            <a:noFill/>
+          </a:ln>
+        </p:spPr>
+        <p:style>
+          <a:lnRef idx="2">
+            <a:schemeClr val="accent1">
+              <a:shade val="50000"/>
+            </a:schemeClr>
+          </a:lnRef>
+          <a:fillRef idx="1">
+            <a:schemeClr val="accent1"/>
+          </a:fillRef>
+          <a:effectRef idx="0">
+            <a:schemeClr val="accent1"/>
+          </a:effectRef>
+          <a:fontRef idx="minor">
+            <a:schemeClr val="lt1"/>
+          </a:fontRef>
+        </p:style>
+        <p:txBody>
+          <a:bodyPr rtlCol="0" anchor="ctr"/>
+          <a:lstStyle/>
+          <a:p>
+            <a:pPr algn="ctr"/>
+            <a:endParaRPr lang="en-US"/>
+          </a:p>
+        </p:txBody>
+      </p:sp>
+      <p:sp>
+        <p:nvSpPr>
+          <p:cNvPr id="25" name="Arrow: Right 24">
+            <a:extLst>
+              <a:ext uri="{FF2B5EF4-FFF2-40B4-BE49-F238E27FC236}">
+                <a16:creationId xmlns:a16="http://schemas.microsoft.com/office/drawing/2014/main" id="{690EFBE7-4D87-43C4-8326-33407FEC8F37}"/>
+              </a:ext>
+            </a:extLst>
+          </p:cNvPr>
+          <p:cNvSpPr/>
+          <p:nvPr/>
+        </p:nvSpPr>
+        <p:spPr>
+          <a:xfrm rot="5400000">
+            <a:off x="1641480" y="4291410"/>
+            <a:ext cx="1029335" cy="290811"/>
+          </a:xfrm>
+          <a:prstGeom prst="rightArrow">
+            <a:avLst/>
+          </a:prstGeom>
+          <a:solidFill>
+            <a:schemeClr val="bg1">
+              <a:lumMod val="85000"/>
+            </a:schemeClr>
+          </a:solidFill>
+          <a:ln>
+            <a:noFill/>
+          </a:ln>
+        </p:spPr>
+        <p:style>
+          <a:lnRef idx="2">
+            <a:schemeClr val="accent1">
+              <a:shade val="50000"/>
+            </a:schemeClr>
+          </a:lnRef>
+          <a:fillRef idx="1">
+            <a:schemeClr val="accent1"/>
+          </a:fillRef>
+          <a:effectRef idx="0">
+            <a:schemeClr val="accent1"/>
+          </a:effectRef>
+          <a:fontRef idx="minor">
+            <a:schemeClr val="lt1"/>
+          </a:fontRef>
+        </p:style>
+        <p:txBody>
+          <a:bodyPr rtlCol="0" anchor="ctr"/>
+          <a:lstStyle/>
+          <a:p>
+            <a:pPr algn="ctr"/>
+            <a:endParaRPr lang="en-US"/>
+          </a:p>
+        </p:txBody>
+      </p:sp>
+      <p:sp>
+        <p:nvSpPr>
+          <p:cNvPr id="26" name="Arrow: Right 25">
+            <a:extLst>
+              <a:ext uri="{FF2B5EF4-FFF2-40B4-BE49-F238E27FC236}">
+                <a16:creationId xmlns:a16="http://schemas.microsoft.com/office/drawing/2014/main" id="{6ADC0A8B-A9A8-4780-9903-027EB23FD84B}"/>
+              </a:ext>
+            </a:extLst>
+          </p:cNvPr>
+          <p:cNvSpPr/>
+          <p:nvPr/>
+        </p:nvSpPr>
+        <p:spPr>
+          <a:xfrm>
+            <a:off x="3307724" y="3395566"/>
+            <a:ext cx="1058236" cy="290811"/>
+          </a:xfrm>
+          <a:prstGeom prst="rightArrow">
+            <a:avLst/>
+          </a:prstGeom>
+          <a:solidFill>
+            <a:schemeClr val="bg1">
+              <a:lumMod val="85000"/>
+            </a:schemeClr>
+          </a:solidFill>
+          <a:ln>
+            <a:noFill/>
+          </a:ln>
+        </p:spPr>
+        <p:style>
+          <a:lnRef idx="2">
+            <a:schemeClr val="accent1">
+              <a:shade val="50000"/>
+            </a:schemeClr>
+          </a:lnRef>
+          <a:fillRef idx="1">
+            <a:schemeClr val="accent1"/>
+          </a:fillRef>
+          <a:effectRef idx="0">
+            <a:schemeClr val="accent1"/>
+          </a:effectRef>
+          <a:fontRef idx="minor">
+            <a:schemeClr val="lt1"/>
+          </a:fontRef>
+        </p:style>
+        <p:txBody>
+          <a:bodyPr rtlCol="0" anchor="ctr"/>
+          <a:lstStyle/>
+          <a:p>
+            <a:pPr algn="ctr"/>
+            <a:endParaRPr lang="en-US"/>
+          </a:p>
+        </p:txBody>
+      </p:sp>
+      <p:sp>
+        <p:nvSpPr>
+          <p:cNvPr id="27" name="Arrow: Right 26">
+            <a:extLst>
+              <a:ext uri="{FF2B5EF4-FFF2-40B4-BE49-F238E27FC236}">
+                <a16:creationId xmlns:a16="http://schemas.microsoft.com/office/drawing/2014/main" id="{6D2F9326-8109-4852-9865-C57BF3325305}"/>
+              </a:ext>
+            </a:extLst>
+          </p:cNvPr>
+          <p:cNvSpPr/>
+          <p:nvPr/>
+        </p:nvSpPr>
+        <p:spPr>
+          <a:xfrm>
+            <a:off x="5729765" y="3381598"/>
+            <a:ext cx="549742" cy="290811"/>
+          </a:xfrm>
+          <a:prstGeom prst="rightArrow">
+            <a:avLst/>
+          </a:prstGeom>
+          <a:solidFill>
+            <a:schemeClr val="bg1">
+              <a:lumMod val="85000"/>
+            </a:schemeClr>
+          </a:solidFill>
+          <a:ln>
+            <a:noFill/>
+          </a:ln>
+        </p:spPr>
+        <p:style>
+          <a:lnRef idx="2">
+            <a:schemeClr val="accent1">
+              <a:shade val="50000"/>
+            </a:schemeClr>
+          </a:lnRef>
+          <a:fillRef idx="1">
+            <a:schemeClr val="accent1"/>
+          </a:fillRef>
+          <a:effectRef idx="0">
+            <a:schemeClr val="accent1"/>
+          </a:effectRef>
+          <a:fontRef idx="minor">
+            <a:schemeClr val="lt1"/>
+          </a:fontRef>
+        </p:style>
+        <p:txBody>
+          <a:bodyPr rtlCol="0" anchor="ctr"/>
+          <a:lstStyle/>
+          <a:p>
+            <a:pPr algn="ctr"/>
+            <a:endParaRPr lang="en-US"/>
+          </a:p>
+        </p:txBody>
+      </p:sp>
+      <p:sp>
+        <p:nvSpPr>
+          <p:cNvPr id="28" name="Arrow: Right 27">
+            <a:extLst>
+              <a:ext uri="{FF2B5EF4-FFF2-40B4-BE49-F238E27FC236}">
+                <a16:creationId xmlns:a16="http://schemas.microsoft.com/office/drawing/2014/main" id="{2EF67719-F4E8-4281-9C74-9FCBBADFCFAA}"/>
+              </a:ext>
+            </a:extLst>
+          </p:cNvPr>
+          <p:cNvSpPr/>
+          <p:nvPr/>
+        </p:nvSpPr>
+        <p:spPr>
+          <a:xfrm>
+            <a:off x="8684458" y="2541605"/>
+            <a:ext cx="549742" cy="290811"/>
+          </a:xfrm>
+          <a:prstGeom prst="rightArrow">
+            <a:avLst/>
+          </a:prstGeom>
+          <a:solidFill>
+            <a:schemeClr val="bg1">
+              <a:lumMod val="85000"/>
+            </a:schemeClr>
+          </a:solidFill>
+          <a:ln>
+            <a:noFill/>
+          </a:ln>
+        </p:spPr>
+        <p:style>
+          <a:lnRef idx="2">
+            <a:schemeClr val="accent1">
+              <a:shade val="50000"/>
+            </a:schemeClr>
+          </a:lnRef>
+          <a:fillRef idx="1">
+            <a:schemeClr val="accent1"/>
+          </a:fillRef>
+          <a:effectRef idx="0">
+            <a:schemeClr val="accent1"/>
+          </a:effectRef>
+          <a:fontRef idx="minor">
+            <a:schemeClr val="lt1"/>
+          </a:fontRef>
+        </p:style>
+        <p:txBody>
+          <a:bodyPr rtlCol="0" anchor="ctr"/>
+          <a:lstStyle/>
+          <a:p>
+            <a:pPr algn="ctr"/>
+            <a:endParaRPr lang="en-US"/>
+          </a:p>
+        </p:txBody>
+      </p:sp>
+      <p:sp>
+        <p:nvSpPr>
+          <p:cNvPr id="29" name="Rectangle 28">
+            <a:extLst>
+              <a:ext uri="{FF2B5EF4-FFF2-40B4-BE49-F238E27FC236}">
+                <a16:creationId xmlns:a16="http://schemas.microsoft.com/office/drawing/2014/main" id="{798F1A4A-B878-458B-AFD7-24CDF2E28F5D}"/>
+              </a:ext>
+            </a:extLst>
+          </p:cNvPr>
+          <p:cNvSpPr/>
+          <p:nvPr/>
+        </p:nvSpPr>
+        <p:spPr>
+          <a:xfrm rot="16200000">
+            <a:off x="8264691" y="2870999"/>
+            <a:ext cx="681108" cy="159878"/>
+          </a:xfrm>
+          <a:prstGeom prst="rect">
+            <a:avLst/>
+          </a:prstGeom>
+          <a:solidFill>
+            <a:schemeClr val="bg1">
+              <a:lumMod val="85000"/>
+            </a:schemeClr>
+          </a:solidFill>
+          <a:ln w="3175">
+            <a:noFill/>
+          </a:ln>
+        </p:spPr>
+        <p:style>
+          <a:lnRef idx="3">
+            <a:schemeClr val="lt1"/>
+          </a:lnRef>
+          <a:fillRef idx="1">
+            <a:schemeClr val="accent3"/>
+          </a:fillRef>
+          <a:effectRef idx="1">
+            <a:schemeClr val="accent3"/>
+          </a:effectRef>
+          <a:fontRef idx="minor">
+            <a:schemeClr val="lt1"/>
+          </a:fontRef>
+        </p:style>
+        <p:txBody>
+          <a:bodyPr rtlCol="0" anchor="ctr"/>
+          <a:lstStyle/>
+          <a:p>
+            <a:pPr algn="ctr"/>
+            <a:endParaRPr lang="en-US"/>
+          </a:p>
+        </p:txBody>
+      </p:sp>
+      <p:sp>
+        <p:nvSpPr>
+          <p:cNvPr id="30" name="Rectangle 29">
+            <a:extLst>
+              <a:ext uri="{FF2B5EF4-FFF2-40B4-BE49-F238E27FC236}">
+                <a16:creationId xmlns:a16="http://schemas.microsoft.com/office/drawing/2014/main" id="{639BFC60-D826-4321-B5E9-46E93E1CBF2C}"/>
+              </a:ext>
+            </a:extLst>
+          </p:cNvPr>
+          <p:cNvSpPr/>
+          <p:nvPr/>
+        </p:nvSpPr>
+        <p:spPr>
+          <a:xfrm>
+            <a:off x="7857378" y="3291492"/>
+            <a:ext cx="827079" cy="159878"/>
+          </a:xfrm>
+          <a:prstGeom prst="rect">
+            <a:avLst/>
+          </a:prstGeom>
+          <a:solidFill>
+            <a:schemeClr val="bg1">
+              <a:lumMod val="85000"/>
+            </a:schemeClr>
+          </a:solidFill>
+          <a:ln w="3175">
+            <a:noFill/>
+          </a:ln>
+        </p:spPr>
+        <p:style>
+          <a:lnRef idx="3">
+            <a:schemeClr val="lt1"/>
+          </a:lnRef>
+          <a:fillRef idx="1">
+            <a:schemeClr val="accent3"/>
+          </a:fillRef>
+          <a:effectRef idx="1">
+            <a:schemeClr val="accent3"/>
+          </a:effectRef>
+          <a:fontRef idx="minor">
+            <a:schemeClr val="lt1"/>
+          </a:fontRef>
+        </p:style>
+        <p:txBody>
+          <a:bodyPr rtlCol="0" anchor="ctr"/>
+          <a:lstStyle/>
+          <a:p>
+            <a:pPr algn="ctr"/>
+            <a:endParaRPr lang="en-US"/>
+          </a:p>
+        </p:txBody>
+      </p:sp>
+      <p:sp>
+        <p:nvSpPr>
+          <p:cNvPr id="31" name="Rectangle 30">
+            <a:extLst>
+              <a:ext uri="{FF2B5EF4-FFF2-40B4-BE49-F238E27FC236}">
+                <a16:creationId xmlns:a16="http://schemas.microsoft.com/office/drawing/2014/main" id="{CD16F349-BF8E-42DD-8991-A1A305425600}"/>
+              </a:ext>
+            </a:extLst>
+          </p:cNvPr>
+          <p:cNvSpPr/>
+          <p:nvPr/>
+        </p:nvSpPr>
+        <p:spPr>
+          <a:xfrm>
+            <a:off x="7878147" y="3576402"/>
+            <a:ext cx="1592744" cy="159878"/>
+          </a:xfrm>
+          <a:prstGeom prst="rect">
+            <a:avLst/>
+          </a:prstGeom>
+          <a:solidFill>
+            <a:schemeClr val="bg1">
+              <a:lumMod val="85000"/>
+            </a:schemeClr>
+          </a:solidFill>
+          <a:ln w="3175">
+            <a:noFill/>
+          </a:ln>
+        </p:spPr>
+        <p:style>
+          <a:lnRef idx="3">
+            <a:schemeClr val="lt1"/>
+          </a:lnRef>
+          <a:fillRef idx="1">
+            <a:schemeClr val="accent3"/>
+          </a:fillRef>
+          <a:effectRef idx="1">
+            <a:schemeClr val="accent3"/>
+          </a:effectRef>
+          <a:fontRef idx="minor">
+            <a:schemeClr val="lt1"/>
+          </a:fontRef>
+        </p:style>
+        <p:txBody>
+          <a:bodyPr rtlCol="0" anchor="ctr"/>
+          <a:lstStyle/>
+          <a:p>
+            <a:pPr algn="ctr"/>
+            <a:endParaRPr lang="en-US"/>
+          </a:p>
+        </p:txBody>
+      </p:sp>
+      <p:sp>
+        <p:nvSpPr>
+          <p:cNvPr id="32" name="Arrow: Right 31">
+            <a:extLst>
+              <a:ext uri="{FF2B5EF4-FFF2-40B4-BE49-F238E27FC236}">
+                <a16:creationId xmlns:a16="http://schemas.microsoft.com/office/drawing/2014/main" id="{D20FA777-B9CA-430C-91C3-B56646EDDD59}"/>
+              </a:ext>
+            </a:extLst>
+          </p:cNvPr>
+          <p:cNvSpPr/>
+          <p:nvPr/>
+        </p:nvSpPr>
+        <p:spPr>
+          <a:xfrm rot="5400000">
+            <a:off x="8917946" y="4053992"/>
+            <a:ext cx="1245988" cy="290811"/>
+          </a:xfrm>
+          <a:prstGeom prst="rightArrow">
+            <a:avLst/>
+          </a:prstGeom>
+          <a:solidFill>
+            <a:schemeClr val="bg1">
+              <a:lumMod val="85000"/>
+            </a:schemeClr>
+          </a:solidFill>
+          <a:ln>
+            <a:noFill/>
+          </a:ln>
+        </p:spPr>
+        <p:style>
+          <a:lnRef idx="2">
+            <a:schemeClr val="accent1">
+              <a:shade val="50000"/>
+            </a:schemeClr>
+          </a:lnRef>
+          <a:fillRef idx="1">
+            <a:schemeClr val="accent1"/>
+          </a:fillRef>
+          <a:effectRef idx="0">
+            <a:schemeClr val="accent1"/>
+          </a:effectRef>
+          <a:fontRef idx="minor">
+            <a:schemeClr val="lt1"/>
+          </a:fontRef>
+        </p:style>
+        <p:txBody>
+          <a:bodyPr rtlCol="0" anchor="ctr"/>
+          <a:lstStyle/>
+          <a:p>
+            <a:pPr algn="ctr"/>
+            <a:endParaRPr lang="en-US"/>
+          </a:p>
+        </p:txBody>
+      </p:sp>
+      <p:sp>
+        <p:nvSpPr>
+          <p:cNvPr id="33" name="TextBox 32">
+            <a:extLst>
+              <a:ext uri="{FF2B5EF4-FFF2-40B4-BE49-F238E27FC236}">
+                <a16:creationId xmlns:a16="http://schemas.microsoft.com/office/drawing/2014/main" id="{FF643E33-BEF5-4242-98BB-0670EF6529FD}"/>
+              </a:ext>
+            </a:extLst>
+          </p:cNvPr>
+          <p:cNvSpPr txBox="1"/>
+          <p:nvPr/>
+        </p:nvSpPr>
+        <p:spPr>
+          <a:xfrm>
+            <a:off x="1543033" y="4080340"/>
+            <a:ext cx="583565" cy="307777"/>
+          </a:xfrm>
+          <a:prstGeom prst="rect">
+            <a:avLst/>
+          </a:prstGeom>
+          <a:noFill/>
+        </p:spPr>
+        <p:txBody>
+          <a:bodyPr wrap="square" rtlCol="0">
+            <a:spAutoFit/>
+          </a:bodyPr>
+          <a:lstStyle/>
+          <a:p>
+            <a:pPr algn="ctr"/>
+            <a:r>
+              <a:rPr lang="en-US" sz="1400" i="1" dirty="0"/>
+              <a:t>Fails</a:t>
+            </a:r>
+          </a:p>
+        </p:txBody>
+      </p:sp>
+      <p:sp>
+        <p:nvSpPr>
+          <p:cNvPr id="34" name="TextBox 33">
+            <a:extLst>
+              <a:ext uri="{FF2B5EF4-FFF2-40B4-BE49-F238E27FC236}">
+                <a16:creationId xmlns:a16="http://schemas.microsoft.com/office/drawing/2014/main" id="{B33CC9A4-854E-4C48-B186-45E8357D8D08}"/>
+              </a:ext>
+            </a:extLst>
+          </p:cNvPr>
+          <p:cNvSpPr txBox="1"/>
+          <p:nvPr/>
+        </p:nvSpPr>
+        <p:spPr>
+          <a:xfrm>
+            <a:off x="3407829" y="3611009"/>
+            <a:ext cx="914573" cy="307777"/>
+          </a:xfrm>
+          <a:prstGeom prst="rect">
+            <a:avLst/>
+          </a:prstGeom>
+          <a:noFill/>
+        </p:spPr>
+        <p:txBody>
+          <a:bodyPr wrap="square" rtlCol="0">
+            <a:spAutoFit/>
+          </a:bodyPr>
+          <a:lstStyle/>
+          <a:p>
+            <a:pPr algn="ctr"/>
+            <a:r>
+              <a:rPr lang="en-US" sz="1400" i="1" dirty="0"/>
+              <a:t>Succeeds</a:t>
+            </a:r>
+          </a:p>
+        </p:txBody>
+      </p:sp>
+      <p:sp>
+        <p:nvSpPr>
+          <p:cNvPr id="36" name="TextBox 35">
+            <a:extLst>
+              <a:ext uri="{FF2B5EF4-FFF2-40B4-BE49-F238E27FC236}">
+                <a16:creationId xmlns:a16="http://schemas.microsoft.com/office/drawing/2014/main" id="{4ACE281B-73D2-4D33-BF92-6664708433AF}"/>
+              </a:ext>
+            </a:extLst>
+          </p:cNvPr>
+          <p:cNvSpPr txBox="1"/>
+          <p:nvPr/>
+        </p:nvSpPr>
+        <p:spPr>
+          <a:xfrm>
+            <a:off x="7890501" y="3707423"/>
+            <a:ext cx="583565" cy="307777"/>
+          </a:xfrm>
+          <a:prstGeom prst="rect">
+            <a:avLst/>
+          </a:prstGeom>
+          <a:noFill/>
+        </p:spPr>
+        <p:txBody>
+          <a:bodyPr wrap="square" rtlCol="0">
+            <a:spAutoFit/>
+          </a:bodyPr>
+          <a:lstStyle/>
+          <a:p>
+            <a:pPr algn="ctr"/>
+            <a:r>
+              <a:rPr lang="en-US" sz="1400" i="1" dirty="0"/>
+              <a:t>No</a:t>
+            </a:r>
+          </a:p>
+        </p:txBody>
+      </p:sp>
+      <p:sp>
+        <p:nvSpPr>
+          <p:cNvPr id="37" name="TextBox 36">
+            <a:extLst>
+              <a:ext uri="{FF2B5EF4-FFF2-40B4-BE49-F238E27FC236}">
+                <a16:creationId xmlns:a16="http://schemas.microsoft.com/office/drawing/2014/main" id="{5FBAD3EB-0661-47D9-B794-AF9115158A46}"/>
+              </a:ext>
+            </a:extLst>
+          </p:cNvPr>
+          <p:cNvSpPr txBox="1"/>
+          <p:nvPr/>
+        </p:nvSpPr>
+        <p:spPr>
+          <a:xfrm>
+            <a:off x="7890501" y="2984127"/>
+            <a:ext cx="583565" cy="307777"/>
+          </a:xfrm>
+          <a:prstGeom prst="rect">
+            <a:avLst/>
+          </a:prstGeom>
+          <a:noFill/>
+        </p:spPr>
+        <p:txBody>
+          <a:bodyPr wrap="square" rtlCol="0">
+            <a:spAutoFit/>
+          </a:bodyPr>
+          <a:lstStyle/>
+          <a:p>
+            <a:pPr algn="ctr"/>
+            <a:r>
+              <a:rPr lang="en-US" sz="1400" i="1" dirty="0"/>
+              <a:t>Yes</a:t>
             </a:r>
           </a:p>
         </p:txBody>
@@ -7916,71 +9497,6 @@
     <p:extLst>
       <p:ext uri="{BB962C8B-B14F-4D97-AF65-F5344CB8AC3E}">
         <p14:creationId xmlns:p14="http://schemas.microsoft.com/office/powerpoint/2010/main" val="255437223"/>
-      </p:ext>
-    </p:extLst>
-  </p:cSld>
-  <p:clrMapOvr>
-    <a:masterClrMapping/>
-  </p:clrMapOvr>
-</p:sld>
-</file>
-
-<file path=ppt/slides/slide6.xml><?xml version="1.0" encoding="utf-8"?>
-<p:sld xmlns:a="http://schemas.openxmlformats.org/drawingml/2006/main" xmlns:r="http://schemas.openxmlformats.org/officeDocument/2006/relationships" xmlns:p="http://schemas.openxmlformats.org/presentationml/2006/main">
-  <p:cSld>
-    <p:spTree>
-      <p:nvGrpSpPr>
-        <p:cNvPr id="1" name=""/>
-        <p:cNvGrpSpPr/>
-        <p:nvPr/>
-      </p:nvGrpSpPr>
-      <p:grpSpPr>
-        <a:xfrm>
-          <a:off x="0" y="0"/>
-          <a:ext cx="0" cy="0"/>
-          <a:chOff x="0" y="0"/>
-          <a:chExt cx="0" cy="0"/>
-        </a:xfrm>
-      </p:grpSpPr>
-      <p:sp>
-        <p:nvSpPr>
-          <p:cNvPr id="4" name="TextBox 3">
-            <a:extLst>
-              <a:ext uri="{FF2B5EF4-FFF2-40B4-BE49-F238E27FC236}">
-                <a16:creationId xmlns:a16="http://schemas.microsoft.com/office/drawing/2014/main" id="{5000E94A-1AFD-418F-8DAF-C2F0BA3FBA62}"/>
-              </a:ext>
-            </a:extLst>
-          </p:cNvPr>
-          <p:cNvSpPr txBox="1"/>
-          <p:nvPr/>
-        </p:nvSpPr>
-        <p:spPr>
-          <a:xfrm>
-            <a:off x="401217" y="248789"/>
-            <a:ext cx="6671388" cy="584775"/>
-          </a:xfrm>
-          <a:prstGeom prst="rect">
-            <a:avLst/>
-          </a:prstGeom>
-          <a:noFill/>
-        </p:spPr>
-        <p:txBody>
-          <a:bodyPr wrap="square" rtlCol="0">
-            <a:spAutoFit/>
-          </a:bodyPr>
-          <a:lstStyle/>
-          <a:p>
-            <a:r>
-              <a:rPr lang="en-US" sz="3200" b="1" dirty="0"/>
-              <a:t>123456</a:t>
-            </a:r>
-          </a:p>
-        </p:txBody>
-      </p:sp>
-    </p:spTree>
-    <p:extLst>
-      <p:ext uri="{BB962C8B-B14F-4D97-AF65-F5344CB8AC3E}">
-        <p14:creationId xmlns:p14="http://schemas.microsoft.com/office/powerpoint/2010/main" val="3319942511"/>
       </p:ext>
     </p:extLst>
   </p:cSld>

--- a/TechPresentation.pptx
+++ b/TechPresentation.pptx
@@ -7,9 +7,10 @@
   <p:sldIdLst>
     <p:sldId id="256" r:id="rId2"/>
     <p:sldId id="257" r:id="rId3"/>
-    <p:sldId id="258" r:id="rId4"/>
-    <p:sldId id="259" r:id="rId5"/>
-    <p:sldId id="260" r:id="rId6"/>
+    <p:sldId id="261" r:id="rId4"/>
+    <p:sldId id="258" r:id="rId5"/>
+    <p:sldId id="259" r:id="rId6"/>
+    <p:sldId id="260" r:id="rId7"/>
   </p:sldIdLst>
   <p:sldSz cx="12192000" cy="6858000"/>
   <p:notesSz cx="6858000" cy="9144000"/>
@@ -263,7 +264,7 @@
           <a:p>
             <a:fld id="{2DCF7605-F396-4A0D-BFC1-B4C6E63FC903}" type="datetimeFigureOut">
               <a:rPr lang="en-US" smtClean="0"/>
-              <a:t>1/20/2021</a:t>
+              <a:t>2/3/2021</a:t>
             </a:fld>
             <a:endParaRPr lang="en-US"/>
           </a:p>
@@ -461,7 +462,7 @@
           <a:p>
             <a:fld id="{2DCF7605-F396-4A0D-BFC1-B4C6E63FC903}" type="datetimeFigureOut">
               <a:rPr lang="en-US" smtClean="0"/>
-              <a:t>1/20/2021</a:t>
+              <a:t>2/3/2021</a:t>
             </a:fld>
             <a:endParaRPr lang="en-US"/>
           </a:p>
@@ -669,7 +670,7 @@
           <a:p>
             <a:fld id="{2DCF7605-F396-4A0D-BFC1-B4C6E63FC903}" type="datetimeFigureOut">
               <a:rPr lang="en-US" smtClean="0"/>
-              <a:t>1/20/2021</a:t>
+              <a:t>2/3/2021</a:t>
             </a:fld>
             <a:endParaRPr lang="en-US"/>
           </a:p>
@@ -867,7 +868,7 @@
           <a:p>
             <a:fld id="{2DCF7605-F396-4A0D-BFC1-B4C6E63FC903}" type="datetimeFigureOut">
               <a:rPr lang="en-US" smtClean="0"/>
-              <a:t>1/20/2021</a:t>
+              <a:t>2/3/2021</a:t>
             </a:fld>
             <a:endParaRPr lang="en-US"/>
           </a:p>
@@ -1142,7 +1143,7 @@
           <a:p>
             <a:fld id="{2DCF7605-F396-4A0D-BFC1-B4C6E63FC903}" type="datetimeFigureOut">
               <a:rPr lang="en-US" smtClean="0"/>
-              <a:t>1/20/2021</a:t>
+              <a:t>2/3/2021</a:t>
             </a:fld>
             <a:endParaRPr lang="en-US"/>
           </a:p>
@@ -1407,7 +1408,7 @@
           <a:p>
             <a:fld id="{2DCF7605-F396-4A0D-BFC1-B4C6E63FC903}" type="datetimeFigureOut">
               <a:rPr lang="en-US" smtClean="0"/>
-              <a:t>1/20/2021</a:t>
+              <a:t>2/3/2021</a:t>
             </a:fld>
             <a:endParaRPr lang="en-US"/>
           </a:p>
@@ -1819,7 +1820,7 @@
           <a:p>
             <a:fld id="{2DCF7605-F396-4A0D-BFC1-B4C6E63FC903}" type="datetimeFigureOut">
               <a:rPr lang="en-US" smtClean="0"/>
-              <a:t>1/20/2021</a:t>
+              <a:t>2/3/2021</a:t>
             </a:fld>
             <a:endParaRPr lang="en-US"/>
           </a:p>
@@ -1960,7 +1961,7 @@
           <a:p>
             <a:fld id="{2DCF7605-F396-4A0D-BFC1-B4C6E63FC903}" type="datetimeFigureOut">
               <a:rPr lang="en-US" smtClean="0"/>
-              <a:t>1/20/2021</a:t>
+              <a:t>2/3/2021</a:t>
             </a:fld>
             <a:endParaRPr lang="en-US"/>
           </a:p>
@@ -2073,7 +2074,7 @@
           <a:p>
             <a:fld id="{2DCF7605-F396-4A0D-BFC1-B4C6E63FC903}" type="datetimeFigureOut">
               <a:rPr lang="en-US" smtClean="0"/>
-              <a:t>1/20/2021</a:t>
+              <a:t>2/3/2021</a:t>
             </a:fld>
             <a:endParaRPr lang="en-US"/>
           </a:p>
@@ -2384,7 +2385,7 @@
           <a:p>
             <a:fld id="{2DCF7605-F396-4A0D-BFC1-B4C6E63FC903}" type="datetimeFigureOut">
               <a:rPr lang="en-US" smtClean="0"/>
-              <a:t>1/20/2021</a:t>
+              <a:t>2/3/2021</a:t>
             </a:fld>
             <a:endParaRPr lang="en-US"/>
           </a:p>
@@ -2672,7 +2673,7 @@
           <a:p>
             <a:fld id="{2DCF7605-F396-4A0D-BFC1-B4C6E63FC903}" type="datetimeFigureOut">
               <a:rPr lang="en-US" smtClean="0"/>
-              <a:t>1/20/2021</a:t>
+              <a:t>2/3/2021</a:t>
             </a:fld>
             <a:endParaRPr lang="en-US"/>
           </a:p>
@@ -2913,7 +2914,7 @@
           <a:p>
             <a:fld id="{2DCF7605-F396-4A0D-BFC1-B4C6E63FC903}" type="datetimeFigureOut">
               <a:rPr lang="en-US" smtClean="0"/>
-              <a:t>1/20/2021</a:t>
+              <a:t>2/3/2021</a:t>
             </a:fld>
             <a:endParaRPr lang="en-US"/>
           </a:p>
@@ -4319,6 +4320,1534 @@
       </p:grpSpPr>
       <p:sp>
         <p:nvSpPr>
+          <p:cNvPr id="36" name="Rectangle 35">
+            <a:extLst>
+              <a:ext uri="{FF2B5EF4-FFF2-40B4-BE49-F238E27FC236}">
+                <a16:creationId xmlns:a16="http://schemas.microsoft.com/office/drawing/2014/main" id="{33D0CBD5-89C4-4906-B3B8-277668CC7FB9}"/>
+              </a:ext>
+            </a:extLst>
+          </p:cNvPr>
+          <p:cNvSpPr/>
+          <p:nvPr/>
+        </p:nvSpPr>
+        <p:spPr>
+          <a:xfrm>
+            <a:off x="4025083" y="5488273"/>
+            <a:ext cx="1765814" cy="850564"/>
+          </a:xfrm>
+          <a:prstGeom prst="rect">
+            <a:avLst/>
+          </a:prstGeom>
+        </p:spPr>
+        <p:style>
+          <a:lnRef idx="2">
+            <a:schemeClr val="accent3">
+              <a:shade val="50000"/>
+            </a:schemeClr>
+          </a:lnRef>
+          <a:fillRef idx="1">
+            <a:schemeClr val="accent3"/>
+          </a:fillRef>
+          <a:effectRef idx="0">
+            <a:schemeClr val="accent3"/>
+          </a:effectRef>
+          <a:fontRef idx="minor">
+            <a:schemeClr val="lt1"/>
+          </a:fontRef>
+        </p:style>
+        <p:txBody>
+          <a:bodyPr rtlCol="0" anchor="ctr"/>
+          <a:lstStyle/>
+          <a:p>
+            <a:pPr algn="ctr"/>
+            <a:endParaRPr lang="en-US"/>
+          </a:p>
+        </p:txBody>
+      </p:sp>
+      <p:sp>
+        <p:nvSpPr>
+          <p:cNvPr id="35" name="Rectangle 34">
+            <a:extLst>
+              <a:ext uri="{FF2B5EF4-FFF2-40B4-BE49-F238E27FC236}">
+                <a16:creationId xmlns:a16="http://schemas.microsoft.com/office/drawing/2014/main" id="{29D75673-2B40-4F4F-B291-BFB8772FC8D2}"/>
+              </a:ext>
+            </a:extLst>
+          </p:cNvPr>
+          <p:cNvSpPr/>
+          <p:nvPr/>
+        </p:nvSpPr>
+        <p:spPr>
+          <a:xfrm>
+            <a:off x="3603947" y="1147665"/>
+            <a:ext cx="2579907" cy="1267808"/>
+          </a:xfrm>
+          <a:prstGeom prst="rect">
+            <a:avLst/>
+          </a:prstGeom>
+        </p:spPr>
+        <p:style>
+          <a:lnRef idx="2">
+            <a:schemeClr val="accent3">
+              <a:shade val="50000"/>
+            </a:schemeClr>
+          </a:lnRef>
+          <a:fillRef idx="1">
+            <a:schemeClr val="accent3"/>
+          </a:fillRef>
+          <a:effectRef idx="0">
+            <a:schemeClr val="accent3"/>
+          </a:effectRef>
+          <a:fontRef idx="minor">
+            <a:schemeClr val="lt1"/>
+          </a:fontRef>
+        </p:style>
+        <p:txBody>
+          <a:bodyPr rtlCol="0" anchor="ctr"/>
+          <a:lstStyle/>
+          <a:p>
+            <a:pPr algn="ctr"/>
+            <a:endParaRPr lang="en-US"/>
+          </a:p>
+        </p:txBody>
+      </p:sp>
+      <p:sp>
+        <p:nvSpPr>
+          <p:cNvPr id="4" name="TextBox 3">
+            <a:extLst>
+              <a:ext uri="{FF2B5EF4-FFF2-40B4-BE49-F238E27FC236}">
+                <a16:creationId xmlns:a16="http://schemas.microsoft.com/office/drawing/2014/main" id="{5000E94A-1AFD-418F-8DAF-C2F0BA3FBA62}"/>
+              </a:ext>
+            </a:extLst>
+          </p:cNvPr>
+          <p:cNvSpPr txBox="1"/>
+          <p:nvPr/>
+        </p:nvSpPr>
+        <p:spPr>
+          <a:xfrm>
+            <a:off x="401217" y="248789"/>
+            <a:ext cx="6671388" cy="584775"/>
+          </a:xfrm>
+          <a:prstGeom prst="rect">
+            <a:avLst/>
+          </a:prstGeom>
+          <a:noFill/>
+        </p:spPr>
+        <p:txBody>
+          <a:bodyPr wrap="square" rtlCol="0">
+            <a:spAutoFit/>
+          </a:bodyPr>
+          <a:lstStyle/>
+          <a:p>
+            <a:r>
+              <a:rPr lang="en-US" sz="3200" b="1" dirty="0"/>
+              <a:t>Server End Architecture</a:t>
+            </a:r>
+          </a:p>
+        </p:txBody>
+      </p:sp>
+      <p:sp>
+        <p:nvSpPr>
+          <p:cNvPr id="2" name="Rectangle: Rounded Corners 1">
+            <a:extLst>
+              <a:ext uri="{FF2B5EF4-FFF2-40B4-BE49-F238E27FC236}">
+                <a16:creationId xmlns:a16="http://schemas.microsoft.com/office/drawing/2014/main" id="{B9BD29BA-E1B4-44AE-BF26-BCE9A978A35F}"/>
+              </a:ext>
+            </a:extLst>
+          </p:cNvPr>
+          <p:cNvSpPr/>
+          <p:nvPr/>
+        </p:nvSpPr>
+        <p:spPr>
+          <a:xfrm>
+            <a:off x="746443" y="3410342"/>
+            <a:ext cx="1660849" cy="1175658"/>
+          </a:xfrm>
+          <a:prstGeom prst="roundRect">
+            <a:avLst/>
+          </a:prstGeom>
+        </p:spPr>
+        <p:style>
+          <a:lnRef idx="1">
+            <a:schemeClr val="accent2"/>
+          </a:lnRef>
+          <a:fillRef idx="2">
+            <a:schemeClr val="accent2"/>
+          </a:fillRef>
+          <a:effectRef idx="1">
+            <a:schemeClr val="accent2"/>
+          </a:effectRef>
+          <a:fontRef idx="minor">
+            <a:schemeClr val="dk1"/>
+          </a:fontRef>
+        </p:style>
+        <p:txBody>
+          <a:bodyPr rtlCol="0" anchor="ctr"/>
+          <a:lstStyle/>
+          <a:p>
+            <a:pPr algn="ctr"/>
+            <a:endParaRPr lang="en-US"/>
+          </a:p>
+        </p:txBody>
+      </p:sp>
+      <p:sp>
+        <p:nvSpPr>
+          <p:cNvPr id="15" name="TextBox 14">
+            <a:extLst>
+              <a:ext uri="{FF2B5EF4-FFF2-40B4-BE49-F238E27FC236}">
+                <a16:creationId xmlns:a16="http://schemas.microsoft.com/office/drawing/2014/main" id="{788302D3-FE7A-4D26-B33B-135F43FB6239}"/>
+              </a:ext>
+            </a:extLst>
+          </p:cNvPr>
+          <p:cNvSpPr txBox="1"/>
+          <p:nvPr/>
+        </p:nvSpPr>
+        <p:spPr>
+          <a:xfrm>
+            <a:off x="959491" y="3690394"/>
+            <a:ext cx="1234751" cy="615553"/>
+          </a:xfrm>
+          <a:prstGeom prst="rect">
+            <a:avLst/>
+          </a:prstGeom>
+          <a:noFill/>
+        </p:spPr>
+        <p:txBody>
+          <a:bodyPr wrap="square" rtlCol="0">
+            <a:spAutoFit/>
+          </a:bodyPr>
+          <a:lstStyle/>
+          <a:p>
+            <a:pPr algn="ctr"/>
+            <a:r>
+              <a:rPr lang="en-US" altLang="zh-CN" b="1" dirty="0"/>
+              <a:t>Controller</a:t>
+            </a:r>
+          </a:p>
+          <a:p>
+            <a:pPr algn="ctr"/>
+            <a:r>
+              <a:rPr lang="en-US" altLang="zh-CN" sz="1600" dirty="0"/>
+              <a:t>RESTful APIs</a:t>
+            </a:r>
+          </a:p>
+        </p:txBody>
+      </p:sp>
+      <p:sp>
+        <p:nvSpPr>
+          <p:cNvPr id="25" name="Rectangle: Rounded Corners 24">
+            <a:extLst>
+              <a:ext uri="{FF2B5EF4-FFF2-40B4-BE49-F238E27FC236}">
+                <a16:creationId xmlns:a16="http://schemas.microsoft.com/office/drawing/2014/main" id="{EF47D13F-826C-4108-8A85-F0E7E8AEE8D2}"/>
+              </a:ext>
+            </a:extLst>
+          </p:cNvPr>
+          <p:cNvSpPr/>
+          <p:nvPr/>
+        </p:nvSpPr>
+        <p:spPr>
+          <a:xfrm>
+            <a:off x="4080579" y="3429000"/>
+            <a:ext cx="1660849" cy="1175658"/>
+          </a:xfrm>
+          <a:prstGeom prst="roundRect">
+            <a:avLst/>
+          </a:prstGeom>
+        </p:spPr>
+        <p:style>
+          <a:lnRef idx="1">
+            <a:schemeClr val="accent4"/>
+          </a:lnRef>
+          <a:fillRef idx="2">
+            <a:schemeClr val="accent4"/>
+          </a:fillRef>
+          <a:effectRef idx="1">
+            <a:schemeClr val="accent4"/>
+          </a:effectRef>
+          <a:fontRef idx="minor">
+            <a:schemeClr val="dk1"/>
+          </a:fontRef>
+        </p:style>
+        <p:txBody>
+          <a:bodyPr rtlCol="0" anchor="ctr"/>
+          <a:lstStyle/>
+          <a:p>
+            <a:pPr algn="ctr"/>
+            <a:endParaRPr lang="en-US"/>
+          </a:p>
+        </p:txBody>
+      </p:sp>
+      <p:sp>
+        <p:nvSpPr>
+          <p:cNvPr id="26" name="TextBox 25">
+            <a:extLst>
+              <a:ext uri="{FF2B5EF4-FFF2-40B4-BE49-F238E27FC236}">
+                <a16:creationId xmlns:a16="http://schemas.microsoft.com/office/drawing/2014/main" id="{D4CE4E73-29FF-4D16-A5D6-340CF6638B06}"/>
+              </a:ext>
+            </a:extLst>
+          </p:cNvPr>
+          <p:cNvSpPr txBox="1"/>
+          <p:nvPr/>
+        </p:nvSpPr>
+        <p:spPr>
+          <a:xfrm>
+            <a:off x="4114012" y="3581142"/>
+            <a:ext cx="1593982" cy="861774"/>
+          </a:xfrm>
+          <a:prstGeom prst="rect">
+            <a:avLst/>
+          </a:prstGeom>
+          <a:noFill/>
+        </p:spPr>
+        <p:txBody>
+          <a:bodyPr wrap="square" rtlCol="0">
+            <a:spAutoFit/>
+          </a:bodyPr>
+          <a:lstStyle/>
+          <a:p>
+            <a:pPr algn="ctr"/>
+            <a:r>
+              <a:rPr lang="en-US" altLang="zh-CN" b="1" dirty="0"/>
+              <a:t>Service</a:t>
+            </a:r>
+          </a:p>
+          <a:p>
+            <a:pPr algn="ctr"/>
+            <a:r>
+              <a:rPr lang="en-US" altLang="zh-CN" sz="1600" dirty="0"/>
+              <a:t>Data Manipulate Methods</a:t>
+            </a:r>
+          </a:p>
+        </p:txBody>
+      </p:sp>
+      <p:sp>
+        <p:nvSpPr>
+          <p:cNvPr id="28" name="TextBox 27">
+            <a:extLst>
+              <a:ext uri="{FF2B5EF4-FFF2-40B4-BE49-F238E27FC236}">
+                <a16:creationId xmlns:a16="http://schemas.microsoft.com/office/drawing/2014/main" id="{54630D11-6CDD-4D8A-824B-5A5BA8919D51}"/>
+              </a:ext>
+            </a:extLst>
+          </p:cNvPr>
+          <p:cNvSpPr txBox="1"/>
+          <p:nvPr/>
+        </p:nvSpPr>
+        <p:spPr>
+          <a:xfrm>
+            <a:off x="3989503" y="5605779"/>
+            <a:ext cx="1801394" cy="615553"/>
+          </a:xfrm>
+          <a:prstGeom prst="rect">
+            <a:avLst/>
+          </a:prstGeom>
+          <a:noFill/>
+        </p:spPr>
+        <p:txBody>
+          <a:bodyPr wrap="square" rtlCol="0">
+            <a:spAutoFit/>
+          </a:bodyPr>
+          <a:lstStyle/>
+          <a:p>
+            <a:pPr algn="ctr"/>
+            <a:r>
+              <a:rPr lang="en-US" altLang="zh-CN" b="1" dirty="0"/>
+              <a:t>Validation</a:t>
+            </a:r>
+            <a:r>
+              <a:rPr lang="en-US" altLang="zh-CN" sz="1600" dirty="0"/>
+              <a:t> </a:t>
+            </a:r>
+          </a:p>
+          <a:p>
+            <a:pPr algn="ctr"/>
+            <a:r>
+              <a:rPr lang="en-US" altLang="zh-CN" sz="1600" dirty="0"/>
+              <a:t>Handle Input Errors</a:t>
+            </a:r>
+          </a:p>
+        </p:txBody>
+      </p:sp>
+      <p:sp>
+        <p:nvSpPr>
+          <p:cNvPr id="30" name="TextBox 29">
+            <a:extLst>
+              <a:ext uri="{FF2B5EF4-FFF2-40B4-BE49-F238E27FC236}">
+                <a16:creationId xmlns:a16="http://schemas.microsoft.com/office/drawing/2014/main" id="{9E70DD8E-371E-4340-987F-BAAA288323DF}"/>
+              </a:ext>
+            </a:extLst>
+          </p:cNvPr>
+          <p:cNvSpPr txBox="1"/>
+          <p:nvPr/>
+        </p:nvSpPr>
+        <p:spPr>
+          <a:xfrm>
+            <a:off x="3603947" y="1227571"/>
+            <a:ext cx="2579907" cy="1107996"/>
+          </a:xfrm>
+          <a:prstGeom prst="rect">
+            <a:avLst/>
+          </a:prstGeom>
+          <a:noFill/>
+        </p:spPr>
+        <p:txBody>
+          <a:bodyPr wrap="square" rtlCol="0">
+            <a:spAutoFit/>
+          </a:bodyPr>
+          <a:lstStyle/>
+          <a:p>
+            <a:pPr algn="ctr"/>
+            <a:r>
+              <a:rPr lang="en-US" altLang="zh-CN" b="1" dirty="0"/>
+              <a:t>Global Exception Handler</a:t>
+            </a:r>
+          </a:p>
+          <a:p>
+            <a:pPr algn="ctr"/>
+            <a:r>
+              <a:rPr lang="en-US" altLang="zh-CN" sz="1600" dirty="0"/>
+              <a:t>Handle global errors </a:t>
+            </a:r>
+          </a:p>
+          <a:p>
+            <a:pPr algn="ctr"/>
+            <a:r>
+              <a:rPr lang="en-US" altLang="zh-CN" sz="1600" dirty="0"/>
+              <a:t>(focusing on the server/database exceptions)</a:t>
+            </a:r>
+          </a:p>
+        </p:txBody>
+      </p:sp>
+      <p:sp>
+        <p:nvSpPr>
+          <p:cNvPr id="31" name="Rectangle: Rounded Corners 30">
+            <a:extLst>
+              <a:ext uri="{FF2B5EF4-FFF2-40B4-BE49-F238E27FC236}">
+                <a16:creationId xmlns:a16="http://schemas.microsoft.com/office/drawing/2014/main" id="{1E5CE0D3-3001-45F5-B089-F24864FD8E1B}"/>
+              </a:ext>
+            </a:extLst>
+          </p:cNvPr>
+          <p:cNvSpPr/>
+          <p:nvPr/>
+        </p:nvSpPr>
+        <p:spPr>
+          <a:xfrm>
+            <a:off x="6901532" y="3429000"/>
+            <a:ext cx="2111829" cy="1175658"/>
+          </a:xfrm>
+          <a:prstGeom prst="roundRect">
+            <a:avLst/>
+          </a:prstGeom>
+        </p:spPr>
+        <p:style>
+          <a:lnRef idx="1">
+            <a:schemeClr val="accent6"/>
+          </a:lnRef>
+          <a:fillRef idx="2">
+            <a:schemeClr val="accent6"/>
+          </a:fillRef>
+          <a:effectRef idx="1">
+            <a:schemeClr val="accent6"/>
+          </a:effectRef>
+          <a:fontRef idx="minor">
+            <a:schemeClr val="dk1"/>
+          </a:fontRef>
+        </p:style>
+        <p:txBody>
+          <a:bodyPr rtlCol="0" anchor="ctr"/>
+          <a:lstStyle/>
+          <a:p>
+            <a:pPr algn="ctr"/>
+            <a:endParaRPr lang="en-US"/>
+          </a:p>
+        </p:txBody>
+      </p:sp>
+      <p:sp>
+        <p:nvSpPr>
+          <p:cNvPr id="32" name="TextBox 31">
+            <a:extLst>
+              <a:ext uri="{FF2B5EF4-FFF2-40B4-BE49-F238E27FC236}">
+                <a16:creationId xmlns:a16="http://schemas.microsoft.com/office/drawing/2014/main" id="{2DDF40E3-D08A-4429-A476-8AE1711FBFA8}"/>
+              </a:ext>
+            </a:extLst>
+          </p:cNvPr>
+          <p:cNvSpPr txBox="1"/>
+          <p:nvPr/>
+        </p:nvSpPr>
+        <p:spPr>
+          <a:xfrm>
+            <a:off x="6946239" y="3704252"/>
+            <a:ext cx="2022413" cy="615553"/>
+          </a:xfrm>
+          <a:prstGeom prst="rect">
+            <a:avLst/>
+          </a:prstGeom>
+          <a:noFill/>
+        </p:spPr>
+        <p:txBody>
+          <a:bodyPr wrap="square" rtlCol="0">
+            <a:spAutoFit/>
+          </a:bodyPr>
+          <a:lstStyle/>
+          <a:p>
+            <a:pPr algn="ctr"/>
+            <a:r>
+              <a:rPr lang="en-US" altLang="zh-CN" b="1" dirty="0"/>
+              <a:t>Repository</a:t>
+            </a:r>
+          </a:p>
+          <a:p>
+            <a:pPr algn="ctr"/>
+            <a:r>
+              <a:rPr lang="en-US" altLang="zh-CN" sz="1600" dirty="0"/>
+              <a:t>Java Persistence APIs</a:t>
+            </a:r>
+          </a:p>
+        </p:txBody>
+      </p:sp>
+      <p:sp>
+        <p:nvSpPr>
+          <p:cNvPr id="33" name="Rectangle: Rounded Corners 32">
+            <a:extLst>
+              <a:ext uri="{FF2B5EF4-FFF2-40B4-BE49-F238E27FC236}">
+                <a16:creationId xmlns:a16="http://schemas.microsoft.com/office/drawing/2014/main" id="{D5E113AA-D308-4F3D-BBEA-EB5B662DEE45}"/>
+              </a:ext>
+            </a:extLst>
+          </p:cNvPr>
+          <p:cNvSpPr/>
+          <p:nvPr/>
+        </p:nvSpPr>
+        <p:spPr>
+          <a:xfrm>
+            <a:off x="1014256" y="1455575"/>
+            <a:ext cx="1125220" cy="584775"/>
+          </a:xfrm>
+          <a:prstGeom prst="roundRect">
+            <a:avLst/>
+          </a:prstGeom>
+        </p:spPr>
+        <p:style>
+          <a:lnRef idx="2">
+            <a:schemeClr val="accent2">
+              <a:shade val="50000"/>
+            </a:schemeClr>
+          </a:lnRef>
+          <a:fillRef idx="1">
+            <a:schemeClr val="accent2"/>
+          </a:fillRef>
+          <a:effectRef idx="0">
+            <a:schemeClr val="accent2"/>
+          </a:effectRef>
+          <a:fontRef idx="minor">
+            <a:schemeClr val="lt1"/>
+          </a:fontRef>
+        </p:style>
+        <p:txBody>
+          <a:bodyPr rtlCol="0" anchor="ctr"/>
+          <a:lstStyle/>
+          <a:p>
+            <a:pPr algn="ctr"/>
+            <a:endParaRPr lang="en-US"/>
+          </a:p>
+        </p:txBody>
+      </p:sp>
+      <p:sp>
+        <p:nvSpPr>
+          <p:cNvPr id="34" name="TextBox 33">
+            <a:extLst>
+              <a:ext uri="{FF2B5EF4-FFF2-40B4-BE49-F238E27FC236}">
+                <a16:creationId xmlns:a16="http://schemas.microsoft.com/office/drawing/2014/main" id="{E2EC80D8-2719-4BBF-BE8C-6A0A62ACC115}"/>
+              </a:ext>
+            </a:extLst>
+          </p:cNvPr>
+          <p:cNvSpPr txBox="1"/>
+          <p:nvPr/>
+        </p:nvSpPr>
+        <p:spPr>
+          <a:xfrm>
+            <a:off x="1014256" y="1563296"/>
+            <a:ext cx="1125221" cy="369332"/>
+          </a:xfrm>
+          <a:prstGeom prst="rect">
+            <a:avLst/>
+          </a:prstGeom>
+          <a:noFill/>
+        </p:spPr>
+        <p:txBody>
+          <a:bodyPr wrap="square" rtlCol="0">
+            <a:spAutoFit/>
+          </a:bodyPr>
+          <a:lstStyle/>
+          <a:p>
+            <a:pPr algn="ctr"/>
+            <a:r>
+              <a:rPr lang="en-US" altLang="zh-CN" b="1" dirty="0"/>
+              <a:t>Front-End</a:t>
+            </a:r>
+          </a:p>
+        </p:txBody>
+      </p:sp>
+      <p:sp>
+        <p:nvSpPr>
+          <p:cNvPr id="37" name="Rectangle: Rounded Corners 36">
+            <a:extLst>
+              <a:ext uri="{FF2B5EF4-FFF2-40B4-BE49-F238E27FC236}">
+                <a16:creationId xmlns:a16="http://schemas.microsoft.com/office/drawing/2014/main" id="{953200C0-9B66-477A-8ABA-FE01868DD7E0}"/>
+              </a:ext>
+            </a:extLst>
+          </p:cNvPr>
+          <p:cNvSpPr/>
+          <p:nvPr/>
+        </p:nvSpPr>
+        <p:spPr>
+          <a:xfrm>
+            <a:off x="10833151" y="786910"/>
+            <a:ext cx="1129004" cy="4572000"/>
+          </a:xfrm>
+          <a:prstGeom prst="roundRect">
+            <a:avLst/>
+          </a:prstGeom>
+        </p:spPr>
+        <p:style>
+          <a:lnRef idx="1">
+            <a:schemeClr val="accent1"/>
+          </a:lnRef>
+          <a:fillRef idx="2">
+            <a:schemeClr val="accent1"/>
+          </a:fillRef>
+          <a:effectRef idx="1">
+            <a:schemeClr val="accent1"/>
+          </a:effectRef>
+          <a:fontRef idx="minor">
+            <a:schemeClr val="dk1"/>
+          </a:fontRef>
+        </p:style>
+        <p:txBody>
+          <a:bodyPr rtlCol="0" anchor="ctr"/>
+          <a:lstStyle/>
+          <a:p>
+            <a:pPr algn="ctr"/>
+            <a:endParaRPr lang="en-US"/>
+          </a:p>
+        </p:txBody>
+      </p:sp>
+      <p:sp>
+        <p:nvSpPr>
+          <p:cNvPr id="38" name="TextBox 37">
+            <a:extLst>
+              <a:ext uri="{FF2B5EF4-FFF2-40B4-BE49-F238E27FC236}">
+                <a16:creationId xmlns:a16="http://schemas.microsoft.com/office/drawing/2014/main" id="{99C363F4-E475-4629-82B8-2E12EBDAC230}"/>
+              </a:ext>
+            </a:extLst>
+          </p:cNvPr>
+          <p:cNvSpPr txBox="1"/>
+          <p:nvPr/>
+        </p:nvSpPr>
+        <p:spPr>
+          <a:xfrm>
+            <a:off x="10891559" y="1499090"/>
+            <a:ext cx="1107996" cy="3262577"/>
+          </a:xfrm>
+          <a:prstGeom prst="rect">
+            <a:avLst/>
+          </a:prstGeom>
+          <a:noFill/>
+        </p:spPr>
+        <p:txBody>
+          <a:bodyPr vert="eaVert" wrap="square" rtlCol="0">
+            <a:spAutoFit/>
+          </a:bodyPr>
+          <a:lstStyle/>
+          <a:p>
+            <a:r>
+              <a:rPr lang="en-US" altLang="zh-CN" sz="6000" dirty="0"/>
+              <a:t>DATABASE</a:t>
+            </a:r>
+            <a:endParaRPr lang="en-US" sz="2000" dirty="0"/>
+          </a:p>
+        </p:txBody>
+      </p:sp>
+      <p:sp>
+        <p:nvSpPr>
+          <p:cNvPr id="39" name="Rectangle: Rounded Corners 38">
+            <a:extLst>
+              <a:ext uri="{FF2B5EF4-FFF2-40B4-BE49-F238E27FC236}">
+                <a16:creationId xmlns:a16="http://schemas.microsoft.com/office/drawing/2014/main" id="{DB6BFE6A-6F35-491F-A72A-DE13F3185CC1}"/>
+              </a:ext>
+            </a:extLst>
+          </p:cNvPr>
+          <p:cNvSpPr/>
+          <p:nvPr/>
+        </p:nvSpPr>
+        <p:spPr>
+          <a:xfrm>
+            <a:off x="8462862" y="1604866"/>
+            <a:ext cx="1250302" cy="659068"/>
+          </a:xfrm>
+          <a:prstGeom prst="roundRect">
+            <a:avLst/>
+          </a:prstGeom>
+        </p:spPr>
+        <p:style>
+          <a:lnRef idx="1">
+            <a:schemeClr val="accent6"/>
+          </a:lnRef>
+          <a:fillRef idx="2">
+            <a:schemeClr val="accent6"/>
+          </a:fillRef>
+          <a:effectRef idx="1">
+            <a:schemeClr val="accent6"/>
+          </a:effectRef>
+          <a:fontRef idx="minor">
+            <a:schemeClr val="dk1"/>
+          </a:fontRef>
+        </p:style>
+        <p:txBody>
+          <a:bodyPr rtlCol="0" anchor="ctr"/>
+          <a:lstStyle/>
+          <a:p>
+            <a:pPr algn="ctr"/>
+            <a:endParaRPr lang="en-US"/>
+          </a:p>
+        </p:txBody>
+      </p:sp>
+      <p:sp>
+        <p:nvSpPr>
+          <p:cNvPr id="40" name="TextBox 39">
+            <a:extLst>
+              <a:ext uri="{FF2B5EF4-FFF2-40B4-BE49-F238E27FC236}">
+                <a16:creationId xmlns:a16="http://schemas.microsoft.com/office/drawing/2014/main" id="{29BACA1E-688C-4CFD-8FB5-76C38C8980C2}"/>
+              </a:ext>
+            </a:extLst>
+          </p:cNvPr>
+          <p:cNvSpPr txBox="1"/>
+          <p:nvPr/>
+        </p:nvSpPr>
+        <p:spPr>
+          <a:xfrm>
+            <a:off x="8525402" y="1623083"/>
+            <a:ext cx="1125221" cy="615553"/>
+          </a:xfrm>
+          <a:prstGeom prst="rect">
+            <a:avLst/>
+          </a:prstGeom>
+          <a:noFill/>
+        </p:spPr>
+        <p:txBody>
+          <a:bodyPr wrap="square" rtlCol="0">
+            <a:spAutoFit/>
+          </a:bodyPr>
+          <a:lstStyle/>
+          <a:p>
+            <a:pPr algn="ctr"/>
+            <a:r>
+              <a:rPr lang="en-US" altLang="zh-CN" b="1" dirty="0"/>
+              <a:t>Entity</a:t>
+            </a:r>
+          </a:p>
+          <a:p>
+            <a:pPr algn="ctr"/>
+            <a:r>
+              <a:rPr lang="en-US" altLang="zh-CN" sz="1600" dirty="0"/>
+              <a:t>Java Object</a:t>
+            </a:r>
+          </a:p>
+        </p:txBody>
+      </p:sp>
+      <p:sp>
+        <p:nvSpPr>
+          <p:cNvPr id="41" name="Arrow: Right 40">
+            <a:extLst>
+              <a:ext uri="{FF2B5EF4-FFF2-40B4-BE49-F238E27FC236}">
+                <a16:creationId xmlns:a16="http://schemas.microsoft.com/office/drawing/2014/main" id="{05BEEDF0-BD10-4841-B57C-2B8CF927B7F6}"/>
+              </a:ext>
+            </a:extLst>
+          </p:cNvPr>
+          <p:cNvSpPr/>
+          <p:nvPr/>
+        </p:nvSpPr>
+        <p:spPr>
+          <a:xfrm>
+            <a:off x="2465700" y="3574409"/>
+            <a:ext cx="1570170" cy="290811"/>
+          </a:xfrm>
+          <a:prstGeom prst="rightArrow">
+            <a:avLst/>
+          </a:prstGeom>
+          <a:solidFill>
+            <a:schemeClr val="bg1">
+              <a:lumMod val="85000"/>
+            </a:schemeClr>
+          </a:solidFill>
+          <a:ln>
+            <a:noFill/>
+          </a:ln>
+        </p:spPr>
+        <p:style>
+          <a:lnRef idx="2">
+            <a:schemeClr val="accent1">
+              <a:shade val="50000"/>
+            </a:schemeClr>
+          </a:lnRef>
+          <a:fillRef idx="1">
+            <a:schemeClr val="accent1"/>
+          </a:fillRef>
+          <a:effectRef idx="0">
+            <a:schemeClr val="accent1"/>
+          </a:effectRef>
+          <a:fontRef idx="minor">
+            <a:schemeClr val="lt1"/>
+          </a:fontRef>
+        </p:style>
+        <p:txBody>
+          <a:bodyPr rtlCol="0" anchor="ctr"/>
+          <a:lstStyle/>
+          <a:p>
+            <a:pPr algn="ctr"/>
+            <a:endParaRPr lang="en-US"/>
+          </a:p>
+        </p:txBody>
+      </p:sp>
+      <p:sp>
+        <p:nvSpPr>
+          <p:cNvPr id="42" name="Arrow: Right 41">
+            <a:extLst>
+              <a:ext uri="{FF2B5EF4-FFF2-40B4-BE49-F238E27FC236}">
+                <a16:creationId xmlns:a16="http://schemas.microsoft.com/office/drawing/2014/main" id="{2CF6948B-2A0B-4CC8-8BD9-616B61857242}"/>
+              </a:ext>
+            </a:extLst>
+          </p:cNvPr>
+          <p:cNvSpPr/>
+          <p:nvPr/>
+        </p:nvSpPr>
+        <p:spPr>
+          <a:xfrm rot="10800000">
+            <a:off x="2458850" y="4145770"/>
+            <a:ext cx="1570170" cy="290811"/>
+          </a:xfrm>
+          <a:prstGeom prst="rightArrow">
+            <a:avLst/>
+          </a:prstGeom>
+          <a:solidFill>
+            <a:schemeClr val="bg1">
+              <a:lumMod val="85000"/>
+            </a:schemeClr>
+          </a:solidFill>
+          <a:ln>
+            <a:noFill/>
+          </a:ln>
+        </p:spPr>
+        <p:style>
+          <a:lnRef idx="2">
+            <a:schemeClr val="accent1">
+              <a:shade val="50000"/>
+            </a:schemeClr>
+          </a:lnRef>
+          <a:fillRef idx="1">
+            <a:schemeClr val="accent1"/>
+          </a:fillRef>
+          <a:effectRef idx="0">
+            <a:schemeClr val="accent1"/>
+          </a:effectRef>
+          <a:fontRef idx="minor">
+            <a:schemeClr val="lt1"/>
+          </a:fontRef>
+        </p:style>
+        <p:txBody>
+          <a:bodyPr rtlCol="0" anchor="ctr"/>
+          <a:lstStyle/>
+          <a:p>
+            <a:pPr algn="ctr"/>
+            <a:endParaRPr lang="en-US"/>
+          </a:p>
+        </p:txBody>
+      </p:sp>
+      <p:sp>
+        <p:nvSpPr>
+          <p:cNvPr id="43" name="Arrow: Right 42">
+            <a:extLst>
+              <a:ext uri="{FF2B5EF4-FFF2-40B4-BE49-F238E27FC236}">
+                <a16:creationId xmlns:a16="http://schemas.microsoft.com/office/drawing/2014/main" id="{4BB0A4BA-8FEB-46AC-B038-102D63E8681F}"/>
+              </a:ext>
+            </a:extLst>
+          </p:cNvPr>
+          <p:cNvSpPr/>
+          <p:nvPr/>
+        </p:nvSpPr>
+        <p:spPr>
+          <a:xfrm>
+            <a:off x="5774861" y="3602150"/>
+            <a:ext cx="1081962" cy="290811"/>
+          </a:xfrm>
+          <a:prstGeom prst="rightArrow">
+            <a:avLst/>
+          </a:prstGeom>
+          <a:solidFill>
+            <a:schemeClr val="bg1">
+              <a:lumMod val="85000"/>
+            </a:schemeClr>
+          </a:solidFill>
+          <a:ln>
+            <a:noFill/>
+          </a:ln>
+        </p:spPr>
+        <p:style>
+          <a:lnRef idx="2">
+            <a:schemeClr val="accent1">
+              <a:shade val="50000"/>
+            </a:schemeClr>
+          </a:lnRef>
+          <a:fillRef idx="1">
+            <a:schemeClr val="accent1"/>
+          </a:fillRef>
+          <a:effectRef idx="0">
+            <a:schemeClr val="accent1"/>
+          </a:effectRef>
+          <a:fontRef idx="minor">
+            <a:schemeClr val="lt1"/>
+          </a:fontRef>
+        </p:style>
+        <p:txBody>
+          <a:bodyPr rtlCol="0" anchor="ctr"/>
+          <a:lstStyle/>
+          <a:p>
+            <a:pPr algn="ctr"/>
+            <a:endParaRPr lang="en-US"/>
+          </a:p>
+        </p:txBody>
+      </p:sp>
+      <p:sp>
+        <p:nvSpPr>
+          <p:cNvPr id="44" name="Arrow: Right 43">
+            <a:extLst>
+              <a:ext uri="{FF2B5EF4-FFF2-40B4-BE49-F238E27FC236}">
+                <a16:creationId xmlns:a16="http://schemas.microsoft.com/office/drawing/2014/main" id="{DDFC34BF-1480-4B99-A7D5-A6F328A99573}"/>
+              </a:ext>
+            </a:extLst>
+          </p:cNvPr>
+          <p:cNvSpPr/>
+          <p:nvPr/>
+        </p:nvSpPr>
+        <p:spPr>
+          <a:xfrm rot="10800000">
+            <a:off x="5768011" y="4173510"/>
+            <a:ext cx="1081962" cy="290811"/>
+          </a:xfrm>
+          <a:prstGeom prst="rightArrow">
+            <a:avLst/>
+          </a:prstGeom>
+          <a:solidFill>
+            <a:schemeClr val="bg1">
+              <a:lumMod val="85000"/>
+            </a:schemeClr>
+          </a:solidFill>
+          <a:ln>
+            <a:noFill/>
+          </a:ln>
+        </p:spPr>
+        <p:style>
+          <a:lnRef idx="2">
+            <a:schemeClr val="accent1">
+              <a:shade val="50000"/>
+            </a:schemeClr>
+          </a:lnRef>
+          <a:fillRef idx="1">
+            <a:schemeClr val="accent1"/>
+          </a:fillRef>
+          <a:effectRef idx="0">
+            <a:schemeClr val="accent1"/>
+          </a:effectRef>
+          <a:fontRef idx="minor">
+            <a:schemeClr val="lt1"/>
+          </a:fontRef>
+        </p:style>
+        <p:txBody>
+          <a:bodyPr rtlCol="0" anchor="ctr"/>
+          <a:lstStyle/>
+          <a:p>
+            <a:pPr algn="ctr"/>
+            <a:endParaRPr lang="en-US"/>
+          </a:p>
+        </p:txBody>
+      </p:sp>
+      <p:sp>
+        <p:nvSpPr>
+          <p:cNvPr id="45" name="Arrow: Right 44">
+            <a:extLst>
+              <a:ext uri="{FF2B5EF4-FFF2-40B4-BE49-F238E27FC236}">
+                <a16:creationId xmlns:a16="http://schemas.microsoft.com/office/drawing/2014/main" id="{D34257B5-AF0D-443D-951F-D2969AAE95FF}"/>
+              </a:ext>
+            </a:extLst>
+          </p:cNvPr>
+          <p:cNvSpPr/>
+          <p:nvPr/>
+        </p:nvSpPr>
+        <p:spPr>
+          <a:xfrm>
+            <a:off x="9064920" y="3574409"/>
+            <a:ext cx="1723522" cy="290811"/>
+          </a:xfrm>
+          <a:prstGeom prst="rightArrow">
+            <a:avLst/>
+          </a:prstGeom>
+          <a:solidFill>
+            <a:schemeClr val="bg1">
+              <a:lumMod val="85000"/>
+            </a:schemeClr>
+          </a:solidFill>
+          <a:ln>
+            <a:noFill/>
+          </a:ln>
+        </p:spPr>
+        <p:style>
+          <a:lnRef idx="2">
+            <a:schemeClr val="accent1">
+              <a:shade val="50000"/>
+            </a:schemeClr>
+          </a:lnRef>
+          <a:fillRef idx="1">
+            <a:schemeClr val="accent1"/>
+          </a:fillRef>
+          <a:effectRef idx="0">
+            <a:schemeClr val="accent1"/>
+          </a:effectRef>
+          <a:fontRef idx="minor">
+            <a:schemeClr val="lt1"/>
+          </a:fontRef>
+        </p:style>
+        <p:txBody>
+          <a:bodyPr rtlCol="0" anchor="ctr"/>
+          <a:lstStyle/>
+          <a:p>
+            <a:pPr algn="ctr"/>
+            <a:endParaRPr lang="en-US"/>
+          </a:p>
+        </p:txBody>
+      </p:sp>
+      <p:sp>
+        <p:nvSpPr>
+          <p:cNvPr id="46" name="Arrow: Right 45">
+            <a:extLst>
+              <a:ext uri="{FF2B5EF4-FFF2-40B4-BE49-F238E27FC236}">
+                <a16:creationId xmlns:a16="http://schemas.microsoft.com/office/drawing/2014/main" id="{F4907A24-7BAB-4A85-AD30-5F74110AC7A0}"/>
+              </a:ext>
+            </a:extLst>
+          </p:cNvPr>
+          <p:cNvSpPr/>
+          <p:nvPr/>
+        </p:nvSpPr>
+        <p:spPr>
+          <a:xfrm rot="10800000">
+            <a:off x="9058070" y="4145769"/>
+            <a:ext cx="1723522" cy="290811"/>
+          </a:xfrm>
+          <a:prstGeom prst="rightArrow">
+            <a:avLst/>
+          </a:prstGeom>
+          <a:solidFill>
+            <a:schemeClr val="bg1">
+              <a:lumMod val="85000"/>
+            </a:schemeClr>
+          </a:solidFill>
+          <a:ln>
+            <a:noFill/>
+          </a:ln>
+        </p:spPr>
+        <p:style>
+          <a:lnRef idx="2">
+            <a:schemeClr val="accent1">
+              <a:shade val="50000"/>
+            </a:schemeClr>
+          </a:lnRef>
+          <a:fillRef idx="1">
+            <a:schemeClr val="accent1"/>
+          </a:fillRef>
+          <a:effectRef idx="0">
+            <a:schemeClr val="accent1"/>
+          </a:effectRef>
+          <a:fontRef idx="minor">
+            <a:schemeClr val="lt1"/>
+          </a:fontRef>
+        </p:style>
+        <p:txBody>
+          <a:bodyPr rtlCol="0" anchor="ctr"/>
+          <a:lstStyle/>
+          <a:p>
+            <a:pPr algn="ctr"/>
+            <a:endParaRPr lang="en-US"/>
+          </a:p>
+        </p:txBody>
+      </p:sp>
+      <p:sp>
+        <p:nvSpPr>
+          <p:cNvPr id="47" name="Arrow: Right 46">
+            <a:extLst>
+              <a:ext uri="{FF2B5EF4-FFF2-40B4-BE49-F238E27FC236}">
+                <a16:creationId xmlns:a16="http://schemas.microsoft.com/office/drawing/2014/main" id="{651F0F6A-F4F6-4ED7-BAA6-7385C23B03D9}"/>
+              </a:ext>
+            </a:extLst>
+          </p:cNvPr>
+          <p:cNvSpPr/>
+          <p:nvPr/>
+        </p:nvSpPr>
+        <p:spPr>
+          <a:xfrm rot="5400000">
+            <a:off x="645392" y="2575771"/>
+            <a:ext cx="1267809" cy="290811"/>
+          </a:xfrm>
+          <a:prstGeom prst="rightArrow">
+            <a:avLst/>
+          </a:prstGeom>
+          <a:solidFill>
+            <a:schemeClr val="bg1">
+              <a:lumMod val="85000"/>
+            </a:schemeClr>
+          </a:solidFill>
+          <a:ln>
+            <a:noFill/>
+          </a:ln>
+        </p:spPr>
+        <p:style>
+          <a:lnRef idx="2">
+            <a:schemeClr val="accent1">
+              <a:shade val="50000"/>
+            </a:schemeClr>
+          </a:lnRef>
+          <a:fillRef idx="1">
+            <a:schemeClr val="accent1"/>
+          </a:fillRef>
+          <a:effectRef idx="0">
+            <a:schemeClr val="accent1"/>
+          </a:effectRef>
+          <a:fontRef idx="minor">
+            <a:schemeClr val="lt1"/>
+          </a:fontRef>
+        </p:style>
+        <p:txBody>
+          <a:bodyPr rtlCol="0" anchor="ctr"/>
+          <a:lstStyle/>
+          <a:p>
+            <a:pPr algn="ctr"/>
+            <a:endParaRPr lang="en-US"/>
+          </a:p>
+        </p:txBody>
+      </p:sp>
+      <p:sp>
+        <p:nvSpPr>
+          <p:cNvPr id="48" name="Arrow: Right 47">
+            <a:extLst>
+              <a:ext uri="{FF2B5EF4-FFF2-40B4-BE49-F238E27FC236}">
+                <a16:creationId xmlns:a16="http://schemas.microsoft.com/office/drawing/2014/main" id="{DC99108B-E7E0-4AEF-94B4-61B3B94F92E6}"/>
+              </a:ext>
+            </a:extLst>
+          </p:cNvPr>
+          <p:cNvSpPr/>
+          <p:nvPr/>
+        </p:nvSpPr>
+        <p:spPr>
+          <a:xfrm rot="16200000">
+            <a:off x="1205385" y="2575770"/>
+            <a:ext cx="1267809" cy="290811"/>
+          </a:xfrm>
+          <a:prstGeom prst="rightArrow">
+            <a:avLst/>
+          </a:prstGeom>
+          <a:solidFill>
+            <a:schemeClr val="bg1">
+              <a:lumMod val="85000"/>
+            </a:schemeClr>
+          </a:solidFill>
+          <a:ln>
+            <a:noFill/>
+          </a:ln>
+        </p:spPr>
+        <p:style>
+          <a:lnRef idx="2">
+            <a:schemeClr val="accent1">
+              <a:shade val="50000"/>
+            </a:schemeClr>
+          </a:lnRef>
+          <a:fillRef idx="1">
+            <a:schemeClr val="accent1"/>
+          </a:fillRef>
+          <a:effectRef idx="0">
+            <a:schemeClr val="accent1"/>
+          </a:effectRef>
+          <a:fontRef idx="minor">
+            <a:schemeClr val="lt1"/>
+          </a:fontRef>
+        </p:style>
+        <p:txBody>
+          <a:bodyPr rtlCol="0" anchor="ctr"/>
+          <a:lstStyle/>
+          <a:p>
+            <a:pPr algn="ctr"/>
+            <a:endParaRPr lang="en-US"/>
+          </a:p>
+        </p:txBody>
+      </p:sp>
+      <p:sp>
+        <p:nvSpPr>
+          <p:cNvPr id="49" name="Arrow: Right 48">
+            <a:extLst>
+              <a:ext uri="{FF2B5EF4-FFF2-40B4-BE49-F238E27FC236}">
+                <a16:creationId xmlns:a16="http://schemas.microsoft.com/office/drawing/2014/main" id="{53B01F7E-79E2-44F4-9244-B866B030D6F9}"/>
+              </a:ext>
+            </a:extLst>
+          </p:cNvPr>
+          <p:cNvSpPr/>
+          <p:nvPr/>
+        </p:nvSpPr>
+        <p:spPr>
+          <a:xfrm rot="10800000">
+            <a:off x="2171407" y="1598074"/>
+            <a:ext cx="1369999" cy="290811"/>
+          </a:xfrm>
+          <a:prstGeom prst="rightArrow">
+            <a:avLst/>
+          </a:prstGeom>
+          <a:solidFill>
+            <a:schemeClr val="bg1">
+              <a:lumMod val="85000"/>
+            </a:schemeClr>
+          </a:solidFill>
+          <a:ln>
+            <a:noFill/>
+          </a:ln>
+        </p:spPr>
+        <p:style>
+          <a:lnRef idx="2">
+            <a:schemeClr val="accent1">
+              <a:shade val="50000"/>
+            </a:schemeClr>
+          </a:lnRef>
+          <a:fillRef idx="1">
+            <a:schemeClr val="accent1"/>
+          </a:fillRef>
+          <a:effectRef idx="0">
+            <a:schemeClr val="accent1"/>
+          </a:effectRef>
+          <a:fontRef idx="minor">
+            <a:schemeClr val="lt1"/>
+          </a:fontRef>
+        </p:style>
+        <p:txBody>
+          <a:bodyPr rtlCol="0" anchor="ctr"/>
+          <a:lstStyle/>
+          <a:p>
+            <a:pPr algn="ctr"/>
+            <a:endParaRPr lang="en-US"/>
+          </a:p>
+        </p:txBody>
+      </p:sp>
+      <p:sp>
+        <p:nvSpPr>
+          <p:cNvPr id="50" name="Arrow: Right 49">
+            <a:extLst>
+              <a:ext uri="{FF2B5EF4-FFF2-40B4-BE49-F238E27FC236}">
+                <a16:creationId xmlns:a16="http://schemas.microsoft.com/office/drawing/2014/main" id="{19B20F1B-9297-4AD6-A9CC-D9340644B07F}"/>
+              </a:ext>
+            </a:extLst>
+          </p:cNvPr>
+          <p:cNvSpPr/>
+          <p:nvPr/>
+        </p:nvSpPr>
+        <p:spPr>
+          <a:xfrm rot="16200000">
+            <a:off x="4435366" y="2759279"/>
+            <a:ext cx="909667" cy="290811"/>
+          </a:xfrm>
+          <a:prstGeom prst="rightArrow">
+            <a:avLst/>
+          </a:prstGeom>
+          <a:solidFill>
+            <a:schemeClr val="bg1">
+              <a:lumMod val="85000"/>
+            </a:schemeClr>
+          </a:solidFill>
+          <a:ln>
+            <a:noFill/>
+          </a:ln>
+        </p:spPr>
+        <p:style>
+          <a:lnRef idx="2">
+            <a:schemeClr val="accent1">
+              <a:shade val="50000"/>
+            </a:schemeClr>
+          </a:lnRef>
+          <a:fillRef idx="1">
+            <a:schemeClr val="accent1"/>
+          </a:fillRef>
+          <a:effectRef idx="0">
+            <a:schemeClr val="accent1"/>
+          </a:effectRef>
+          <a:fontRef idx="minor">
+            <a:schemeClr val="lt1"/>
+          </a:fontRef>
+        </p:style>
+        <p:txBody>
+          <a:bodyPr rtlCol="0" anchor="ctr"/>
+          <a:lstStyle/>
+          <a:p>
+            <a:pPr algn="ctr"/>
+            <a:endParaRPr lang="en-US"/>
+          </a:p>
+        </p:txBody>
+      </p:sp>
+      <p:sp>
+        <p:nvSpPr>
+          <p:cNvPr id="51" name="Arrow: Right 50">
+            <a:extLst>
+              <a:ext uri="{FF2B5EF4-FFF2-40B4-BE49-F238E27FC236}">
+                <a16:creationId xmlns:a16="http://schemas.microsoft.com/office/drawing/2014/main" id="{D4ACD21B-723A-4AF0-B0F1-639F36F02859}"/>
+              </a:ext>
+            </a:extLst>
+          </p:cNvPr>
+          <p:cNvSpPr/>
+          <p:nvPr/>
+        </p:nvSpPr>
+        <p:spPr>
+          <a:xfrm rot="5400000">
+            <a:off x="4491603" y="4926481"/>
+            <a:ext cx="832772" cy="290811"/>
+          </a:xfrm>
+          <a:prstGeom prst="rightArrow">
+            <a:avLst/>
+          </a:prstGeom>
+          <a:solidFill>
+            <a:schemeClr val="bg1">
+              <a:lumMod val="85000"/>
+            </a:schemeClr>
+          </a:solidFill>
+          <a:ln>
+            <a:noFill/>
+          </a:ln>
+        </p:spPr>
+        <p:style>
+          <a:lnRef idx="2">
+            <a:schemeClr val="accent1">
+              <a:shade val="50000"/>
+            </a:schemeClr>
+          </a:lnRef>
+          <a:fillRef idx="1">
+            <a:schemeClr val="accent1"/>
+          </a:fillRef>
+          <a:effectRef idx="0">
+            <a:schemeClr val="accent1"/>
+          </a:effectRef>
+          <a:fontRef idx="minor">
+            <a:schemeClr val="lt1"/>
+          </a:fontRef>
+        </p:style>
+        <p:txBody>
+          <a:bodyPr rtlCol="0" anchor="ctr"/>
+          <a:lstStyle/>
+          <a:p>
+            <a:pPr algn="ctr"/>
+            <a:endParaRPr lang="en-US"/>
+          </a:p>
+        </p:txBody>
+      </p:sp>
+      <p:sp>
+        <p:nvSpPr>
+          <p:cNvPr id="54" name="Arrow: Bent-Up 53">
+            <a:extLst>
+              <a:ext uri="{FF2B5EF4-FFF2-40B4-BE49-F238E27FC236}">
+                <a16:creationId xmlns:a16="http://schemas.microsoft.com/office/drawing/2014/main" id="{FF5EC99D-613D-4733-8B30-419D05F04646}"/>
+              </a:ext>
+            </a:extLst>
+          </p:cNvPr>
+          <p:cNvSpPr/>
+          <p:nvPr/>
+        </p:nvSpPr>
+        <p:spPr>
+          <a:xfrm flipH="1">
+            <a:off x="1315615" y="4725072"/>
+            <a:ext cx="2581504" cy="1397033"/>
+          </a:xfrm>
+          <a:prstGeom prst="bentUpArrow">
+            <a:avLst>
+              <a:gd name="adj1" fmla="val 12008"/>
+              <a:gd name="adj2" fmla="val 12313"/>
+              <a:gd name="adj3" fmla="val 11951"/>
+            </a:avLst>
+          </a:prstGeom>
+          <a:solidFill>
+            <a:schemeClr val="bg1">
+              <a:lumMod val="85000"/>
+            </a:schemeClr>
+          </a:solidFill>
+          <a:ln>
+            <a:noFill/>
+          </a:ln>
+        </p:spPr>
+        <p:style>
+          <a:lnRef idx="2">
+            <a:schemeClr val="accent1">
+              <a:shade val="50000"/>
+            </a:schemeClr>
+          </a:lnRef>
+          <a:fillRef idx="1">
+            <a:schemeClr val="accent1"/>
+          </a:fillRef>
+          <a:effectRef idx="0">
+            <a:schemeClr val="accent1"/>
+          </a:effectRef>
+          <a:fontRef idx="minor">
+            <a:schemeClr val="lt1"/>
+          </a:fontRef>
+        </p:style>
+        <p:txBody>
+          <a:bodyPr rtlCol="0" anchor="ctr"/>
+          <a:lstStyle/>
+          <a:p>
+            <a:pPr algn="ctr"/>
+            <a:endParaRPr lang="en-US"/>
+          </a:p>
+        </p:txBody>
+      </p:sp>
+      <p:sp>
+        <p:nvSpPr>
+          <p:cNvPr id="55" name="Arrow: Bent-Up 54">
+            <a:extLst>
+              <a:ext uri="{FF2B5EF4-FFF2-40B4-BE49-F238E27FC236}">
+                <a16:creationId xmlns:a16="http://schemas.microsoft.com/office/drawing/2014/main" id="{D9D24657-17A7-4A33-9DB4-BC4B9B9E360F}"/>
+              </a:ext>
+            </a:extLst>
+          </p:cNvPr>
+          <p:cNvSpPr/>
+          <p:nvPr/>
+        </p:nvSpPr>
+        <p:spPr>
+          <a:xfrm rot="5400000" flipH="1">
+            <a:off x="7282571" y="2281703"/>
+            <a:ext cx="1567882" cy="624753"/>
+          </a:xfrm>
+          <a:prstGeom prst="bentUpArrow">
+            <a:avLst>
+              <a:gd name="adj1" fmla="val 22462"/>
+              <a:gd name="adj2" fmla="val 19780"/>
+              <a:gd name="adj3" fmla="val 14938"/>
+            </a:avLst>
+          </a:prstGeom>
+          <a:solidFill>
+            <a:schemeClr val="bg1">
+              <a:lumMod val="85000"/>
+            </a:schemeClr>
+          </a:solidFill>
+          <a:ln>
+            <a:noFill/>
+          </a:ln>
+        </p:spPr>
+        <p:style>
+          <a:lnRef idx="2">
+            <a:schemeClr val="accent1">
+              <a:shade val="50000"/>
+            </a:schemeClr>
+          </a:lnRef>
+          <a:fillRef idx="1">
+            <a:schemeClr val="accent1"/>
+          </a:fillRef>
+          <a:effectRef idx="0">
+            <a:schemeClr val="accent1"/>
+          </a:effectRef>
+          <a:fontRef idx="minor">
+            <a:schemeClr val="lt1"/>
+          </a:fontRef>
+        </p:style>
+        <p:txBody>
+          <a:bodyPr rtlCol="0" anchor="ctr"/>
+          <a:lstStyle/>
+          <a:p>
+            <a:pPr algn="ctr"/>
+            <a:endParaRPr lang="en-US"/>
+          </a:p>
+        </p:txBody>
+      </p:sp>
+      <p:sp>
+        <p:nvSpPr>
+          <p:cNvPr id="56" name="Arrow: Right 55">
+            <a:extLst>
+              <a:ext uri="{FF2B5EF4-FFF2-40B4-BE49-F238E27FC236}">
+                <a16:creationId xmlns:a16="http://schemas.microsoft.com/office/drawing/2014/main" id="{396EC947-7974-4F27-994A-3F663A792BB2}"/>
+              </a:ext>
+            </a:extLst>
+          </p:cNvPr>
+          <p:cNvSpPr/>
+          <p:nvPr/>
+        </p:nvSpPr>
+        <p:spPr>
+          <a:xfrm>
+            <a:off x="9746891" y="1812485"/>
+            <a:ext cx="1034701" cy="290811"/>
+          </a:xfrm>
+          <a:prstGeom prst="rightArrow">
+            <a:avLst/>
+          </a:prstGeom>
+          <a:solidFill>
+            <a:schemeClr val="bg1">
+              <a:lumMod val="85000"/>
+            </a:schemeClr>
+          </a:solidFill>
+          <a:ln>
+            <a:noFill/>
+          </a:ln>
+        </p:spPr>
+        <p:style>
+          <a:lnRef idx="2">
+            <a:schemeClr val="accent1">
+              <a:shade val="50000"/>
+            </a:schemeClr>
+          </a:lnRef>
+          <a:fillRef idx="1">
+            <a:schemeClr val="accent1"/>
+          </a:fillRef>
+          <a:effectRef idx="0">
+            <a:schemeClr val="accent1"/>
+          </a:effectRef>
+          <a:fontRef idx="minor">
+            <a:schemeClr val="lt1"/>
+          </a:fontRef>
+        </p:style>
+        <p:txBody>
+          <a:bodyPr rtlCol="0" anchor="ctr"/>
+          <a:lstStyle/>
+          <a:p>
+            <a:pPr algn="ctr"/>
+            <a:endParaRPr lang="en-US"/>
+          </a:p>
+        </p:txBody>
+      </p:sp>
+    </p:spTree>
+    <p:extLst>
+      <p:ext uri="{BB962C8B-B14F-4D97-AF65-F5344CB8AC3E}">
+        <p14:creationId xmlns:p14="http://schemas.microsoft.com/office/powerpoint/2010/main" val="1792679958"/>
+      </p:ext>
+    </p:extLst>
+  </p:cSld>
+  <p:clrMapOvr>
+    <a:masterClrMapping/>
+  </p:clrMapOvr>
+</p:sld>
+</file>
+
+<file path=ppt/slides/slide4.xml><?xml version="1.0" encoding="utf-8"?>
+<p:sld xmlns:a="http://schemas.openxmlformats.org/drawingml/2006/main" xmlns:r="http://schemas.openxmlformats.org/officeDocument/2006/relationships" xmlns:p="http://schemas.openxmlformats.org/presentationml/2006/main">
+  <p:cSld>
+    <p:spTree>
+      <p:nvGrpSpPr>
+        <p:cNvPr id="1" name=""/>
+        <p:cNvGrpSpPr/>
+        <p:nvPr/>
+      </p:nvGrpSpPr>
+      <p:grpSpPr>
+        <a:xfrm>
+          <a:off x="0" y="0"/>
+          <a:ext cx="0" cy="0"/>
+          <a:chOff x="0" y="0"/>
+          <a:chExt cx="0" cy="0"/>
+        </a:xfrm>
+      </p:grpSpPr>
+      <p:sp>
+        <p:nvSpPr>
           <p:cNvPr id="4" name="TextBox 3">
             <a:extLst>
               <a:ext uri="{FF2B5EF4-FFF2-40B4-BE49-F238E27FC236}">
@@ -5996,7 +7525,7 @@
 </p:sld>
 </file>
 
-<file path=ppt/slides/slide4.xml><?xml version="1.0" encoding="utf-8"?>
+<file path=ppt/slides/slide5.xml><?xml version="1.0" encoding="utf-8"?>
 <p:sld xmlns:a="http://schemas.openxmlformats.org/drawingml/2006/main" xmlns:r="http://schemas.openxmlformats.org/officeDocument/2006/relationships" xmlns:p="http://schemas.openxmlformats.org/presentationml/2006/main">
   <p:cSld>
     <p:spTree>
@@ -7870,7 +9399,7 @@
 </p:sld>
 </file>
 
-<file path=ppt/slides/slide5.xml><?xml version="1.0" encoding="utf-8"?>
+<file path=ppt/slides/slide6.xml><?xml version="1.0" encoding="utf-8"?>
 <p:sld xmlns:a="http://schemas.openxmlformats.org/drawingml/2006/main" xmlns:r="http://schemas.openxmlformats.org/officeDocument/2006/relationships" xmlns:p="http://schemas.openxmlformats.org/presentationml/2006/main">
   <p:cSld>
     <p:spTree>

--- a/TechPresentation.pptx
+++ b/TechPresentation.pptx
@@ -4338,6 +4338,7 @@
           <a:prstGeom prst="rect">
             <a:avLst/>
           </a:prstGeom>
+          <a:ln w="38100"/>
         </p:spPr>
         <p:style>
           <a:lnRef idx="2">
@@ -4384,6 +4385,7 @@
           <a:prstGeom prst="rect">
             <a:avLst/>
           </a:prstGeom>
+          <a:ln w="38100"/>
         </p:spPr>
         <p:style>
           <a:lnRef idx="2">
@@ -4465,6 +4467,7 @@
           <a:prstGeom prst="roundRect">
             <a:avLst/>
           </a:prstGeom>
+          <a:ln w="38100"/>
         </p:spPr>
         <p:style>
           <a:lnRef idx="1">
@@ -4552,6 +4555,7 @@
           <a:prstGeom prst="roundRect">
             <a:avLst/>
           </a:prstGeom>
+          <a:ln w="38100"/>
         </p:spPr>
         <p:style>
           <a:lnRef idx="1">
@@ -4736,6 +4740,7 @@
           <a:prstGeom prst="roundRect">
             <a:avLst/>
           </a:prstGeom>
+          <a:ln w="38100"/>
         </p:spPr>
         <p:style>
           <a:lnRef idx="1">
@@ -4823,6 +4828,7 @@
           <a:prstGeom prst="roundRect">
             <a:avLst/>
           </a:prstGeom>
+          <a:ln w="38100"/>
         </p:spPr>
         <p:style>
           <a:lnRef idx="2">
@@ -4905,6 +4911,7 @@
           <a:prstGeom prst="roundRect">
             <a:avLst/>
           </a:prstGeom>
+          <a:ln w="38100"/>
         </p:spPr>
         <p:style>
           <a:lnRef idx="1">
@@ -4985,6 +4992,7 @@
           <a:prstGeom prst="roundRect">
             <a:avLst/>
           </a:prstGeom>
+          <a:ln w="38100"/>
         </p:spPr>
         <p:style>
           <a:lnRef idx="1">
@@ -5606,8 +5614,8 @@
         </p:nvSpPr>
         <p:spPr>
           <a:xfrm rot="5400000">
-            <a:off x="4491603" y="4926481"/>
-            <a:ext cx="832772" cy="290811"/>
+            <a:off x="4516350" y="4901732"/>
+            <a:ext cx="783274" cy="290811"/>
           </a:xfrm>
           <a:prstGeom prst="rightArrow">
             <a:avLst/>
@@ -5813,6 +5821,534 @@
           <a:p>
             <a:pPr algn="ctr"/>
             <a:endParaRPr lang="en-US"/>
+          </a:p>
+        </p:txBody>
+      </p:sp>
+      <p:sp>
+        <p:nvSpPr>
+          <p:cNvPr id="3" name="TextBox 2">
+            <a:extLst>
+              <a:ext uri="{FF2B5EF4-FFF2-40B4-BE49-F238E27FC236}">
+                <a16:creationId xmlns:a16="http://schemas.microsoft.com/office/drawing/2014/main" id="{3DF80623-79AA-4991-B7B9-C9B4DFE62E59}"/>
+              </a:ext>
+            </a:extLst>
+          </p:cNvPr>
+          <p:cNvSpPr txBox="1"/>
+          <p:nvPr/>
+        </p:nvSpPr>
+        <p:spPr>
+          <a:xfrm>
+            <a:off x="466356" y="2508471"/>
+            <a:ext cx="812940" cy="307777"/>
+          </a:xfrm>
+          <a:prstGeom prst="rect">
+            <a:avLst/>
+          </a:prstGeom>
+          <a:noFill/>
+        </p:spPr>
+        <p:txBody>
+          <a:bodyPr wrap="square" rtlCol="0">
+            <a:spAutoFit/>
+          </a:bodyPr>
+          <a:lstStyle/>
+          <a:p>
+            <a:pPr algn="ctr"/>
+            <a:r>
+              <a:rPr lang="en-US" altLang="zh-CN" sz="1400" dirty="0"/>
+              <a:t>Request</a:t>
+            </a:r>
+            <a:endParaRPr lang="en-US" sz="1400" dirty="0"/>
+          </a:p>
+        </p:txBody>
+      </p:sp>
+      <p:sp>
+        <p:nvSpPr>
+          <p:cNvPr id="52" name="TextBox 51">
+            <a:extLst>
+              <a:ext uri="{FF2B5EF4-FFF2-40B4-BE49-F238E27FC236}">
+                <a16:creationId xmlns:a16="http://schemas.microsoft.com/office/drawing/2014/main" id="{2D3C3C46-88FB-4524-A716-BFA59193B1E7}"/>
+              </a:ext>
+            </a:extLst>
+          </p:cNvPr>
+          <p:cNvSpPr txBox="1"/>
+          <p:nvPr/>
+        </p:nvSpPr>
+        <p:spPr>
+          <a:xfrm>
+            <a:off x="1907439" y="2509275"/>
+            <a:ext cx="897312" cy="307777"/>
+          </a:xfrm>
+          <a:prstGeom prst="rect">
+            <a:avLst/>
+          </a:prstGeom>
+          <a:noFill/>
+        </p:spPr>
+        <p:txBody>
+          <a:bodyPr wrap="square" rtlCol="0">
+            <a:spAutoFit/>
+          </a:bodyPr>
+          <a:lstStyle/>
+          <a:p>
+            <a:pPr algn="ctr"/>
+            <a:r>
+              <a:rPr lang="en-US" altLang="zh-CN" sz="1400" dirty="0"/>
+              <a:t>Response</a:t>
+            </a:r>
+            <a:endParaRPr lang="en-US" sz="1400" dirty="0"/>
+          </a:p>
+        </p:txBody>
+      </p:sp>
+      <p:sp>
+        <p:nvSpPr>
+          <p:cNvPr id="53" name="TextBox 52">
+            <a:extLst>
+              <a:ext uri="{FF2B5EF4-FFF2-40B4-BE49-F238E27FC236}">
+                <a16:creationId xmlns:a16="http://schemas.microsoft.com/office/drawing/2014/main" id="{74B216CF-D217-4612-80D4-556961651F9B}"/>
+              </a:ext>
+            </a:extLst>
+          </p:cNvPr>
+          <p:cNvSpPr txBox="1"/>
+          <p:nvPr/>
+        </p:nvSpPr>
+        <p:spPr>
+          <a:xfrm>
+            <a:off x="2010193" y="5670953"/>
+            <a:ext cx="897312" cy="307777"/>
+          </a:xfrm>
+          <a:prstGeom prst="rect">
+            <a:avLst/>
+          </a:prstGeom>
+          <a:noFill/>
+        </p:spPr>
+        <p:txBody>
+          <a:bodyPr wrap="square" rtlCol="0">
+            <a:spAutoFit/>
+          </a:bodyPr>
+          <a:lstStyle/>
+          <a:p>
+            <a:pPr algn="ctr"/>
+            <a:r>
+              <a:rPr lang="en-US" altLang="zh-CN" sz="1400" dirty="0"/>
+              <a:t>Error</a:t>
+            </a:r>
+            <a:endParaRPr lang="en-US" sz="1400" dirty="0"/>
+          </a:p>
+        </p:txBody>
+      </p:sp>
+      <p:sp>
+        <p:nvSpPr>
+          <p:cNvPr id="57" name="TextBox 56">
+            <a:extLst>
+              <a:ext uri="{FF2B5EF4-FFF2-40B4-BE49-F238E27FC236}">
+                <a16:creationId xmlns:a16="http://schemas.microsoft.com/office/drawing/2014/main" id="{0EBEBE43-D252-4C3C-AF79-7E236D5A1359}"/>
+              </a:ext>
+            </a:extLst>
+          </p:cNvPr>
+          <p:cNvSpPr txBox="1"/>
+          <p:nvPr/>
+        </p:nvSpPr>
+        <p:spPr>
+          <a:xfrm>
+            <a:off x="2654772" y="1371592"/>
+            <a:ext cx="572936" cy="307777"/>
+          </a:xfrm>
+          <a:prstGeom prst="rect">
+            <a:avLst/>
+          </a:prstGeom>
+          <a:noFill/>
+        </p:spPr>
+        <p:txBody>
+          <a:bodyPr wrap="square" rtlCol="0">
+            <a:spAutoFit/>
+          </a:bodyPr>
+          <a:lstStyle/>
+          <a:p>
+            <a:pPr algn="ctr"/>
+            <a:r>
+              <a:rPr lang="en-US" altLang="zh-CN" sz="1400" dirty="0"/>
+              <a:t>Error</a:t>
+            </a:r>
+            <a:endParaRPr lang="en-US" sz="1400" dirty="0"/>
+          </a:p>
+        </p:txBody>
+      </p:sp>
+      <p:sp>
+        <p:nvSpPr>
+          <p:cNvPr id="58" name="TextBox 57">
+            <a:extLst>
+              <a:ext uri="{FF2B5EF4-FFF2-40B4-BE49-F238E27FC236}">
+                <a16:creationId xmlns:a16="http://schemas.microsoft.com/office/drawing/2014/main" id="{B32F9588-711B-416F-BD8E-2435D02397E3}"/>
+              </a:ext>
+            </a:extLst>
+          </p:cNvPr>
+          <p:cNvSpPr txBox="1"/>
+          <p:nvPr/>
+        </p:nvSpPr>
+        <p:spPr>
+          <a:xfrm>
+            <a:off x="2675483" y="3355080"/>
+            <a:ext cx="1129003" cy="307777"/>
+          </a:xfrm>
+          <a:prstGeom prst="rect">
+            <a:avLst/>
+          </a:prstGeom>
+          <a:noFill/>
+        </p:spPr>
+        <p:txBody>
+          <a:bodyPr wrap="square" rtlCol="0">
+            <a:spAutoFit/>
+          </a:bodyPr>
+          <a:lstStyle/>
+          <a:p>
+            <a:pPr algn="ctr"/>
+            <a:r>
+              <a:rPr lang="en-US" altLang="zh-CN" sz="1400" dirty="0"/>
+              <a:t>Calling APIs</a:t>
+            </a:r>
+            <a:endParaRPr lang="en-US" sz="1400" dirty="0"/>
+          </a:p>
+        </p:txBody>
+      </p:sp>
+      <p:sp>
+        <p:nvSpPr>
+          <p:cNvPr id="59" name="TextBox 58">
+            <a:extLst>
+              <a:ext uri="{FF2B5EF4-FFF2-40B4-BE49-F238E27FC236}">
+                <a16:creationId xmlns:a16="http://schemas.microsoft.com/office/drawing/2014/main" id="{B0D8921E-8349-4990-A0B2-36F40B041D08}"/>
+              </a:ext>
+            </a:extLst>
+          </p:cNvPr>
+          <p:cNvSpPr txBox="1"/>
+          <p:nvPr/>
+        </p:nvSpPr>
+        <p:spPr>
+          <a:xfrm>
+            <a:off x="5703644" y="3387259"/>
+            <a:ext cx="1129003" cy="307777"/>
+          </a:xfrm>
+          <a:prstGeom prst="rect">
+            <a:avLst/>
+          </a:prstGeom>
+          <a:noFill/>
+        </p:spPr>
+        <p:txBody>
+          <a:bodyPr wrap="square" rtlCol="0">
+            <a:spAutoFit/>
+          </a:bodyPr>
+          <a:lstStyle/>
+          <a:p>
+            <a:pPr algn="ctr"/>
+            <a:r>
+              <a:rPr lang="en-US" altLang="zh-CN" sz="1400" dirty="0"/>
+              <a:t>Calling APIs</a:t>
+            </a:r>
+            <a:endParaRPr lang="en-US" sz="1400" dirty="0"/>
+          </a:p>
+        </p:txBody>
+      </p:sp>
+      <p:sp>
+        <p:nvSpPr>
+          <p:cNvPr id="60" name="TextBox 59">
+            <a:extLst>
+              <a:ext uri="{FF2B5EF4-FFF2-40B4-BE49-F238E27FC236}">
+                <a16:creationId xmlns:a16="http://schemas.microsoft.com/office/drawing/2014/main" id="{D06C3C52-56D5-4D58-A5FD-ACB338A01A5A}"/>
+              </a:ext>
+            </a:extLst>
+          </p:cNvPr>
+          <p:cNvSpPr txBox="1"/>
+          <p:nvPr/>
+        </p:nvSpPr>
+        <p:spPr>
+          <a:xfrm>
+            <a:off x="4375032" y="2776503"/>
+            <a:ext cx="1085195" cy="307777"/>
+          </a:xfrm>
+          <a:prstGeom prst="rect">
+            <a:avLst/>
+          </a:prstGeom>
+          <a:noFill/>
+        </p:spPr>
+        <p:txBody>
+          <a:bodyPr wrap="square" rtlCol="0">
+            <a:spAutoFit/>
+          </a:bodyPr>
+          <a:lstStyle/>
+          <a:p>
+            <a:pPr algn="ctr"/>
+            <a:r>
+              <a:rPr lang="en-US" altLang="zh-CN" sz="1400" dirty="0"/>
+              <a:t>Exceptions</a:t>
+            </a:r>
+            <a:endParaRPr lang="en-US" sz="1400" dirty="0"/>
+          </a:p>
+        </p:txBody>
+      </p:sp>
+      <p:sp>
+        <p:nvSpPr>
+          <p:cNvPr id="63" name="TextBox 62">
+            <a:extLst>
+              <a:ext uri="{FF2B5EF4-FFF2-40B4-BE49-F238E27FC236}">
+                <a16:creationId xmlns:a16="http://schemas.microsoft.com/office/drawing/2014/main" id="{F2199B9E-B3AE-4C60-B587-CC50F58400C0}"/>
+              </a:ext>
+            </a:extLst>
+          </p:cNvPr>
+          <p:cNvSpPr txBox="1"/>
+          <p:nvPr/>
+        </p:nvSpPr>
+        <p:spPr>
+          <a:xfrm>
+            <a:off x="6029995" y="4371435"/>
+            <a:ext cx="679994" cy="307777"/>
+          </a:xfrm>
+          <a:prstGeom prst="rect">
+            <a:avLst/>
+          </a:prstGeom>
+          <a:noFill/>
+        </p:spPr>
+        <p:txBody>
+          <a:bodyPr wrap="square" rtlCol="0">
+            <a:spAutoFit/>
+          </a:bodyPr>
+          <a:lstStyle/>
+          <a:p>
+            <a:pPr algn="ctr"/>
+            <a:r>
+              <a:rPr lang="en-US" altLang="zh-CN" sz="1400" dirty="0"/>
+              <a:t>Object</a:t>
+            </a:r>
+            <a:endParaRPr lang="en-US" sz="1400" dirty="0"/>
+          </a:p>
+        </p:txBody>
+      </p:sp>
+      <p:sp>
+        <p:nvSpPr>
+          <p:cNvPr id="64" name="TextBox 63">
+            <a:extLst>
+              <a:ext uri="{FF2B5EF4-FFF2-40B4-BE49-F238E27FC236}">
+                <a16:creationId xmlns:a16="http://schemas.microsoft.com/office/drawing/2014/main" id="{5894E3C5-DA9B-45BC-A623-B74FB596580C}"/>
+              </a:ext>
+            </a:extLst>
+          </p:cNvPr>
+          <p:cNvSpPr txBox="1"/>
+          <p:nvPr/>
+        </p:nvSpPr>
+        <p:spPr>
+          <a:xfrm>
+            <a:off x="9654070" y="4332916"/>
+            <a:ext cx="572936" cy="307777"/>
+          </a:xfrm>
+          <a:prstGeom prst="rect">
+            <a:avLst/>
+          </a:prstGeom>
+          <a:noFill/>
+        </p:spPr>
+        <p:txBody>
+          <a:bodyPr wrap="square" rtlCol="0">
+            <a:spAutoFit/>
+          </a:bodyPr>
+          <a:lstStyle/>
+          <a:p>
+            <a:pPr algn="ctr"/>
+            <a:r>
+              <a:rPr lang="en-US" altLang="zh-CN" sz="1400" dirty="0"/>
+              <a:t>Data</a:t>
+            </a:r>
+            <a:endParaRPr lang="en-US" sz="1400" dirty="0"/>
+          </a:p>
+        </p:txBody>
+      </p:sp>
+      <p:sp>
+        <p:nvSpPr>
+          <p:cNvPr id="65" name="TextBox 64">
+            <a:extLst>
+              <a:ext uri="{FF2B5EF4-FFF2-40B4-BE49-F238E27FC236}">
+                <a16:creationId xmlns:a16="http://schemas.microsoft.com/office/drawing/2014/main" id="{E8B52469-4473-4C95-9004-B4A5901DC2E6}"/>
+              </a:ext>
+            </a:extLst>
+          </p:cNvPr>
+          <p:cNvSpPr txBox="1"/>
+          <p:nvPr/>
+        </p:nvSpPr>
+        <p:spPr>
+          <a:xfrm>
+            <a:off x="2887402" y="4358667"/>
+            <a:ext cx="679994" cy="307777"/>
+          </a:xfrm>
+          <a:prstGeom prst="rect">
+            <a:avLst/>
+          </a:prstGeom>
+          <a:noFill/>
+        </p:spPr>
+        <p:txBody>
+          <a:bodyPr wrap="square" rtlCol="0">
+            <a:spAutoFit/>
+          </a:bodyPr>
+          <a:lstStyle/>
+          <a:p>
+            <a:pPr algn="ctr"/>
+            <a:r>
+              <a:rPr lang="en-US" altLang="zh-CN" sz="1400" dirty="0"/>
+              <a:t>Object</a:t>
+            </a:r>
+            <a:endParaRPr lang="en-US" sz="1400" dirty="0"/>
+          </a:p>
+        </p:txBody>
+      </p:sp>
+      <p:sp>
+        <p:nvSpPr>
+          <p:cNvPr id="66" name="TextBox 65">
+            <a:extLst>
+              <a:ext uri="{FF2B5EF4-FFF2-40B4-BE49-F238E27FC236}">
+                <a16:creationId xmlns:a16="http://schemas.microsoft.com/office/drawing/2014/main" id="{58A33355-CE61-4B4B-B2D8-4FC2F5F45F62}"/>
+              </a:ext>
+            </a:extLst>
+          </p:cNvPr>
+          <p:cNvSpPr txBox="1"/>
+          <p:nvPr/>
+        </p:nvSpPr>
+        <p:spPr>
+          <a:xfrm>
+            <a:off x="7076805" y="2475401"/>
+            <a:ext cx="679994" cy="307777"/>
+          </a:xfrm>
+          <a:prstGeom prst="rect">
+            <a:avLst/>
+          </a:prstGeom>
+          <a:noFill/>
+        </p:spPr>
+        <p:txBody>
+          <a:bodyPr wrap="square" rtlCol="0">
+            <a:spAutoFit/>
+          </a:bodyPr>
+          <a:lstStyle/>
+          <a:p>
+            <a:pPr algn="ctr"/>
+            <a:r>
+              <a:rPr lang="en-US" altLang="zh-CN" sz="1400" dirty="0"/>
+              <a:t>Map</a:t>
+            </a:r>
+            <a:endParaRPr lang="en-US" sz="1400" dirty="0"/>
+          </a:p>
+        </p:txBody>
+      </p:sp>
+      <p:sp>
+        <p:nvSpPr>
+          <p:cNvPr id="67" name="TextBox 66">
+            <a:extLst>
+              <a:ext uri="{FF2B5EF4-FFF2-40B4-BE49-F238E27FC236}">
+                <a16:creationId xmlns:a16="http://schemas.microsoft.com/office/drawing/2014/main" id="{BA2A7DC5-F4B6-4CDC-AA7C-ED24A9219977}"/>
+              </a:ext>
+            </a:extLst>
+          </p:cNvPr>
+          <p:cNvSpPr txBox="1"/>
+          <p:nvPr/>
+        </p:nvSpPr>
+        <p:spPr>
+          <a:xfrm>
+            <a:off x="9890077" y="1581108"/>
+            <a:ext cx="679994" cy="307777"/>
+          </a:xfrm>
+          <a:prstGeom prst="rect">
+            <a:avLst/>
+          </a:prstGeom>
+          <a:noFill/>
+        </p:spPr>
+        <p:txBody>
+          <a:bodyPr wrap="square" rtlCol="0">
+            <a:spAutoFit/>
+          </a:bodyPr>
+          <a:lstStyle/>
+          <a:p>
+            <a:pPr algn="ctr"/>
+            <a:r>
+              <a:rPr lang="en-US" altLang="zh-CN" sz="1400" dirty="0"/>
+              <a:t>To</a:t>
+            </a:r>
+            <a:endParaRPr lang="en-US" sz="1400" dirty="0"/>
+          </a:p>
+        </p:txBody>
+      </p:sp>
+      <p:sp>
+        <p:nvSpPr>
+          <p:cNvPr id="68" name="TextBox 67">
+            <a:extLst>
+              <a:ext uri="{FF2B5EF4-FFF2-40B4-BE49-F238E27FC236}">
+                <a16:creationId xmlns:a16="http://schemas.microsoft.com/office/drawing/2014/main" id="{85404C32-2364-4919-9075-4206ADAB365F}"/>
+              </a:ext>
+            </a:extLst>
+          </p:cNvPr>
+          <p:cNvSpPr txBox="1"/>
+          <p:nvPr/>
+        </p:nvSpPr>
+        <p:spPr>
+          <a:xfrm>
+            <a:off x="9531938" y="2985748"/>
+            <a:ext cx="825353" cy="738664"/>
+          </a:xfrm>
+          <a:prstGeom prst="rect">
+            <a:avLst/>
+          </a:prstGeom>
+          <a:noFill/>
+        </p:spPr>
+        <p:txBody>
+          <a:bodyPr wrap="square" rtlCol="0">
+            <a:spAutoFit/>
+          </a:bodyPr>
+          <a:lstStyle/>
+          <a:p>
+            <a:r>
+              <a:rPr lang="en-US" altLang="zh-CN" sz="1400" dirty="0"/>
+              <a:t>- Insert</a:t>
+            </a:r>
+          </a:p>
+          <a:p>
+            <a:r>
+              <a:rPr lang="en-US" sz="1400" dirty="0"/>
+              <a:t>- Update</a:t>
+            </a:r>
+          </a:p>
+          <a:p>
+            <a:r>
+              <a:rPr lang="en-US" sz="1400" dirty="0"/>
+              <a:t>- Delete</a:t>
+            </a:r>
+          </a:p>
+        </p:txBody>
+      </p:sp>
+      <p:sp>
+        <p:nvSpPr>
+          <p:cNvPr id="69" name="TextBox 68">
+            <a:extLst>
+              <a:ext uri="{FF2B5EF4-FFF2-40B4-BE49-F238E27FC236}">
+                <a16:creationId xmlns:a16="http://schemas.microsoft.com/office/drawing/2014/main" id="{A71595D3-7E1A-45B3-97B1-20B40E5DA8F3}"/>
+              </a:ext>
+            </a:extLst>
+          </p:cNvPr>
+          <p:cNvSpPr txBox="1"/>
+          <p:nvPr/>
+        </p:nvSpPr>
+        <p:spPr>
+          <a:xfrm>
+            <a:off x="4365389" y="4867292"/>
+            <a:ext cx="1085195" cy="307777"/>
+          </a:xfrm>
+          <a:prstGeom prst="rect">
+            <a:avLst/>
+          </a:prstGeom>
+          <a:noFill/>
+        </p:spPr>
+        <p:txBody>
+          <a:bodyPr wrap="square" rtlCol="0">
+            <a:spAutoFit/>
+          </a:bodyPr>
+          <a:lstStyle/>
+          <a:p>
+            <a:pPr algn="ctr"/>
+            <a:r>
+              <a:rPr lang="en-US" altLang="zh-CN" sz="1400" dirty="0"/>
+              <a:t>Exceptions</a:t>
+            </a:r>
+            <a:endParaRPr lang="en-US" sz="1400" dirty="0"/>
           </a:p>
         </p:txBody>
       </p:sp>

--- a/TechPresentation.pptx
+++ b/TechPresentation.pptx
@@ -264,7 +264,7 @@
           <a:p>
             <a:fld id="{2DCF7605-F396-4A0D-BFC1-B4C6E63FC903}" type="datetimeFigureOut">
               <a:rPr lang="en-US" smtClean="0"/>
-              <a:t>2/3/2021</a:t>
+              <a:t>2/24/2021</a:t>
             </a:fld>
             <a:endParaRPr lang="en-US"/>
           </a:p>
@@ -462,7 +462,7 @@
           <a:p>
             <a:fld id="{2DCF7605-F396-4A0D-BFC1-B4C6E63FC903}" type="datetimeFigureOut">
               <a:rPr lang="en-US" smtClean="0"/>
-              <a:t>2/3/2021</a:t>
+              <a:t>2/24/2021</a:t>
             </a:fld>
             <a:endParaRPr lang="en-US"/>
           </a:p>
@@ -670,7 +670,7 @@
           <a:p>
             <a:fld id="{2DCF7605-F396-4A0D-BFC1-B4C6E63FC903}" type="datetimeFigureOut">
               <a:rPr lang="en-US" smtClean="0"/>
-              <a:t>2/3/2021</a:t>
+              <a:t>2/24/2021</a:t>
             </a:fld>
             <a:endParaRPr lang="en-US"/>
           </a:p>
@@ -868,7 +868,7 @@
           <a:p>
             <a:fld id="{2DCF7605-F396-4A0D-BFC1-B4C6E63FC903}" type="datetimeFigureOut">
               <a:rPr lang="en-US" smtClean="0"/>
-              <a:t>2/3/2021</a:t>
+              <a:t>2/24/2021</a:t>
             </a:fld>
             <a:endParaRPr lang="en-US"/>
           </a:p>
@@ -1143,7 +1143,7 @@
           <a:p>
             <a:fld id="{2DCF7605-F396-4A0D-BFC1-B4C6E63FC903}" type="datetimeFigureOut">
               <a:rPr lang="en-US" smtClean="0"/>
-              <a:t>2/3/2021</a:t>
+              <a:t>2/24/2021</a:t>
             </a:fld>
             <a:endParaRPr lang="en-US"/>
           </a:p>
@@ -1408,7 +1408,7 @@
           <a:p>
             <a:fld id="{2DCF7605-F396-4A0D-BFC1-B4C6E63FC903}" type="datetimeFigureOut">
               <a:rPr lang="en-US" smtClean="0"/>
-              <a:t>2/3/2021</a:t>
+              <a:t>2/24/2021</a:t>
             </a:fld>
             <a:endParaRPr lang="en-US"/>
           </a:p>
@@ -1820,7 +1820,7 @@
           <a:p>
             <a:fld id="{2DCF7605-F396-4A0D-BFC1-B4C6E63FC903}" type="datetimeFigureOut">
               <a:rPr lang="en-US" smtClean="0"/>
-              <a:t>2/3/2021</a:t>
+              <a:t>2/24/2021</a:t>
             </a:fld>
             <a:endParaRPr lang="en-US"/>
           </a:p>
@@ -1961,7 +1961,7 @@
           <a:p>
             <a:fld id="{2DCF7605-F396-4A0D-BFC1-B4C6E63FC903}" type="datetimeFigureOut">
               <a:rPr lang="en-US" smtClean="0"/>
-              <a:t>2/3/2021</a:t>
+              <a:t>2/24/2021</a:t>
             </a:fld>
             <a:endParaRPr lang="en-US"/>
           </a:p>
@@ -2074,7 +2074,7 @@
           <a:p>
             <a:fld id="{2DCF7605-F396-4A0D-BFC1-B4C6E63FC903}" type="datetimeFigureOut">
               <a:rPr lang="en-US" smtClean="0"/>
-              <a:t>2/3/2021</a:t>
+              <a:t>2/24/2021</a:t>
             </a:fld>
             <a:endParaRPr lang="en-US"/>
           </a:p>
@@ -2385,7 +2385,7 @@
           <a:p>
             <a:fld id="{2DCF7605-F396-4A0D-BFC1-B4C6E63FC903}" type="datetimeFigureOut">
               <a:rPr lang="en-US" smtClean="0"/>
-              <a:t>2/3/2021</a:t>
+              <a:t>2/24/2021</a:t>
             </a:fld>
             <a:endParaRPr lang="en-US"/>
           </a:p>
@@ -2673,7 +2673,7 @@
           <a:p>
             <a:fld id="{2DCF7605-F396-4A0D-BFC1-B4C6E63FC903}" type="datetimeFigureOut">
               <a:rPr lang="en-US" smtClean="0"/>
-              <a:t>2/3/2021</a:t>
+              <a:t>2/24/2021</a:t>
             </a:fld>
             <a:endParaRPr lang="en-US"/>
           </a:p>
@@ -2914,7 +2914,7 @@
           <a:p>
             <a:fld id="{2DCF7605-F396-4A0D-BFC1-B4C6E63FC903}" type="datetimeFigureOut">
               <a:rPr lang="en-US" smtClean="0"/>
-              <a:t>2/3/2021</a:t>
+              <a:t>2/24/2021</a:t>
             </a:fld>
             <a:endParaRPr lang="en-US"/>
           </a:p>
@@ -9231,60 +9231,6 @@
       </p:sp>
       <p:sp>
         <p:nvSpPr>
-          <p:cNvPr id="31" name="Arrow: Right 30">
-            <a:extLst>
-              <a:ext uri="{FF2B5EF4-FFF2-40B4-BE49-F238E27FC236}">
-                <a16:creationId xmlns:a16="http://schemas.microsoft.com/office/drawing/2014/main" id="{39B032FA-D551-40B6-AF5A-6231586A49DB}"/>
-              </a:ext>
-            </a:extLst>
-          </p:cNvPr>
-          <p:cNvSpPr/>
-          <p:nvPr/>
-        </p:nvSpPr>
-        <p:spPr>
-          <a:xfrm rot="16200000">
-            <a:off x="12421376" y="684891"/>
-            <a:ext cx="1306286" cy="144628"/>
-          </a:xfrm>
-          <a:prstGeom prst="rightArrow">
-            <a:avLst/>
-          </a:prstGeom>
-          <a:solidFill>
-            <a:schemeClr val="bg1">
-              <a:lumMod val="85000"/>
-            </a:schemeClr>
-          </a:solidFill>
-          <a:ln>
-            <a:noFill/>
-          </a:ln>
-        </p:spPr>
-        <p:style>
-          <a:lnRef idx="2">
-            <a:schemeClr val="accent1">
-              <a:shade val="50000"/>
-            </a:schemeClr>
-          </a:lnRef>
-          <a:fillRef idx="1">
-            <a:schemeClr val="accent1"/>
-          </a:fillRef>
-          <a:effectRef idx="0">
-            <a:schemeClr val="accent1"/>
-          </a:effectRef>
-          <a:fontRef idx="minor">
-            <a:schemeClr val="lt1"/>
-          </a:fontRef>
-        </p:style>
-        <p:txBody>
-          <a:bodyPr rtlCol="0" anchor="ctr"/>
-          <a:lstStyle/>
-          <a:p>
-            <a:pPr algn="ctr"/>
-            <a:endParaRPr lang="en-US"/>
-          </a:p>
-        </p:txBody>
-      </p:sp>
-      <p:sp>
-        <p:nvSpPr>
           <p:cNvPr id="32" name="Arrow: Right 31">
             <a:extLst>
               <a:ext uri="{FF2B5EF4-FFF2-40B4-BE49-F238E27FC236}">
